--- a/静态类型的Python.pptx
+++ b/静态类型的Python.pptx
@@ -5,7 +5,7 @@
     <p:sldMasterId id="2147483720" r:id="rId1"/>
   </p:sldMasterIdLst>
   <p:notesMasterIdLst>
-    <p:notesMasterId r:id="rId20"/>
+    <p:notesMasterId r:id="rId22"/>
   </p:notesMasterIdLst>
   <p:sldIdLst>
     <p:sldId id="256" r:id="rId2"/>
@@ -13,19 +13,21 @@
     <p:sldId id="257" r:id="rId4"/>
     <p:sldId id="258" r:id="rId5"/>
     <p:sldId id="272" r:id="rId6"/>
-    <p:sldId id="268" r:id="rId7"/>
-    <p:sldId id="267" r:id="rId8"/>
-    <p:sldId id="269" r:id="rId9"/>
-    <p:sldId id="271" r:id="rId10"/>
-    <p:sldId id="274" r:id="rId11"/>
-    <p:sldId id="275" r:id="rId12"/>
-    <p:sldId id="277" r:id="rId13"/>
-    <p:sldId id="280" r:id="rId14"/>
-    <p:sldId id="270" r:id="rId15"/>
-    <p:sldId id="276" r:id="rId16"/>
-    <p:sldId id="278" r:id="rId17"/>
-    <p:sldId id="279" r:id="rId18"/>
-    <p:sldId id="265" r:id="rId19"/>
+    <p:sldId id="270" r:id="rId7"/>
+    <p:sldId id="276" r:id="rId8"/>
+    <p:sldId id="279" r:id="rId9"/>
+    <p:sldId id="282" r:id="rId10"/>
+    <p:sldId id="267" r:id="rId11"/>
+    <p:sldId id="269" r:id="rId12"/>
+    <p:sldId id="271" r:id="rId13"/>
+    <p:sldId id="274" r:id="rId14"/>
+    <p:sldId id="275" r:id="rId15"/>
+    <p:sldId id="277" r:id="rId16"/>
+    <p:sldId id="280" r:id="rId17"/>
+    <p:sldId id="278" r:id="rId18"/>
+    <p:sldId id="283" r:id="rId19"/>
+    <p:sldId id="281" r:id="rId20"/>
+    <p:sldId id="265" r:id="rId21"/>
   </p:sldIdLst>
   <p:sldSz cx="9144000" cy="6858000" type="screen4x3"/>
   <p:notesSz cx="6858000" cy="9144000"/>
@@ -134,7 +136,10 @@
             <p14:sldId id="257"/>
             <p14:sldId id="258"/>
             <p14:sldId id="272"/>
-            <p14:sldId id="268"/>
+            <p14:sldId id="270"/>
+            <p14:sldId id="276"/>
+            <p14:sldId id="279"/>
+            <p14:sldId id="282"/>
             <p14:sldId id="267"/>
             <p14:sldId id="269"/>
             <p14:sldId id="271"/>
@@ -142,10 +147,9 @@
             <p14:sldId id="275"/>
             <p14:sldId id="277"/>
             <p14:sldId id="280"/>
-            <p14:sldId id="270"/>
-            <p14:sldId id="276"/>
             <p14:sldId id="278"/>
-            <p14:sldId id="279"/>
+            <p14:sldId id="283"/>
+            <p14:sldId id="281"/>
             <p14:sldId id="265"/>
           </p14:sldIdLst>
         </p14:section>
@@ -240,7 +244,7 @@
           <a:p>
             <a:fld id="{B60CF929-FB50-4741-84D7-8CF100C351D5}" type="datetimeFigureOut">
               <a:rPr lang="zh-CN" altLang="en-US" smtClean="0"/>
-              <a:t>2019/10/16</a:t>
+              <a:t>2019/10/17</a:t>
             </a:fld>
             <a:endParaRPr lang="zh-CN" altLang="en-US"/>
           </a:p>
@@ -639,7 +643,7 @@
           <a:p>
             <a:fld id="{EADB36C7-D541-4BF6-9714-E05BD68324BF}" type="slidenum">
               <a:rPr lang="zh-CN" altLang="en-US" smtClean="0"/>
-              <a:t>10</a:t>
+              <a:t>13</a:t>
             </a:fld>
             <a:endParaRPr lang="zh-CN" altLang="en-US"/>
           </a:p>
@@ -723,7 +727,7 @@
           <a:p>
             <a:fld id="{EADB36C7-D541-4BF6-9714-E05BD68324BF}" type="slidenum">
               <a:rPr lang="zh-CN" altLang="en-US" smtClean="0"/>
-              <a:t>11</a:t>
+              <a:t>14</a:t>
             </a:fld>
             <a:endParaRPr lang="zh-CN" altLang="en-US"/>
           </a:p>
@@ -873,7 +877,7 @@
           <a:p>
             <a:fld id="{F0A149CF-A045-8242-8B65-E2C12EB46815}" type="datetimeFigureOut">
               <a:rPr kumimoji="1" lang="zh-CN" altLang="en-US" smtClean="0"/>
-              <a:t>2019/10/16</a:t>
+              <a:t>2019/10/17</a:t>
             </a:fld>
             <a:endParaRPr kumimoji="1" lang="zh-CN" altLang="en-US"/>
           </a:p>
@@ -1038,7 +1042,7 @@
           <a:p>
             <a:fld id="{F0A149CF-A045-8242-8B65-E2C12EB46815}" type="datetimeFigureOut">
               <a:rPr kumimoji="1" lang="zh-CN" altLang="en-US" smtClean="0"/>
-              <a:t>2019/10/16</a:t>
+              <a:t>2019/10/17</a:t>
             </a:fld>
             <a:endParaRPr kumimoji="1" lang="zh-CN" altLang="en-US"/>
           </a:p>
@@ -1213,7 +1217,7 @@
           <a:p>
             <a:fld id="{F0A149CF-A045-8242-8B65-E2C12EB46815}" type="datetimeFigureOut">
               <a:rPr kumimoji="1" lang="zh-CN" altLang="en-US" smtClean="0"/>
-              <a:t>2019/10/16</a:t>
+              <a:t>2019/10/17</a:t>
             </a:fld>
             <a:endParaRPr kumimoji="1" lang="zh-CN" altLang="en-US"/>
           </a:p>
@@ -1378,7 +1382,7 @@
           <a:p>
             <a:fld id="{F0A149CF-A045-8242-8B65-E2C12EB46815}" type="datetimeFigureOut">
               <a:rPr kumimoji="1" lang="zh-CN" altLang="en-US" smtClean="0"/>
-              <a:t>2019/10/16</a:t>
+              <a:t>2019/10/17</a:t>
             </a:fld>
             <a:endParaRPr kumimoji="1" lang="zh-CN" altLang="en-US"/>
           </a:p>
@@ -1617,7 +1621,7 @@
           <a:p>
             <a:fld id="{F0A149CF-A045-8242-8B65-E2C12EB46815}" type="datetimeFigureOut">
               <a:rPr kumimoji="1" lang="zh-CN" altLang="en-US" smtClean="0"/>
-              <a:t>2019/10/16</a:t>
+              <a:t>2019/10/17</a:t>
             </a:fld>
             <a:endParaRPr kumimoji="1" lang="zh-CN" altLang="en-US"/>
           </a:p>
@@ -1844,7 +1848,7 @@
           <a:p>
             <a:fld id="{F0A149CF-A045-8242-8B65-E2C12EB46815}" type="datetimeFigureOut">
               <a:rPr kumimoji="1" lang="zh-CN" altLang="en-US" smtClean="0"/>
-              <a:t>2019/10/16</a:t>
+              <a:t>2019/10/17</a:t>
             </a:fld>
             <a:endParaRPr kumimoji="1" lang="zh-CN" altLang="en-US"/>
           </a:p>
@@ -2206,7 +2210,7 @@
           <a:p>
             <a:fld id="{F0A149CF-A045-8242-8B65-E2C12EB46815}" type="datetimeFigureOut">
               <a:rPr kumimoji="1" lang="zh-CN" altLang="en-US" smtClean="0"/>
-              <a:t>2019/10/16</a:t>
+              <a:t>2019/10/17</a:t>
             </a:fld>
             <a:endParaRPr kumimoji="1" lang="zh-CN" altLang="en-US"/>
           </a:p>
@@ -2319,7 +2323,7 @@
           <a:p>
             <a:fld id="{F0A149CF-A045-8242-8B65-E2C12EB46815}" type="datetimeFigureOut">
               <a:rPr kumimoji="1" lang="zh-CN" altLang="en-US" smtClean="0"/>
-              <a:t>2019/10/16</a:t>
+              <a:t>2019/10/17</a:t>
             </a:fld>
             <a:endParaRPr kumimoji="1" lang="zh-CN" altLang="en-US"/>
           </a:p>
@@ -2409,7 +2413,7 @@
           <a:p>
             <a:fld id="{F0A149CF-A045-8242-8B65-E2C12EB46815}" type="datetimeFigureOut">
               <a:rPr kumimoji="1" lang="zh-CN" altLang="en-US" smtClean="0"/>
-              <a:t>2019/10/16</a:t>
+              <a:t>2019/10/17</a:t>
             </a:fld>
             <a:endParaRPr kumimoji="1" lang="zh-CN" altLang="en-US"/>
           </a:p>
@@ -2681,7 +2685,7 @@
           <a:p>
             <a:fld id="{F0A149CF-A045-8242-8B65-E2C12EB46815}" type="datetimeFigureOut">
               <a:rPr kumimoji="1" lang="zh-CN" altLang="en-US" smtClean="0"/>
-              <a:t>2019/10/16</a:t>
+              <a:t>2019/10/17</a:t>
             </a:fld>
             <a:endParaRPr kumimoji="1" lang="zh-CN" altLang="en-US"/>
           </a:p>
@@ -2933,7 +2937,7 @@
           <a:p>
             <a:fld id="{F0A149CF-A045-8242-8B65-E2C12EB46815}" type="datetimeFigureOut">
               <a:rPr kumimoji="1" lang="zh-CN" altLang="en-US" smtClean="0"/>
-              <a:t>2019/10/16</a:t>
+              <a:t>2019/10/17</a:t>
             </a:fld>
             <a:endParaRPr kumimoji="1" lang="zh-CN" altLang="en-US"/>
           </a:p>
@@ -3141,7 +3145,7 @@
           <a:p>
             <a:fld id="{F0A149CF-A045-8242-8B65-E2C12EB46815}" type="datetimeFigureOut">
               <a:rPr kumimoji="1" lang="zh-CN" altLang="en-US" smtClean="0"/>
-              <a:t>2019/10/16</a:t>
+              <a:t>2019/10/17</a:t>
             </a:fld>
             <a:endParaRPr kumimoji="1" lang="zh-CN" altLang="en-US"/>
           </a:p>
@@ -3690,6 +3694,1915 @@
     <p:bg>
       <p:bgPr>
         <a:blipFill dpi="0" rotWithShape="1">
+          <a:blip r:embed="rId2">
+            <a:lum/>
+          </a:blip>
+          <a:srcRect/>
+          <a:stretch>
+            <a:fillRect/>
+          </a:stretch>
+        </a:blipFill>
+        <a:effectLst/>
+      </p:bgPr>
+    </p:bg>
+    <p:spTree>
+      <p:nvGrpSpPr>
+        <p:cNvPr id="1" name=""/>
+        <p:cNvGrpSpPr/>
+        <p:nvPr/>
+      </p:nvGrpSpPr>
+      <p:grpSpPr>
+        <a:xfrm>
+          <a:off x="0" y="0"/>
+          <a:ext cx="0" cy="0"/>
+          <a:chOff x="0" y="0"/>
+          <a:chExt cx="0" cy="0"/>
+        </a:xfrm>
+      </p:grpSpPr>
+      <p:grpSp>
+        <p:nvGrpSpPr>
+          <p:cNvPr id="6" name="组合 5">
+            <a:extLst>
+              <a:ext uri="{FF2B5EF4-FFF2-40B4-BE49-F238E27FC236}">
+                <a16:creationId xmlns:a16="http://schemas.microsoft.com/office/drawing/2014/main" id="{D84189E8-F941-934E-9665-2A7A42321EAC}"/>
+              </a:ext>
+            </a:extLst>
+          </p:cNvPr>
+          <p:cNvGrpSpPr>
+            <a:grpSpLocks noChangeAspect="1"/>
+          </p:cNvGrpSpPr>
+          <p:nvPr/>
+        </p:nvGrpSpPr>
+        <p:grpSpPr>
+          <a:xfrm>
+            <a:off x="3840785" y="2487538"/>
+            <a:ext cx="4915757" cy="1902507"/>
+            <a:chOff x="5444855" y="2958485"/>
+            <a:chExt cx="8129097" cy="1906519"/>
+          </a:xfrm>
+        </p:grpSpPr>
+        <p:sp>
+          <p:nvSpPr>
+            <p:cNvPr id="7" name="矩形 4">
+              <a:extLst>
+                <a:ext uri="{FF2B5EF4-FFF2-40B4-BE49-F238E27FC236}">
+                  <a16:creationId xmlns:a16="http://schemas.microsoft.com/office/drawing/2014/main" id="{79CDFBDD-E821-714D-95A5-2B56BA1E71DC}"/>
+                </a:ext>
+              </a:extLst>
+            </p:cNvPr>
+            <p:cNvSpPr>
+              <a:spLocks noChangeArrowheads="1"/>
+            </p:cNvSpPr>
+            <p:nvPr/>
+          </p:nvSpPr>
+          <p:spPr bwMode="auto">
+            <a:xfrm>
+              <a:off x="5477122" y="2958485"/>
+              <a:ext cx="8096830" cy="555166"/>
+            </a:xfrm>
+            <a:prstGeom prst="rect">
+              <a:avLst/>
+            </a:prstGeom>
+            <a:noFill/>
+            <a:ln>
+              <a:noFill/>
+            </a:ln>
+            <a:extLst>
+              <a:ext uri="{909E8E84-426E-40DD-AFC4-6F175D3DCCD1}">
+                <a14:hiddenFill xmlns:a14="http://schemas.microsoft.com/office/drawing/2010/main">
+                  <a:solidFill>
+                    <a:srgbClr val="FFFFFF"/>
+                  </a:solidFill>
+                </a14:hiddenFill>
+              </a:ext>
+              <a:ext uri="{91240B29-F687-4F45-9708-019B960494DF}">
+                <a14:hiddenLine xmlns:a14="http://schemas.microsoft.com/office/drawing/2010/main" w="9525">
+                  <a:solidFill>
+                    <a:srgbClr val="000000"/>
+                  </a:solidFill>
+                  <a:miter lim="800000"/>
+                  <a:headEnd/>
+                  <a:tailEnd/>
+                </a14:hiddenLine>
+              </a:ext>
+            </a:extLst>
+          </p:spPr>
+          <p:txBody>
+            <a:bodyPr>
+              <a:spAutoFit/>
+            </a:bodyPr>
+            <a:lstStyle/>
+            <a:p>
+              <a:r>
+                <a:rPr lang="zh-CN" altLang="en-US" sz="3000" b="1" dirty="0">
+                  <a:solidFill>
+                    <a:schemeClr val="bg1"/>
+                  </a:solidFill>
+                  <a:latin typeface="Microsoft YaHei" panose="020B0503020204020204" pitchFamily="34" charset="-122"/>
+                  <a:ea typeface="Microsoft YaHei" panose="020B0503020204020204" pitchFamily="34" charset="-122"/>
+                  <a:sym typeface="Arial" panose="020B0604020202020204" pitchFamily="34" charset="0"/>
+                </a:rPr>
+                <a:t>简单的代数数据类型</a:t>
+              </a:r>
+            </a:p>
+          </p:txBody>
+        </p:sp>
+        <p:sp>
+          <p:nvSpPr>
+            <p:cNvPr id="8" name="矩形 24">
+              <a:extLst>
+                <a:ext uri="{FF2B5EF4-FFF2-40B4-BE49-F238E27FC236}">
+                  <a16:creationId xmlns:a16="http://schemas.microsoft.com/office/drawing/2014/main" id="{4C16A8E4-4509-B440-8A58-03DF86ED0B67}"/>
+                </a:ext>
+              </a:extLst>
+            </p:cNvPr>
+            <p:cNvSpPr>
+              <a:spLocks noChangeArrowheads="1"/>
+            </p:cNvSpPr>
+            <p:nvPr/>
+          </p:nvSpPr>
+          <p:spPr bwMode="auto">
+            <a:xfrm>
+              <a:off x="5444855" y="3705710"/>
+              <a:ext cx="7488366" cy="1159294"/>
+            </a:xfrm>
+            <a:prstGeom prst="rect">
+              <a:avLst/>
+            </a:prstGeom>
+            <a:noFill/>
+            <a:ln>
+              <a:noFill/>
+            </a:ln>
+            <a:extLst>
+              <a:ext uri="{909E8E84-426E-40DD-AFC4-6F175D3DCCD1}">
+                <a14:hiddenFill xmlns:a14="http://schemas.microsoft.com/office/drawing/2010/main">
+                  <a:solidFill>
+                    <a:srgbClr val="FFFFFF"/>
+                  </a:solidFill>
+                </a14:hiddenFill>
+              </a:ext>
+              <a:ext uri="{91240B29-F687-4F45-9708-019B960494DF}">
+                <a14:hiddenLine xmlns:a14="http://schemas.microsoft.com/office/drawing/2010/main" w="9525">
+                  <a:solidFill>
+                    <a:srgbClr val="000000"/>
+                  </a:solidFill>
+                  <a:miter lim="800000"/>
+                  <a:headEnd/>
+                  <a:tailEnd/>
+                </a14:hiddenLine>
+              </a:ext>
+            </a:extLst>
+          </p:spPr>
+          <p:txBody>
+            <a:bodyPr wrap="square">
+              <a:spAutoFit/>
+            </a:bodyPr>
+            <a:lstStyle/>
+            <a:p>
+              <a:pPr>
+                <a:lnSpc>
+                  <a:spcPct val="150000"/>
+                </a:lnSpc>
+              </a:pPr>
+              <a:r>
+                <a:rPr lang="zh-CN" altLang="en-US" sz="1600" dirty="0">
+                  <a:solidFill>
+                    <a:schemeClr val="bg1"/>
+                  </a:solidFill>
+                  <a:latin typeface="微软雅黑" panose="020B0503020204020204" pitchFamily="34" charset="-122"/>
+                  <a:ea typeface="微软雅黑" panose="020B0503020204020204" pitchFamily="34" charset="-122"/>
+                  <a:sym typeface="微软雅黑" panose="020B0503020204020204" pitchFamily="34" charset="-122"/>
+                </a:rPr>
+                <a:t>作为</a:t>
+              </a:r>
+              <a:r>
+                <a:rPr lang="en-US" altLang="zh-CN" sz="1600" dirty="0" err="1">
+                  <a:solidFill>
+                    <a:schemeClr val="bg1"/>
+                  </a:solidFill>
+                  <a:latin typeface="微软雅黑" panose="020B0503020204020204" pitchFamily="34" charset="-122"/>
+                  <a:ea typeface="微软雅黑" panose="020B0503020204020204" pitchFamily="34" charset="-122"/>
+                  <a:sym typeface="微软雅黑" panose="020B0503020204020204" pitchFamily="34" charset="-122"/>
+                </a:rPr>
+                <a:t>mypy</a:t>
+              </a:r>
+              <a:r>
+                <a:rPr lang="zh-CN" altLang="en-US" sz="1600" dirty="0">
+                  <a:solidFill>
+                    <a:schemeClr val="bg1"/>
+                  </a:solidFill>
+                  <a:latin typeface="微软雅黑" panose="020B0503020204020204" pitchFamily="34" charset="-122"/>
+                  <a:ea typeface="微软雅黑" panose="020B0503020204020204" pitchFamily="34" charset="-122"/>
+                  <a:sym typeface="微软雅黑" panose="020B0503020204020204" pitchFamily="34" charset="-122"/>
+                </a:rPr>
+                <a:t>的凭依</a:t>
+              </a:r>
+              <a:endParaRPr lang="en-US" altLang="zh-CN" sz="1600" dirty="0">
+                <a:solidFill>
+                  <a:schemeClr val="bg1"/>
+                </a:solidFill>
+                <a:latin typeface="微软雅黑" panose="020B0503020204020204" pitchFamily="34" charset="-122"/>
+                <a:ea typeface="微软雅黑" panose="020B0503020204020204" pitchFamily="34" charset="-122"/>
+                <a:sym typeface="微软雅黑" panose="020B0503020204020204" pitchFamily="34" charset="-122"/>
+              </a:endParaRPr>
+            </a:p>
+            <a:p>
+              <a:pPr>
+                <a:lnSpc>
+                  <a:spcPct val="150000"/>
+                </a:lnSpc>
+              </a:pPr>
+              <a:r>
+                <a:rPr lang="zh-CN" altLang="en-US" sz="1600" dirty="0">
+                  <a:solidFill>
+                    <a:schemeClr val="bg1"/>
+                  </a:solidFill>
+                  <a:latin typeface="微软雅黑" panose="020B0503020204020204" pitchFamily="34" charset="-122"/>
+                  <a:ea typeface="微软雅黑" panose="020B0503020204020204" pitchFamily="34" charset="-122"/>
+                  <a:sym typeface="微软雅黑" panose="020B0503020204020204" pitchFamily="34" charset="-122"/>
+                </a:rPr>
+                <a:t>像研究代数一样去研究类型之间的关系</a:t>
+              </a:r>
+              <a:endParaRPr lang="en-US" altLang="zh-CN" sz="1600" dirty="0">
+                <a:solidFill>
+                  <a:schemeClr val="bg1"/>
+                </a:solidFill>
+                <a:latin typeface="微软雅黑" panose="020B0503020204020204" pitchFamily="34" charset="-122"/>
+                <a:ea typeface="微软雅黑" panose="020B0503020204020204" pitchFamily="34" charset="-122"/>
+                <a:sym typeface="微软雅黑" panose="020B0503020204020204" pitchFamily="34" charset="-122"/>
+              </a:endParaRPr>
+            </a:p>
+            <a:p>
+              <a:pPr>
+                <a:lnSpc>
+                  <a:spcPct val="150000"/>
+                </a:lnSpc>
+              </a:pPr>
+              <a:r>
+                <a:rPr lang="zh-CN" altLang="en-US" sz="1600" dirty="0">
+                  <a:solidFill>
+                    <a:schemeClr val="bg1"/>
+                  </a:solidFill>
+                  <a:latin typeface="微软雅黑" panose="020B0503020204020204" pitchFamily="34" charset="-122"/>
+                  <a:ea typeface="微软雅黑" panose="020B0503020204020204" pitchFamily="34" charset="-122"/>
+                  <a:sym typeface="微软雅黑" panose="020B0503020204020204" pitchFamily="34" charset="-122"/>
+                </a:rPr>
+                <a:t>待重写</a:t>
+              </a:r>
+            </a:p>
+          </p:txBody>
+        </p:sp>
+      </p:grpSp>
+    </p:spTree>
+    <p:extLst>
+      <p:ext uri="{BB962C8B-B14F-4D97-AF65-F5344CB8AC3E}">
+        <p14:creationId xmlns:p14="http://schemas.microsoft.com/office/powerpoint/2010/main" val="4051673990"/>
+      </p:ext>
+    </p:extLst>
+  </p:cSld>
+  <p:clrMapOvr>
+    <a:masterClrMapping/>
+  </p:clrMapOvr>
+</p:sld>
+</file>
+
+<file path=ppt/slides/slide11.xml><?xml version="1.0" encoding="utf-8"?>
+<p:sld xmlns:a="http://schemas.openxmlformats.org/drawingml/2006/main" xmlns:r="http://schemas.openxmlformats.org/officeDocument/2006/relationships" xmlns:p="http://schemas.openxmlformats.org/presentationml/2006/main">
+  <p:cSld>
+    <p:bg>
+      <p:bgPr>
+        <a:blipFill dpi="0" rotWithShape="1">
+          <a:blip r:embed="rId2">
+            <a:lum/>
+          </a:blip>
+          <a:srcRect/>
+          <a:stretch>
+            <a:fillRect/>
+          </a:stretch>
+        </a:blipFill>
+        <a:effectLst/>
+      </p:bgPr>
+    </p:bg>
+    <p:spTree>
+      <p:nvGrpSpPr>
+        <p:cNvPr id="1" name=""/>
+        <p:cNvGrpSpPr/>
+        <p:nvPr/>
+      </p:nvGrpSpPr>
+      <p:grpSpPr>
+        <a:xfrm>
+          <a:off x="0" y="0"/>
+          <a:ext cx="0" cy="0"/>
+          <a:chOff x="0" y="0"/>
+          <a:chExt cx="0" cy="0"/>
+        </a:xfrm>
+      </p:grpSpPr>
+      <p:sp>
+        <p:nvSpPr>
+          <p:cNvPr id="16" name="文本框 13">
+            <a:extLst>
+              <a:ext uri="{FF2B5EF4-FFF2-40B4-BE49-F238E27FC236}">
+                <a16:creationId xmlns:a16="http://schemas.microsoft.com/office/drawing/2014/main" id="{2D3B751E-9C4F-224A-BBCE-EC4DDFC8D600}"/>
+              </a:ext>
+            </a:extLst>
+          </p:cNvPr>
+          <p:cNvSpPr txBox="1">
+            <a:spLocks noChangeArrowheads="1"/>
+          </p:cNvSpPr>
+          <p:nvPr/>
+        </p:nvSpPr>
+        <p:spPr bwMode="auto">
+          <a:xfrm>
+            <a:off x="289467" y="341366"/>
+            <a:ext cx="2377574" cy="384849"/>
+          </a:xfrm>
+          <a:prstGeom prst="rect">
+            <a:avLst/>
+          </a:prstGeom>
+          <a:noFill/>
+          <a:ln>
+            <a:noFill/>
+          </a:ln>
+          <a:extLst>
+            <a:ext uri="{909E8E84-426E-40DD-AFC4-6F175D3DCCD1}">
+              <a14:hiddenFill xmlns:a14="http://schemas.microsoft.com/office/drawing/2010/main">
+                <a:solidFill>
+                  <a:srgbClr val="FFFFFF"/>
+                </a:solidFill>
+              </a14:hiddenFill>
+            </a:ext>
+            <a:ext uri="{91240B29-F687-4F45-9708-019B960494DF}">
+              <a14:hiddenLine xmlns:a14="http://schemas.microsoft.com/office/drawing/2010/main" w="9525">
+                <a:solidFill>
+                  <a:srgbClr val="000000"/>
+                </a:solidFill>
+                <a:miter lim="800000"/>
+                <a:headEnd/>
+                <a:tailEnd/>
+              </a14:hiddenLine>
+            </a:ext>
+          </a:extLst>
+        </p:spPr>
+        <p:txBody>
+          <a:bodyPr wrap="none">
+            <a:spAutoFit/>
+          </a:bodyPr>
+          <a:lstStyle>
+            <a:lvl1pPr>
+              <a:lnSpc>
+                <a:spcPct val="90000"/>
+              </a:lnSpc>
+              <a:spcBef>
+                <a:spcPts val="1000"/>
+              </a:spcBef>
+              <a:buFont typeface="Arial" charset="0"/>
+              <a:buChar char="•"/>
+              <a:defRPr sz="2800">
+                <a:solidFill>
+                  <a:schemeClr val="tx1"/>
+                </a:solidFill>
+                <a:latin typeface="Calibri" charset="0"/>
+                <a:ea typeface="等线" charset="-122"/>
+                <a:cs typeface="等线" charset="-122"/>
+              </a:defRPr>
+            </a:lvl1pPr>
+            <a:lvl2pPr marL="742950" indent="-285750">
+              <a:lnSpc>
+                <a:spcPct val="90000"/>
+              </a:lnSpc>
+              <a:spcBef>
+                <a:spcPts val="500"/>
+              </a:spcBef>
+              <a:buFont typeface="Arial" charset="0"/>
+              <a:buChar char="•"/>
+              <a:defRPr sz="2400">
+                <a:solidFill>
+                  <a:schemeClr val="tx1"/>
+                </a:solidFill>
+                <a:latin typeface="Calibri" charset="0"/>
+                <a:ea typeface="等线" charset="-122"/>
+                <a:cs typeface="等线" charset="-122"/>
+              </a:defRPr>
+            </a:lvl2pPr>
+            <a:lvl3pPr marL="1143000" indent="-228600">
+              <a:lnSpc>
+                <a:spcPct val="90000"/>
+              </a:lnSpc>
+              <a:spcBef>
+                <a:spcPts val="500"/>
+              </a:spcBef>
+              <a:buFont typeface="Arial" charset="0"/>
+              <a:buChar char="•"/>
+              <a:defRPr sz="2000">
+                <a:solidFill>
+                  <a:schemeClr val="tx1"/>
+                </a:solidFill>
+                <a:latin typeface="Calibri" charset="0"/>
+                <a:ea typeface="等线" charset="-122"/>
+                <a:cs typeface="等线" charset="-122"/>
+              </a:defRPr>
+            </a:lvl3pPr>
+            <a:lvl4pPr marL="1600200" indent="-228600">
+              <a:lnSpc>
+                <a:spcPct val="90000"/>
+              </a:lnSpc>
+              <a:spcBef>
+                <a:spcPts val="500"/>
+              </a:spcBef>
+              <a:buFont typeface="Arial" charset="0"/>
+              <a:buChar char="•"/>
+              <a:defRPr>
+                <a:solidFill>
+                  <a:schemeClr val="tx1"/>
+                </a:solidFill>
+                <a:latin typeface="Calibri" charset="0"/>
+                <a:ea typeface="等线" charset="-122"/>
+                <a:cs typeface="等线" charset="-122"/>
+              </a:defRPr>
+            </a:lvl4pPr>
+            <a:lvl5pPr marL="2057400" indent="-228600">
+              <a:lnSpc>
+                <a:spcPct val="90000"/>
+              </a:lnSpc>
+              <a:spcBef>
+                <a:spcPts val="500"/>
+              </a:spcBef>
+              <a:buFont typeface="Arial" charset="0"/>
+              <a:buChar char="•"/>
+              <a:defRPr>
+                <a:solidFill>
+                  <a:schemeClr val="tx1"/>
+                </a:solidFill>
+                <a:latin typeface="Calibri" charset="0"/>
+                <a:ea typeface="等线" charset="-122"/>
+                <a:cs typeface="等线" charset="-122"/>
+              </a:defRPr>
+            </a:lvl5pPr>
+            <a:lvl6pPr marL="2514600" indent="-228600" fontAlgn="base">
+              <a:lnSpc>
+                <a:spcPct val="90000"/>
+              </a:lnSpc>
+              <a:spcBef>
+                <a:spcPts val="500"/>
+              </a:spcBef>
+              <a:spcAft>
+                <a:spcPct val="0"/>
+              </a:spcAft>
+              <a:buFont typeface="Arial" charset="0"/>
+              <a:buChar char="•"/>
+              <a:defRPr>
+                <a:solidFill>
+                  <a:schemeClr val="tx1"/>
+                </a:solidFill>
+                <a:latin typeface="Calibri" charset="0"/>
+                <a:ea typeface="等线" charset="-122"/>
+                <a:cs typeface="等线" charset="-122"/>
+              </a:defRPr>
+            </a:lvl6pPr>
+            <a:lvl7pPr marL="2971800" indent="-228600" fontAlgn="base">
+              <a:lnSpc>
+                <a:spcPct val="90000"/>
+              </a:lnSpc>
+              <a:spcBef>
+                <a:spcPts val="500"/>
+              </a:spcBef>
+              <a:spcAft>
+                <a:spcPct val="0"/>
+              </a:spcAft>
+              <a:buFont typeface="Arial" charset="0"/>
+              <a:buChar char="•"/>
+              <a:defRPr>
+                <a:solidFill>
+                  <a:schemeClr val="tx1"/>
+                </a:solidFill>
+                <a:latin typeface="Calibri" charset="0"/>
+                <a:ea typeface="等线" charset="-122"/>
+                <a:cs typeface="等线" charset="-122"/>
+              </a:defRPr>
+            </a:lvl7pPr>
+            <a:lvl8pPr marL="3429000" indent="-228600" fontAlgn="base">
+              <a:lnSpc>
+                <a:spcPct val="90000"/>
+              </a:lnSpc>
+              <a:spcBef>
+                <a:spcPts val="500"/>
+              </a:spcBef>
+              <a:spcAft>
+                <a:spcPct val="0"/>
+              </a:spcAft>
+              <a:buFont typeface="Arial" charset="0"/>
+              <a:buChar char="•"/>
+              <a:defRPr>
+                <a:solidFill>
+                  <a:schemeClr val="tx1"/>
+                </a:solidFill>
+                <a:latin typeface="Calibri" charset="0"/>
+                <a:ea typeface="等线" charset="-122"/>
+                <a:cs typeface="等线" charset="-122"/>
+              </a:defRPr>
+            </a:lvl8pPr>
+            <a:lvl9pPr marL="3886200" indent="-228600" fontAlgn="base">
+              <a:lnSpc>
+                <a:spcPct val="90000"/>
+              </a:lnSpc>
+              <a:spcBef>
+                <a:spcPts val="500"/>
+              </a:spcBef>
+              <a:spcAft>
+                <a:spcPct val="0"/>
+              </a:spcAft>
+              <a:buFont typeface="Arial" charset="0"/>
+              <a:buChar char="•"/>
+              <a:defRPr>
+                <a:solidFill>
+                  <a:schemeClr val="tx1"/>
+                </a:solidFill>
+                <a:latin typeface="Calibri" charset="0"/>
+                <a:ea typeface="等线" charset="-122"/>
+                <a:cs typeface="等线" charset="-122"/>
+              </a:defRPr>
+            </a:lvl9pPr>
+          </a:lstStyle>
+          <a:p>
+            <a:pPr eaLnBrk="1" hangingPunct="1">
+              <a:lnSpc>
+                <a:spcPct val="100000"/>
+              </a:lnSpc>
+              <a:spcBef>
+                <a:spcPct val="0"/>
+              </a:spcBef>
+              <a:buFontTx/>
+              <a:buNone/>
+            </a:pPr>
+            <a:r>
+              <a:rPr lang="zh-CN" altLang="en-US" sz="1901" b="1" dirty="0">
+                <a:solidFill>
+                  <a:schemeClr val="bg1"/>
+                </a:solidFill>
+                <a:latin typeface="微软雅黑" charset="-122"/>
+                <a:ea typeface="微软雅黑" charset="-122"/>
+                <a:cs typeface="微软雅黑" charset="-122"/>
+              </a:rPr>
+              <a:t>简单的代数数据类型</a:t>
+            </a:r>
+          </a:p>
+        </p:txBody>
+      </p:sp>
+      <p:sp>
+        <p:nvSpPr>
+          <p:cNvPr id="3" name="矩形 24">
+            <a:extLst>
+              <a:ext uri="{FF2B5EF4-FFF2-40B4-BE49-F238E27FC236}">
+                <a16:creationId xmlns:a16="http://schemas.microsoft.com/office/drawing/2014/main" id="{4C16A8E4-4509-B440-8A58-03DF86ED0B67}"/>
+              </a:ext>
+            </a:extLst>
+          </p:cNvPr>
+          <p:cNvSpPr>
+            <a:spLocks noChangeArrowheads="1"/>
+          </p:cNvSpPr>
+          <p:nvPr/>
+        </p:nvSpPr>
+        <p:spPr bwMode="auto">
+          <a:xfrm>
+            <a:off x="286341" y="1412729"/>
+            <a:ext cx="5223564" cy="418191"/>
+          </a:xfrm>
+          <a:prstGeom prst="rect">
+            <a:avLst/>
+          </a:prstGeom>
+          <a:noFill/>
+          <a:ln>
+            <a:noFill/>
+          </a:ln>
+          <a:extLst>
+            <a:ext uri="{909E8E84-426E-40DD-AFC4-6F175D3DCCD1}">
+              <a14:hiddenFill xmlns:a14="http://schemas.microsoft.com/office/drawing/2010/main">
+                <a:solidFill>
+                  <a:srgbClr val="FFFFFF"/>
+                </a:solidFill>
+              </a14:hiddenFill>
+            </a:ext>
+            <a:ext uri="{91240B29-F687-4F45-9708-019B960494DF}">
+              <a14:hiddenLine xmlns:a14="http://schemas.microsoft.com/office/drawing/2010/main" w="9525">
+                <a:solidFill>
+                  <a:srgbClr val="000000"/>
+                </a:solidFill>
+                <a:miter lim="800000"/>
+                <a:headEnd/>
+                <a:tailEnd/>
+              </a14:hiddenLine>
+            </a:ext>
+          </a:extLst>
+        </p:spPr>
+        <p:txBody>
+          <a:bodyPr wrap="square">
+            <a:spAutoFit/>
+          </a:bodyPr>
+          <a:lstStyle/>
+          <a:p>
+            <a:pPr>
+              <a:lnSpc>
+                <a:spcPct val="150000"/>
+              </a:lnSpc>
+            </a:pPr>
+            <a:r>
+              <a:rPr lang="zh-CN" altLang="en-US" sz="1600" dirty="0">
+                <a:solidFill>
+                  <a:schemeClr val="bg1"/>
+                </a:solidFill>
+                <a:latin typeface="微软雅黑" panose="020B0503020204020204" pitchFamily="34" charset="-122"/>
+                <a:ea typeface="微软雅黑" panose="020B0503020204020204" pitchFamily="34" charset="-122"/>
+                <a:sym typeface="微软雅黑" panose="020B0503020204020204" pitchFamily="34" charset="-122"/>
+              </a:rPr>
+              <a:t>当我们在计算类型的大小时，我们在计算什么？</a:t>
+            </a:r>
+            <a:endParaRPr lang="en-US" altLang="zh-CN" sz="1600" dirty="0">
+              <a:solidFill>
+                <a:schemeClr val="bg1"/>
+              </a:solidFill>
+              <a:latin typeface="微软雅黑" panose="020B0503020204020204" pitchFamily="34" charset="-122"/>
+              <a:ea typeface="微软雅黑" panose="020B0503020204020204" pitchFamily="34" charset="-122"/>
+              <a:sym typeface="微软雅黑" panose="020B0503020204020204" pitchFamily="34" charset="-122"/>
+            </a:endParaRPr>
+          </a:p>
+        </p:txBody>
+      </p:sp>
+      <p:sp>
+        <p:nvSpPr>
+          <p:cNvPr id="4" name="矩形 24">
+            <a:extLst>
+              <a:ext uri="{FF2B5EF4-FFF2-40B4-BE49-F238E27FC236}">
+                <a16:creationId xmlns:a16="http://schemas.microsoft.com/office/drawing/2014/main" id="{2E80F812-5BB5-4838-866F-A624453C29A9}"/>
+              </a:ext>
+            </a:extLst>
+          </p:cNvPr>
+          <p:cNvSpPr>
+            <a:spLocks noChangeArrowheads="1"/>
+          </p:cNvSpPr>
+          <p:nvPr/>
+        </p:nvSpPr>
+        <p:spPr bwMode="auto">
+          <a:xfrm>
+            <a:off x="283212" y="1933554"/>
+            <a:ext cx="6404294" cy="418191"/>
+          </a:xfrm>
+          <a:prstGeom prst="rect">
+            <a:avLst/>
+          </a:prstGeom>
+          <a:noFill/>
+          <a:ln>
+            <a:noFill/>
+          </a:ln>
+          <a:extLst>
+            <a:ext uri="{909E8E84-426E-40DD-AFC4-6F175D3DCCD1}">
+              <a14:hiddenFill xmlns:a14="http://schemas.microsoft.com/office/drawing/2010/main">
+                <a:solidFill>
+                  <a:srgbClr val="FFFFFF"/>
+                </a:solidFill>
+              </a14:hiddenFill>
+            </a:ext>
+            <a:ext uri="{91240B29-F687-4F45-9708-019B960494DF}">
+              <a14:hiddenLine xmlns:a14="http://schemas.microsoft.com/office/drawing/2010/main" w="9525">
+                <a:solidFill>
+                  <a:srgbClr val="000000"/>
+                </a:solidFill>
+                <a:miter lim="800000"/>
+                <a:headEnd/>
+                <a:tailEnd/>
+              </a14:hiddenLine>
+            </a:ext>
+          </a:extLst>
+        </p:spPr>
+        <p:txBody>
+          <a:bodyPr wrap="square">
+            <a:spAutoFit/>
+          </a:bodyPr>
+          <a:lstStyle/>
+          <a:p>
+            <a:pPr>
+              <a:lnSpc>
+                <a:spcPct val="150000"/>
+              </a:lnSpc>
+            </a:pPr>
+            <a:r>
+              <a:rPr lang="zh-CN" altLang="en-US" sz="1600" dirty="0">
+                <a:solidFill>
+                  <a:schemeClr val="bg1"/>
+                </a:solidFill>
+                <a:latin typeface="微软雅黑" panose="020B0503020204020204" pitchFamily="34" charset="-122"/>
+                <a:ea typeface="微软雅黑" panose="020B0503020204020204" pitchFamily="34" charset="-122"/>
+                <a:sym typeface="微软雅黑" panose="020B0503020204020204" pitchFamily="34" charset="-122"/>
+              </a:rPr>
+              <a:t>我们通过将类型视为集合来定义类型的大小，并计算可能的元素数量</a:t>
+            </a:r>
+            <a:endParaRPr lang="en-US" altLang="zh-CN" sz="1600" dirty="0">
+              <a:solidFill>
+                <a:schemeClr val="bg1"/>
+              </a:solidFill>
+              <a:latin typeface="微软雅黑" panose="020B0503020204020204" pitchFamily="34" charset="-122"/>
+              <a:ea typeface="微软雅黑" panose="020B0503020204020204" pitchFamily="34" charset="-122"/>
+              <a:sym typeface="微软雅黑" panose="020B0503020204020204" pitchFamily="34" charset="-122"/>
+            </a:endParaRPr>
+          </a:p>
+        </p:txBody>
+      </p:sp>
+      <p:sp>
+        <p:nvSpPr>
+          <p:cNvPr id="6" name="矩形 24">
+            <a:extLst>
+              <a:ext uri="{FF2B5EF4-FFF2-40B4-BE49-F238E27FC236}">
+                <a16:creationId xmlns:a16="http://schemas.microsoft.com/office/drawing/2014/main" id="{BBCDA909-056E-4AB4-8891-28AD348FB2A5}"/>
+              </a:ext>
+            </a:extLst>
+          </p:cNvPr>
+          <p:cNvSpPr>
+            <a:spLocks noChangeArrowheads="1"/>
+          </p:cNvSpPr>
+          <p:nvPr/>
+        </p:nvSpPr>
+        <p:spPr bwMode="auto">
+          <a:xfrm>
+            <a:off x="9147129" y="3429000"/>
+            <a:ext cx="5632373" cy="787523"/>
+          </a:xfrm>
+          <a:prstGeom prst="rect">
+            <a:avLst/>
+          </a:prstGeom>
+          <a:noFill/>
+          <a:ln>
+            <a:noFill/>
+          </a:ln>
+          <a:extLst>
+            <a:ext uri="{909E8E84-426E-40DD-AFC4-6F175D3DCCD1}">
+              <a14:hiddenFill xmlns:a14="http://schemas.microsoft.com/office/drawing/2010/main">
+                <a:solidFill>
+                  <a:srgbClr val="FFFFFF"/>
+                </a:solidFill>
+              </a14:hiddenFill>
+            </a:ext>
+            <a:ext uri="{91240B29-F687-4F45-9708-019B960494DF}">
+              <a14:hiddenLine xmlns:a14="http://schemas.microsoft.com/office/drawing/2010/main" w="9525">
+                <a:solidFill>
+                  <a:srgbClr val="000000"/>
+                </a:solidFill>
+                <a:miter lim="800000"/>
+                <a:headEnd/>
+                <a:tailEnd/>
+              </a14:hiddenLine>
+            </a:ext>
+          </a:extLst>
+        </p:spPr>
+        <p:txBody>
+          <a:bodyPr wrap="square">
+            <a:spAutoFit/>
+          </a:bodyPr>
+          <a:lstStyle/>
+          <a:p>
+            <a:pPr>
+              <a:lnSpc>
+                <a:spcPct val="150000"/>
+              </a:lnSpc>
+            </a:pPr>
+            <a:r>
+              <a:rPr lang="zh-CN" altLang="en-US" sz="1600" dirty="0">
+                <a:solidFill>
+                  <a:schemeClr val="bg1"/>
+                </a:solidFill>
+                <a:latin typeface="微软雅黑" panose="020B0503020204020204" pitchFamily="34" charset="-122"/>
+                <a:ea typeface="微软雅黑" panose="020B0503020204020204" pitchFamily="34" charset="-122"/>
+                <a:sym typeface="微软雅黑" panose="020B0503020204020204" pitchFamily="34" charset="-122"/>
+              </a:rPr>
+              <a:t>比如说，因为有两个可能的布尔值</a:t>
+            </a:r>
+            <a:r>
+              <a:rPr lang="en-US" altLang="zh-CN" sz="1600" dirty="0">
+                <a:solidFill>
+                  <a:schemeClr val="bg1"/>
+                </a:solidFill>
+                <a:latin typeface="微软雅黑" panose="020B0503020204020204" pitchFamily="34" charset="-122"/>
+                <a:ea typeface="微软雅黑" panose="020B0503020204020204" pitchFamily="34" charset="-122"/>
+                <a:sym typeface="微软雅黑" panose="020B0503020204020204" pitchFamily="34" charset="-122"/>
+              </a:rPr>
+              <a:t>——True</a:t>
+            </a:r>
+            <a:r>
+              <a:rPr lang="zh-CN" altLang="en-US" sz="1600" dirty="0">
+                <a:solidFill>
+                  <a:schemeClr val="bg1"/>
+                </a:solidFill>
+                <a:latin typeface="微软雅黑" panose="020B0503020204020204" pitchFamily="34" charset="-122"/>
+                <a:ea typeface="微软雅黑" panose="020B0503020204020204" pitchFamily="34" charset="-122"/>
+                <a:sym typeface="微软雅黑" panose="020B0503020204020204" pitchFamily="34" charset="-122"/>
+              </a:rPr>
+              <a:t>和</a:t>
+            </a:r>
+            <a:r>
+              <a:rPr lang="en-US" altLang="zh-CN" sz="1600" dirty="0">
+                <a:solidFill>
+                  <a:schemeClr val="bg1"/>
+                </a:solidFill>
+                <a:latin typeface="微软雅黑" panose="020B0503020204020204" pitchFamily="34" charset="-122"/>
+                <a:ea typeface="微软雅黑" panose="020B0503020204020204" pitchFamily="34" charset="-122"/>
+                <a:sym typeface="微软雅黑" panose="020B0503020204020204" pitchFamily="34" charset="-122"/>
+              </a:rPr>
+              <a:t>False</a:t>
+            </a:r>
+            <a:r>
+              <a:rPr lang="zh-CN" altLang="en-US" sz="1600" dirty="0">
+                <a:solidFill>
+                  <a:schemeClr val="bg1"/>
+                </a:solidFill>
+                <a:latin typeface="微软雅黑" panose="020B0503020204020204" pitchFamily="34" charset="-122"/>
+                <a:ea typeface="微软雅黑" panose="020B0503020204020204" pitchFamily="34" charset="-122"/>
+                <a:sym typeface="微软雅黑" panose="020B0503020204020204" pitchFamily="34" charset="-122"/>
+              </a:rPr>
+              <a:t>，因此</a:t>
+            </a:r>
+            <a:r>
+              <a:rPr lang="en-US" altLang="zh-CN" sz="1600" dirty="0">
+                <a:solidFill>
+                  <a:schemeClr val="bg1"/>
+                </a:solidFill>
+                <a:latin typeface="微软雅黑" panose="020B0503020204020204" pitchFamily="34" charset="-122"/>
+                <a:ea typeface="微软雅黑" panose="020B0503020204020204" pitchFamily="34" charset="-122"/>
+                <a:sym typeface="微软雅黑" panose="020B0503020204020204" pitchFamily="34" charset="-122"/>
+              </a:rPr>
+              <a:t>Boolean</a:t>
+            </a:r>
+            <a:r>
+              <a:rPr lang="zh-CN" altLang="en-US" sz="1600" dirty="0">
+                <a:solidFill>
+                  <a:schemeClr val="bg1"/>
+                </a:solidFill>
+                <a:latin typeface="微软雅黑" panose="020B0503020204020204" pitchFamily="34" charset="-122"/>
+                <a:ea typeface="微软雅黑" panose="020B0503020204020204" pitchFamily="34" charset="-122"/>
+                <a:sym typeface="微软雅黑" panose="020B0503020204020204" pitchFamily="34" charset="-122"/>
+              </a:rPr>
+              <a:t>类型的大小为</a:t>
+            </a:r>
+            <a:r>
+              <a:rPr lang="en-US" altLang="zh-CN" sz="1600" dirty="0">
+                <a:solidFill>
+                  <a:schemeClr val="bg1"/>
+                </a:solidFill>
+                <a:latin typeface="微软雅黑" panose="020B0503020204020204" pitchFamily="34" charset="-122"/>
+                <a:ea typeface="微软雅黑" panose="020B0503020204020204" pitchFamily="34" charset="-122"/>
+                <a:sym typeface="微软雅黑" panose="020B0503020204020204" pitchFamily="34" charset="-122"/>
+              </a:rPr>
+              <a:t>2</a:t>
+            </a:r>
+          </a:p>
+        </p:txBody>
+      </p:sp>
+      <p:sp>
+        <p:nvSpPr>
+          <p:cNvPr id="8" name="矩形 24">
+            <a:extLst>
+              <a:ext uri="{FF2B5EF4-FFF2-40B4-BE49-F238E27FC236}">
+                <a16:creationId xmlns:a16="http://schemas.microsoft.com/office/drawing/2014/main" id="{A1406A92-A9F5-49A5-82C7-AB04526F7A69}"/>
+              </a:ext>
+            </a:extLst>
+          </p:cNvPr>
+          <p:cNvSpPr>
+            <a:spLocks noChangeArrowheads="1"/>
+          </p:cNvSpPr>
+          <p:nvPr/>
+        </p:nvSpPr>
+        <p:spPr bwMode="auto">
+          <a:xfrm>
+            <a:off x="9147130" y="4319158"/>
+            <a:ext cx="5359857" cy="787523"/>
+          </a:xfrm>
+          <a:prstGeom prst="rect">
+            <a:avLst/>
+          </a:prstGeom>
+          <a:noFill/>
+          <a:ln>
+            <a:noFill/>
+          </a:ln>
+          <a:extLst>
+            <a:ext uri="{909E8E84-426E-40DD-AFC4-6F175D3DCCD1}">
+              <a14:hiddenFill xmlns:a14="http://schemas.microsoft.com/office/drawing/2010/main">
+                <a:solidFill>
+                  <a:srgbClr val="FFFFFF"/>
+                </a:solidFill>
+              </a14:hiddenFill>
+            </a:ext>
+            <a:ext uri="{91240B29-F687-4F45-9708-019B960494DF}">
+              <a14:hiddenLine xmlns:a14="http://schemas.microsoft.com/office/drawing/2010/main" w="9525">
+                <a:solidFill>
+                  <a:srgbClr val="000000"/>
+                </a:solidFill>
+                <a:miter lim="800000"/>
+                <a:headEnd/>
+                <a:tailEnd/>
+              </a14:hiddenLine>
+            </a:ext>
+          </a:extLst>
+        </p:spPr>
+        <p:txBody>
+          <a:bodyPr wrap="square">
+            <a:spAutoFit/>
+          </a:bodyPr>
+          <a:lstStyle/>
+          <a:p>
+            <a:pPr>
+              <a:lnSpc>
+                <a:spcPct val="150000"/>
+              </a:lnSpc>
+            </a:pPr>
+            <a:r>
+              <a:rPr lang="zh-CN" altLang="en-US" sz="1600" dirty="0">
+                <a:solidFill>
+                  <a:schemeClr val="bg1"/>
+                </a:solidFill>
+                <a:latin typeface="微软雅黑" panose="020B0503020204020204" pitchFamily="34" charset="-122"/>
+                <a:ea typeface="微软雅黑" panose="020B0503020204020204" pitchFamily="34" charset="-122"/>
+                <a:sym typeface="微软雅黑" panose="020B0503020204020204" pitchFamily="34" charset="-122"/>
+              </a:rPr>
+              <a:t>是否有一个尺寸为</a:t>
+            </a:r>
+            <a:r>
+              <a:rPr lang="en-US" altLang="zh-CN" sz="1600" dirty="0">
+                <a:solidFill>
+                  <a:schemeClr val="bg1"/>
+                </a:solidFill>
+                <a:latin typeface="微软雅黑" panose="020B0503020204020204" pitchFamily="34" charset="-122"/>
+                <a:ea typeface="微软雅黑" panose="020B0503020204020204" pitchFamily="34" charset="-122"/>
+                <a:sym typeface="微软雅黑" panose="020B0503020204020204" pitchFamily="34" charset="-122"/>
+              </a:rPr>
+              <a:t>1</a:t>
+            </a:r>
+            <a:r>
+              <a:rPr lang="zh-CN" altLang="en-US" sz="1600" dirty="0">
+                <a:solidFill>
+                  <a:schemeClr val="bg1"/>
+                </a:solidFill>
+                <a:latin typeface="微软雅黑" panose="020B0503020204020204" pitchFamily="34" charset="-122"/>
+                <a:ea typeface="微软雅黑" panose="020B0503020204020204" pitchFamily="34" charset="-122"/>
+                <a:sym typeface="微软雅黑" panose="020B0503020204020204" pitchFamily="34" charset="-122"/>
+              </a:rPr>
+              <a:t>的类型？</a:t>
+            </a:r>
+            <a:r>
+              <a:rPr lang="en-US" altLang="zh-CN" sz="1600" dirty="0">
+                <a:solidFill>
+                  <a:schemeClr val="bg1"/>
+                </a:solidFill>
+                <a:latin typeface="微软雅黑" panose="020B0503020204020204" pitchFamily="34" charset="-122"/>
+                <a:ea typeface="微软雅黑" panose="020B0503020204020204" pitchFamily="34" charset="-122"/>
+                <a:sym typeface="微软雅黑" panose="020B0503020204020204" pitchFamily="34" charset="-122"/>
+              </a:rPr>
+              <a:t>Python</a:t>
+            </a:r>
+            <a:r>
+              <a:rPr lang="zh-CN" altLang="en-US" sz="1600" dirty="0">
+                <a:solidFill>
+                  <a:schemeClr val="bg1"/>
+                </a:solidFill>
+                <a:latin typeface="微软雅黑" panose="020B0503020204020204" pitchFamily="34" charset="-122"/>
+                <a:ea typeface="微软雅黑" panose="020B0503020204020204" pitchFamily="34" charset="-122"/>
+                <a:sym typeface="微软雅黑" panose="020B0503020204020204" pitchFamily="34" charset="-122"/>
+              </a:rPr>
+              <a:t>中的空元组</a:t>
+            </a:r>
+            <a:r>
+              <a:rPr lang="en-US" altLang="zh-CN" sz="1600" dirty="0">
+                <a:solidFill>
+                  <a:schemeClr val="bg1"/>
+                </a:solidFill>
+                <a:latin typeface="微软雅黑" panose="020B0503020204020204" pitchFamily="34" charset="-122"/>
+                <a:ea typeface="微软雅黑" panose="020B0503020204020204" pitchFamily="34" charset="-122"/>
+                <a:sym typeface="微软雅黑" panose="020B0503020204020204" pitchFamily="34" charset="-122"/>
+              </a:rPr>
+              <a:t>()</a:t>
+            </a:r>
+            <a:r>
+              <a:rPr lang="zh-CN" altLang="en-US" sz="1600" dirty="0">
+                <a:solidFill>
+                  <a:schemeClr val="bg1"/>
+                </a:solidFill>
+                <a:latin typeface="微软雅黑" panose="020B0503020204020204" pitchFamily="34" charset="-122"/>
+                <a:ea typeface="微软雅黑" panose="020B0503020204020204" pitchFamily="34" charset="-122"/>
+                <a:sym typeface="微软雅黑" panose="020B0503020204020204" pitchFamily="34" charset="-122"/>
+              </a:rPr>
+              <a:t>和</a:t>
+            </a:r>
+            <a:r>
+              <a:rPr lang="en-US" altLang="zh-CN" sz="1600" dirty="0">
+                <a:solidFill>
+                  <a:schemeClr val="bg1"/>
+                </a:solidFill>
+                <a:latin typeface="微软雅黑" panose="020B0503020204020204" pitchFamily="34" charset="-122"/>
+                <a:ea typeface="微软雅黑" panose="020B0503020204020204" pitchFamily="34" charset="-122"/>
+                <a:sym typeface="微软雅黑" panose="020B0503020204020204" pitchFamily="34" charset="-122"/>
+              </a:rPr>
+              <a:t>None</a:t>
+            </a:r>
+            <a:r>
+              <a:rPr lang="zh-CN" altLang="en-US" sz="1600" dirty="0">
+                <a:solidFill>
+                  <a:schemeClr val="bg1"/>
+                </a:solidFill>
+                <a:latin typeface="微软雅黑" panose="020B0503020204020204" pitchFamily="34" charset="-122"/>
+                <a:ea typeface="微软雅黑" panose="020B0503020204020204" pitchFamily="34" charset="-122"/>
+                <a:sym typeface="微软雅黑" panose="020B0503020204020204" pitchFamily="34" charset="-122"/>
+              </a:rPr>
+              <a:t>都只有一个值</a:t>
+            </a:r>
+            <a:endParaRPr lang="en-US" altLang="zh-CN" sz="1600" dirty="0">
+              <a:solidFill>
+                <a:schemeClr val="bg1"/>
+              </a:solidFill>
+              <a:latin typeface="微软雅黑" panose="020B0503020204020204" pitchFamily="34" charset="-122"/>
+              <a:ea typeface="微软雅黑" panose="020B0503020204020204" pitchFamily="34" charset="-122"/>
+              <a:sym typeface="微软雅黑" panose="020B0503020204020204" pitchFamily="34" charset="-122"/>
+            </a:endParaRPr>
+          </a:p>
+        </p:txBody>
+      </p:sp>
+      <p:sp>
+        <p:nvSpPr>
+          <p:cNvPr id="10" name="矩形 24">
+            <a:extLst>
+              <a:ext uri="{FF2B5EF4-FFF2-40B4-BE49-F238E27FC236}">
+                <a16:creationId xmlns:a16="http://schemas.microsoft.com/office/drawing/2014/main" id="{0598B3C9-1771-4F5C-82C9-3FFDC115D6F1}"/>
+              </a:ext>
+            </a:extLst>
+          </p:cNvPr>
+          <p:cNvSpPr>
+            <a:spLocks noChangeArrowheads="1"/>
+          </p:cNvSpPr>
+          <p:nvPr/>
+        </p:nvSpPr>
+        <p:spPr bwMode="auto">
+          <a:xfrm>
+            <a:off x="9144001" y="5209316"/>
+            <a:ext cx="5871634" cy="787523"/>
+          </a:xfrm>
+          <a:prstGeom prst="rect">
+            <a:avLst/>
+          </a:prstGeom>
+          <a:noFill/>
+          <a:ln>
+            <a:noFill/>
+          </a:ln>
+          <a:extLst>
+            <a:ext uri="{909E8E84-426E-40DD-AFC4-6F175D3DCCD1}">
+              <a14:hiddenFill xmlns:a14="http://schemas.microsoft.com/office/drawing/2010/main">
+                <a:solidFill>
+                  <a:srgbClr val="FFFFFF"/>
+                </a:solidFill>
+              </a14:hiddenFill>
+            </a:ext>
+            <a:ext uri="{91240B29-F687-4F45-9708-019B960494DF}">
+              <a14:hiddenLine xmlns:a14="http://schemas.microsoft.com/office/drawing/2010/main" w="9525">
+                <a:solidFill>
+                  <a:srgbClr val="000000"/>
+                </a:solidFill>
+                <a:miter lim="800000"/>
+                <a:headEnd/>
+                <a:tailEnd/>
+              </a14:hiddenLine>
+            </a:ext>
+          </a:extLst>
+        </p:spPr>
+        <p:txBody>
+          <a:bodyPr wrap="square">
+            <a:spAutoFit/>
+          </a:bodyPr>
+          <a:lstStyle/>
+          <a:p>
+            <a:pPr>
+              <a:lnSpc>
+                <a:spcPct val="150000"/>
+              </a:lnSpc>
+            </a:pPr>
+            <a:r>
+              <a:rPr lang="zh-CN" altLang="en-US" sz="1600" dirty="0">
+                <a:solidFill>
+                  <a:schemeClr val="bg1"/>
+                </a:solidFill>
+                <a:latin typeface="微软雅黑" panose="020B0503020204020204" pitchFamily="34" charset="-122"/>
+                <a:ea typeface="微软雅黑" panose="020B0503020204020204" pitchFamily="34" charset="-122"/>
+                <a:sym typeface="微软雅黑" panose="020B0503020204020204" pitchFamily="34" charset="-122"/>
+              </a:rPr>
+              <a:t>是否有一个尺寸为</a:t>
+            </a:r>
+            <a:r>
+              <a:rPr lang="en-US" altLang="zh-CN" sz="1600" dirty="0">
+                <a:solidFill>
+                  <a:schemeClr val="bg1"/>
+                </a:solidFill>
+                <a:latin typeface="微软雅黑" panose="020B0503020204020204" pitchFamily="34" charset="-122"/>
+                <a:ea typeface="微软雅黑" panose="020B0503020204020204" pitchFamily="34" charset="-122"/>
+                <a:sym typeface="微软雅黑" panose="020B0503020204020204" pitchFamily="34" charset="-122"/>
+              </a:rPr>
+              <a:t>0</a:t>
+            </a:r>
+            <a:r>
+              <a:rPr lang="zh-CN" altLang="en-US" sz="1600" dirty="0">
+                <a:solidFill>
+                  <a:schemeClr val="bg1"/>
+                </a:solidFill>
+                <a:latin typeface="微软雅黑" panose="020B0503020204020204" pitchFamily="34" charset="-122"/>
+                <a:ea typeface="微软雅黑" panose="020B0503020204020204" pitchFamily="34" charset="-122"/>
+                <a:sym typeface="微软雅黑" panose="020B0503020204020204" pitchFamily="34" charset="-122"/>
+              </a:rPr>
+              <a:t>的类型？在</a:t>
+            </a:r>
+            <a:r>
+              <a:rPr lang="en-US" altLang="zh-CN" sz="1600" dirty="0" err="1">
+                <a:solidFill>
+                  <a:schemeClr val="bg1"/>
+                </a:solidFill>
+                <a:latin typeface="微软雅黑" panose="020B0503020204020204" pitchFamily="34" charset="-122"/>
+                <a:ea typeface="微软雅黑" panose="020B0503020204020204" pitchFamily="34" charset="-122"/>
+                <a:sym typeface="微软雅黑" panose="020B0503020204020204" pitchFamily="34" charset="-122"/>
+              </a:rPr>
+              <a:t>CPython</a:t>
+            </a:r>
+            <a:r>
+              <a:rPr lang="zh-CN" altLang="en-US" sz="1600" dirty="0">
+                <a:solidFill>
+                  <a:schemeClr val="bg1"/>
+                </a:solidFill>
+                <a:latin typeface="微软雅黑" panose="020B0503020204020204" pitchFamily="34" charset="-122"/>
+                <a:ea typeface="微软雅黑" panose="020B0503020204020204" pitchFamily="34" charset="-122"/>
+                <a:sym typeface="微软雅黑" panose="020B0503020204020204" pitchFamily="34" charset="-122"/>
+              </a:rPr>
+              <a:t>中没有尺寸为零的类型，即使是“什么都不会返回”的函数，也会返回一个</a:t>
+            </a:r>
+            <a:r>
+              <a:rPr lang="en-US" altLang="zh-CN" sz="1600" dirty="0">
+                <a:solidFill>
+                  <a:schemeClr val="bg1"/>
+                </a:solidFill>
+                <a:latin typeface="微软雅黑" panose="020B0503020204020204" pitchFamily="34" charset="-122"/>
+                <a:ea typeface="微软雅黑" panose="020B0503020204020204" pitchFamily="34" charset="-122"/>
+                <a:sym typeface="微软雅黑" panose="020B0503020204020204" pitchFamily="34" charset="-122"/>
+              </a:rPr>
+              <a:t>None</a:t>
+            </a:r>
+          </a:p>
+        </p:txBody>
+      </p:sp>
+      <p:sp>
+        <p:nvSpPr>
+          <p:cNvPr id="11" name="矩形 24">
+            <a:extLst>
+              <a:ext uri="{FF2B5EF4-FFF2-40B4-BE49-F238E27FC236}">
+                <a16:creationId xmlns:a16="http://schemas.microsoft.com/office/drawing/2014/main" id="{26B884B5-6DF6-4BAD-8660-F9F074EAE3B6}"/>
+              </a:ext>
+            </a:extLst>
+          </p:cNvPr>
+          <p:cNvSpPr>
+            <a:spLocks noChangeArrowheads="1"/>
+          </p:cNvSpPr>
+          <p:nvPr/>
+        </p:nvSpPr>
+        <p:spPr bwMode="auto">
+          <a:xfrm>
+            <a:off x="9144001" y="6099474"/>
+            <a:ext cx="5871634" cy="418191"/>
+          </a:xfrm>
+          <a:prstGeom prst="rect">
+            <a:avLst/>
+          </a:prstGeom>
+          <a:noFill/>
+          <a:ln>
+            <a:noFill/>
+          </a:ln>
+          <a:extLst>
+            <a:ext uri="{909E8E84-426E-40DD-AFC4-6F175D3DCCD1}">
+              <a14:hiddenFill xmlns:a14="http://schemas.microsoft.com/office/drawing/2010/main">
+                <a:solidFill>
+                  <a:srgbClr val="FFFFFF"/>
+                </a:solidFill>
+              </a14:hiddenFill>
+            </a:ext>
+            <a:ext uri="{91240B29-F687-4F45-9708-019B960494DF}">
+              <a14:hiddenLine xmlns:a14="http://schemas.microsoft.com/office/drawing/2010/main" w="9525">
+                <a:solidFill>
+                  <a:srgbClr val="000000"/>
+                </a:solidFill>
+                <a:miter lim="800000"/>
+                <a:headEnd/>
+                <a:tailEnd/>
+              </a14:hiddenLine>
+            </a:ext>
+          </a:extLst>
+        </p:spPr>
+        <p:txBody>
+          <a:bodyPr wrap="square">
+            <a:spAutoFit/>
+          </a:bodyPr>
+          <a:lstStyle/>
+          <a:p>
+            <a:pPr>
+              <a:lnSpc>
+                <a:spcPct val="150000"/>
+              </a:lnSpc>
+            </a:pPr>
+            <a:r>
+              <a:rPr lang="en-US" altLang="zh-CN" sz="1600" dirty="0">
+                <a:solidFill>
+                  <a:schemeClr val="bg1"/>
+                </a:solidFill>
+                <a:latin typeface="微软雅黑" panose="020B0503020204020204" pitchFamily="34" charset="-122"/>
+                <a:ea typeface="微软雅黑" panose="020B0503020204020204" pitchFamily="34" charset="-122"/>
+                <a:sym typeface="微软雅黑" panose="020B0503020204020204" pitchFamily="34" charset="-122"/>
+              </a:rPr>
+              <a:t>Typing</a:t>
+            </a:r>
+            <a:r>
+              <a:rPr lang="zh-CN" altLang="en-US" sz="1600" dirty="0">
+                <a:solidFill>
+                  <a:schemeClr val="bg1"/>
+                </a:solidFill>
+                <a:latin typeface="微软雅黑" panose="020B0503020204020204" pitchFamily="34" charset="-122"/>
+                <a:ea typeface="微软雅黑" panose="020B0503020204020204" pitchFamily="34" charset="-122"/>
+                <a:sym typeface="微软雅黑" panose="020B0503020204020204" pitchFamily="34" charset="-122"/>
+              </a:rPr>
+              <a:t>包中的</a:t>
+            </a:r>
+            <a:r>
+              <a:rPr lang="en-US" altLang="zh-CN" sz="1600" dirty="0" err="1">
+                <a:solidFill>
+                  <a:schemeClr val="bg1"/>
+                </a:solidFill>
+                <a:latin typeface="微软雅黑" panose="020B0503020204020204" pitchFamily="34" charset="-122"/>
+                <a:ea typeface="微软雅黑" panose="020B0503020204020204" pitchFamily="34" charset="-122"/>
+                <a:sym typeface="微软雅黑" panose="020B0503020204020204" pitchFamily="34" charset="-122"/>
+              </a:rPr>
+              <a:t>NoReturn</a:t>
+            </a:r>
+            <a:endParaRPr lang="en-US" altLang="zh-CN" sz="1600" dirty="0">
+              <a:solidFill>
+                <a:schemeClr val="bg1"/>
+              </a:solidFill>
+              <a:latin typeface="微软雅黑" panose="020B0503020204020204" pitchFamily="34" charset="-122"/>
+              <a:ea typeface="微软雅黑" panose="020B0503020204020204" pitchFamily="34" charset="-122"/>
+              <a:sym typeface="微软雅黑" panose="020B0503020204020204" pitchFamily="34" charset="-122"/>
+            </a:endParaRPr>
+          </a:p>
+        </p:txBody>
+      </p:sp>
+    </p:spTree>
+    <p:extLst>
+      <p:ext uri="{BB962C8B-B14F-4D97-AF65-F5344CB8AC3E}">
+        <p14:creationId xmlns:p14="http://schemas.microsoft.com/office/powerpoint/2010/main" val="3547235119"/>
+      </p:ext>
+    </p:extLst>
+  </p:cSld>
+  <p:clrMapOvr>
+    <a:masterClrMapping/>
+  </p:clrMapOvr>
+</p:sld>
+</file>
+
+<file path=ppt/slides/slide12.xml><?xml version="1.0" encoding="utf-8"?>
+<p:sld xmlns:a="http://schemas.openxmlformats.org/drawingml/2006/main" xmlns:r="http://schemas.openxmlformats.org/officeDocument/2006/relationships" xmlns:p="http://schemas.openxmlformats.org/presentationml/2006/main">
+  <p:cSld>
+    <p:bg>
+      <p:bgPr>
+        <a:blipFill dpi="0" rotWithShape="1">
+          <a:blip r:embed="rId2">
+            <a:lum/>
+          </a:blip>
+          <a:srcRect/>
+          <a:stretch>
+            <a:fillRect/>
+          </a:stretch>
+        </a:blipFill>
+        <a:effectLst/>
+      </p:bgPr>
+    </p:bg>
+    <p:spTree>
+      <p:nvGrpSpPr>
+        <p:cNvPr id="1" name=""/>
+        <p:cNvGrpSpPr/>
+        <p:nvPr/>
+      </p:nvGrpSpPr>
+      <p:grpSpPr>
+        <a:xfrm>
+          <a:off x="0" y="0"/>
+          <a:ext cx="0" cy="0"/>
+          <a:chOff x="0" y="0"/>
+          <a:chExt cx="0" cy="0"/>
+        </a:xfrm>
+      </p:grpSpPr>
+      <p:sp>
+        <p:nvSpPr>
+          <p:cNvPr id="16" name="文本框 13">
+            <a:extLst>
+              <a:ext uri="{FF2B5EF4-FFF2-40B4-BE49-F238E27FC236}">
+                <a16:creationId xmlns:a16="http://schemas.microsoft.com/office/drawing/2014/main" id="{2D3B751E-9C4F-224A-BBCE-EC4DDFC8D600}"/>
+              </a:ext>
+            </a:extLst>
+          </p:cNvPr>
+          <p:cNvSpPr txBox="1">
+            <a:spLocks noChangeArrowheads="1"/>
+          </p:cNvSpPr>
+          <p:nvPr/>
+        </p:nvSpPr>
+        <p:spPr bwMode="auto">
+          <a:xfrm>
+            <a:off x="289467" y="341366"/>
+            <a:ext cx="2377574" cy="384849"/>
+          </a:xfrm>
+          <a:prstGeom prst="rect">
+            <a:avLst/>
+          </a:prstGeom>
+          <a:noFill/>
+          <a:ln>
+            <a:noFill/>
+          </a:ln>
+          <a:extLst>
+            <a:ext uri="{909E8E84-426E-40DD-AFC4-6F175D3DCCD1}">
+              <a14:hiddenFill xmlns:a14="http://schemas.microsoft.com/office/drawing/2010/main">
+                <a:solidFill>
+                  <a:srgbClr val="FFFFFF"/>
+                </a:solidFill>
+              </a14:hiddenFill>
+            </a:ext>
+            <a:ext uri="{91240B29-F687-4F45-9708-019B960494DF}">
+              <a14:hiddenLine xmlns:a14="http://schemas.microsoft.com/office/drawing/2010/main" w="9525">
+                <a:solidFill>
+                  <a:srgbClr val="000000"/>
+                </a:solidFill>
+                <a:miter lim="800000"/>
+                <a:headEnd/>
+                <a:tailEnd/>
+              </a14:hiddenLine>
+            </a:ext>
+          </a:extLst>
+        </p:spPr>
+        <p:txBody>
+          <a:bodyPr wrap="none">
+            <a:spAutoFit/>
+          </a:bodyPr>
+          <a:lstStyle>
+            <a:lvl1pPr>
+              <a:lnSpc>
+                <a:spcPct val="90000"/>
+              </a:lnSpc>
+              <a:spcBef>
+                <a:spcPts val="1000"/>
+              </a:spcBef>
+              <a:buFont typeface="Arial" charset="0"/>
+              <a:buChar char="•"/>
+              <a:defRPr sz="2800">
+                <a:solidFill>
+                  <a:schemeClr val="tx1"/>
+                </a:solidFill>
+                <a:latin typeface="Calibri" charset="0"/>
+                <a:ea typeface="等线" charset="-122"/>
+                <a:cs typeface="等线" charset="-122"/>
+              </a:defRPr>
+            </a:lvl1pPr>
+            <a:lvl2pPr marL="742950" indent="-285750">
+              <a:lnSpc>
+                <a:spcPct val="90000"/>
+              </a:lnSpc>
+              <a:spcBef>
+                <a:spcPts val="500"/>
+              </a:spcBef>
+              <a:buFont typeface="Arial" charset="0"/>
+              <a:buChar char="•"/>
+              <a:defRPr sz="2400">
+                <a:solidFill>
+                  <a:schemeClr val="tx1"/>
+                </a:solidFill>
+                <a:latin typeface="Calibri" charset="0"/>
+                <a:ea typeface="等线" charset="-122"/>
+                <a:cs typeface="等线" charset="-122"/>
+              </a:defRPr>
+            </a:lvl2pPr>
+            <a:lvl3pPr marL="1143000" indent="-228600">
+              <a:lnSpc>
+                <a:spcPct val="90000"/>
+              </a:lnSpc>
+              <a:spcBef>
+                <a:spcPts val="500"/>
+              </a:spcBef>
+              <a:buFont typeface="Arial" charset="0"/>
+              <a:buChar char="•"/>
+              <a:defRPr sz="2000">
+                <a:solidFill>
+                  <a:schemeClr val="tx1"/>
+                </a:solidFill>
+                <a:latin typeface="Calibri" charset="0"/>
+                <a:ea typeface="等线" charset="-122"/>
+                <a:cs typeface="等线" charset="-122"/>
+              </a:defRPr>
+            </a:lvl3pPr>
+            <a:lvl4pPr marL="1600200" indent="-228600">
+              <a:lnSpc>
+                <a:spcPct val="90000"/>
+              </a:lnSpc>
+              <a:spcBef>
+                <a:spcPts val="500"/>
+              </a:spcBef>
+              <a:buFont typeface="Arial" charset="0"/>
+              <a:buChar char="•"/>
+              <a:defRPr>
+                <a:solidFill>
+                  <a:schemeClr val="tx1"/>
+                </a:solidFill>
+                <a:latin typeface="Calibri" charset="0"/>
+                <a:ea typeface="等线" charset="-122"/>
+                <a:cs typeface="等线" charset="-122"/>
+              </a:defRPr>
+            </a:lvl4pPr>
+            <a:lvl5pPr marL="2057400" indent="-228600">
+              <a:lnSpc>
+                <a:spcPct val="90000"/>
+              </a:lnSpc>
+              <a:spcBef>
+                <a:spcPts val="500"/>
+              </a:spcBef>
+              <a:buFont typeface="Arial" charset="0"/>
+              <a:buChar char="•"/>
+              <a:defRPr>
+                <a:solidFill>
+                  <a:schemeClr val="tx1"/>
+                </a:solidFill>
+                <a:latin typeface="Calibri" charset="0"/>
+                <a:ea typeface="等线" charset="-122"/>
+                <a:cs typeface="等线" charset="-122"/>
+              </a:defRPr>
+            </a:lvl5pPr>
+            <a:lvl6pPr marL="2514600" indent="-228600" fontAlgn="base">
+              <a:lnSpc>
+                <a:spcPct val="90000"/>
+              </a:lnSpc>
+              <a:spcBef>
+                <a:spcPts val="500"/>
+              </a:spcBef>
+              <a:spcAft>
+                <a:spcPct val="0"/>
+              </a:spcAft>
+              <a:buFont typeface="Arial" charset="0"/>
+              <a:buChar char="•"/>
+              <a:defRPr>
+                <a:solidFill>
+                  <a:schemeClr val="tx1"/>
+                </a:solidFill>
+                <a:latin typeface="Calibri" charset="0"/>
+                <a:ea typeface="等线" charset="-122"/>
+                <a:cs typeface="等线" charset="-122"/>
+              </a:defRPr>
+            </a:lvl6pPr>
+            <a:lvl7pPr marL="2971800" indent="-228600" fontAlgn="base">
+              <a:lnSpc>
+                <a:spcPct val="90000"/>
+              </a:lnSpc>
+              <a:spcBef>
+                <a:spcPts val="500"/>
+              </a:spcBef>
+              <a:spcAft>
+                <a:spcPct val="0"/>
+              </a:spcAft>
+              <a:buFont typeface="Arial" charset="0"/>
+              <a:buChar char="•"/>
+              <a:defRPr>
+                <a:solidFill>
+                  <a:schemeClr val="tx1"/>
+                </a:solidFill>
+                <a:latin typeface="Calibri" charset="0"/>
+                <a:ea typeface="等线" charset="-122"/>
+                <a:cs typeface="等线" charset="-122"/>
+              </a:defRPr>
+            </a:lvl7pPr>
+            <a:lvl8pPr marL="3429000" indent="-228600" fontAlgn="base">
+              <a:lnSpc>
+                <a:spcPct val="90000"/>
+              </a:lnSpc>
+              <a:spcBef>
+                <a:spcPts val="500"/>
+              </a:spcBef>
+              <a:spcAft>
+                <a:spcPct val="0"/>
+              </a:spcAft>
+              <a:buFont typeface="Arial" charset="0"/>
+              <a:buChar char="•"/>
+              <a:defRPr>
+                <a:solidFill>
+                  <a:schemeClr val="tx1"/>
+                </a:solidFill>
+                <a:latin typeface="Calibri" charset="0"/>
+                <a:ea typeface="等线" charset="-122"/>
+                <a:cs typeface="等线" charset="-122"/>
+              </a:defRPr>
+            </a:lvl8pPr>
+            <a:lvl9pPr marL="3886200" indent="-228600" fontAlgn="base">
+              <a:lnSpc>
+                <a:spcPct val="90000"/>
+              </a:lnSpc>
+              <a:spcBef>
+                <a:spcPts val="500"/>
+              </a:spcBef>
+              <a:spcAft>
+                <a:spcPct val="0"/>
+              </a:spcAft>
+              <a:buFont typeface="Arial" charset="0"/>
+              <a:buChar char="•"/>
+              <a:defRPr>
+                <a:solidFill>
+                  <a:schemeClr val="tx1"/>
+                </a:solidFill>
+                <a:latin typeface="Calibri" charset="0"/>
+                <a:ea typeface="等线" charset="-122"/>
+                <a:cs typeface="等线" charset="-122"/>
+              </a:defRPr>
+            </a:lvl9pPr>
+          </a:lstStyle>
+          <a:p>
+            <a:pPr eaLnBrk="1" hangingPunct="1">
+              <a:lnSpc>
+                <a:spcPct val="100000"/>
+              </a:lnSpc>
+              <a:spcBef>
+                <a:spcPct val="0"/>
+              </a:spcBef>
+              <a:buFontTx/>
+              <a:buNone/>
+            </a:pPr>
+            <a:r>
+              <a:rPr lang="zh-CN" altLang="en-US" sz="1901" b="1" dirty="0">
+                <a:solidFill>
+                  <a:schemeClr val="bg1"/>
+                </a:solidFill>
+                <a:latin typeface="微软雅黑" charset="-122"/>
+                <a:ea typeface="微软雅黑" charset="-122"/>
+                <a:cs typeface="微软雅黑" charset="-122"/>
+              </a:rPr>
+              <a:t>计算复合类型的大小</a:t>
+            </a:r>
+          </a:p>
+        </p:txBody>
+      </p:sp>
+      <p:pic>
+        <p:nvPicPr>
+          <p:cNvPr id="4" name="图片 3">
+            <a:extLst>
+              <a:ext uri="{FF2B5EF4-FFF2-40B4-BE49-F238E27FC236}">
+                <a16:creationId xmlns:a16="http://schemas.microsoft.com/office/drawing/2014/main" id="{6EB2DC13-E689-4E3F-8759-D06A7823E562}"/>
+              </a:ext>
+            </a:extLst>
+          </p:cNvPr>
+          <p:cNvPicPr>
+            <a:picLocks noChangeAspect="1"/>
+          </p:cNvPicPr>
+          <p:nvPr/>
+        </p:nvPicPr>
+        <p:blipFill>
+          <a:blip r:embed="rId3"/>
+          <a:stretch>
+            <a:fillRect/>
+          </a:stretch>
+        </p:blipFill>
+        <p:spPr>
+          <a:xfrm>
+            <a:off x="289467" y="726215"/>
+            <a:ext cx="3713379" cy="4774345"/>
+          </a:xfrm>
+          <a:prstGeom prst="rect">
+            <a:avLst/>
+          </a:prstGeom>
+        </p:spPr>
+      </p:pic>
+      <p:pic>
+        <p:nvPicPr>
+          <p:cNvPr id="6" name="图片 5">
+            <a:extLst>
+              <a:ext uri="{FF2B5EF4-FFF2-40B4-BE49-F238E27FC236}">
+                <a16:creationId xmlns:a16="http://schemas.microsoft.com/office/drawing/2014/main" id="{1A4DAAA1-8847-4AE1-9D7F-804F19E2E6B4}"/>
+              </a:ext>
+            </a:extLst>
+          </p:cNvPr>
+          <p:cNvPicPr>
+            <a:picLocks noChangeAspect="1"/>
+          </p:cNvPicPr>
+          <p:nvPr/>
+        </p:nvPicPr>
+        <p:blipFill>
+          <a:blip r:embed="rId4"/>
+          <a:stretch>
+            <a:fillRect/>
+          </a:stretch>
+        </p:blipFill>
+        <p:spPr>
+          <a:xfrm>
+            <a:off x="3240350" y="1357440"/>
+            <a:ext cx="4989250" cy="3498954"/>
+          </a:xfrm>
+          <a:prstGeom prst="rect">
+            <a:avLst/>
+          </a:prstGeom>
+        </p:spPr>
+      </p:pic>
+      <p:sp>
+        <p:nvSpPr>
+          <p:cNvPr id="9" name="矩形 24">
+            <a:extLst>
+              <a:ext uri="{FF2B5EF4-FFF2-40B4-BE49-F238E27FC236}">
+                <a16:creationId xmlns:a16="http://schemas.microsoft.com/office/drawing/2014/main" id="{E31F1151-662F-4ACD-9676-13190A56A3BC}"/>
+              </a:ext>
+            </a:extLst>
+          </p:cNvPr>
+          <p:cNvSpPr>
+            <a:spLocks noChangeArrowheads="1"/>
+          </p:cNvSpPr>
+          <p:nvPr/>
+        </p:nvSpPr>
+        <p:spPr bwMode="auto">
+          <a:xfrm>
+            <a:off x="4531614" y="1357440"/>
+            <a:ext cx="2406721" cy="418191"/>
+          </a:xfrm>
+          <a:prstGeom prst="rect">
+            <a:avLst/>
+          </a:prstGeom>
+          <a:noFill/>
+          <a:ln>
+            <a:noFill/>
+          </a:ln>
+          <a:extLst>
+            <a:ext uri="{909E8E84-426E-40DD-AFC4-6F175D3DCCD1}">
+              <a14:hiddenFill xmlns:a14="http://schemas.microsoft.com/office/drawing/2010/main">
+                <a:solidFill>
+                  <a:srgbClr val="FFFFFF"/>
+                </a:solidFill>
+              </a14:hiddenFill>
+            </a:ext>
+            <a:ext uri="{91240B29-F687-4F45-9708-019B960494DF}">
+              <a14:hiddenLine xmlns:a14="http://schemas.microsoft.com/office/drawing/2010/main" w="9525">
+                <a:solidFill>
+                  <a:srgbClr val="000000"/>
+                </a:solidFill>
+                <a:miter lim="800000"/>
+                <a:headEnd/>
+                <a:tailEnd/>
+              </a14:hiddenLine>
+            </a:ext>
+          </a:extLst>
+        </p:spPr>
+        <p:txBody>
+          <a:bodyPr wrap="square">
+            <a:spAutoFit/>
+          </a:bodyPr>
+          <a:lstStyle/>
+          <a:p>
+            <a:pPr>
+              <a:lnSpc>
+                <a:spcPct val="150000"/>
+              </a:lnSpc>
+            </a:pPr>
+            <a:r>
+              <a:rPr lang="zh-CN" altLang="en-US" sz="1600" dirty="0">
+                <a:solidFill>
+                  <a:schemeClr val="bg1"/>
+                </a:solidFill>
+                <a:latin typeface="微软雅黑" panose="020B0503020204020204" pitchFamily="34" charset="-122"/>
+                <a:ea typeface="微软雅黑" panose="020B0503020204020204" pitchFamily="34" charset="-122"/>
+                <a:sym typeface="微软雅黑" panose="020B0503020204020204" pitchFamily="34" charset="-122"/>
+              </a:rPr>
+              <a:t>这是</a:t>
+            </a:r>
+            <a:r>
+              <a:rPr lang="en-US" altLang="zh-CN" sz="1600" dirty="0">
+                <a:solidFill>
+                  <a:schemeClr val="bg1"/>
+                </a:solidFill>
+                <a:latin typeface="微软雅黑" panose="020B0503020204020204" pitchFamily="34" charset="-122"/>
+                <a:ea typeface="微软雅黑" panose="020B0503020204020204" pitchFamily="34" charset="-122"/>
+                <a:sym typeface="微软雅黑" panose="020B0503020204020204" pitchFamily="34" charset="-122"/>
+              </a:rPr>
+              <a:t>A</a:t>
+            </a:r>
+            <a:r>
+              <a:rPr lang="zh-CN" altLang="en-US" sz="1600" dirty="0">
+                <a:solidFill>
+                  <a:schemeClr val="bg1"/>
+                </a:solidFill>
+                <a:latin typeface="微软雅黑" panose="020B0503020204020204" pitchFamily="34" charset="-122"/>
+                <a:ea typeface="微软雅黑" panose="020B0503020204020204" pitchFamily="34" charset="-122"/>
+                <a:sym typeface="微软雅黑" panose="020B0503020204020204" pitchFamily="34" charset="-122"/>
+              </a:rPr>
+              <a:t>类型每个可能的值</a:t>
+            </a:r>
+            <a:endParaRPr lang="en-US" altLang="zh-CN" sz="1600" dirty="0">
+              <a:solidFill>
+                <a:schemeClr val="bg1"/>
+              </a:solidFill>
+              <a:latin typeface="微软雅黑" panose="020B0503020204020204" pitchFamily="34" charset="-122"/>
+              <a:ea typeface="微软雅黑" panose="020B0503020204020204" pitchFamily="34" charset="-122"/>
+              <a:sym typeface="微软雅黑" panose="020B0503020204020204" pitchFamily="34" charset="-122"/>
+            </a:endParaRPr>
+          </a:p>
+        </p:txBody>
+      </p:sp>
+      <p:sp>
+        <p:nvSpPr>
+          <p:cNvPr id="10" name="矩形 24">
+            <a:extLst>
+              <a:ext uri="{FF2B5EF4-FFF2-40B4-BE49-F238E27FC236}">
+                <a16:creationId xmlns:a16="http://schemas.microsoft.com/office/drawing/2014/main" id="{CED27642-92EF-4989-8637-B42EFD16236D}"/>
+              </a:ext>
+            </a:extLst>
+          </p:cNvPr>
+          <p:cNvSpPr>
+            <a:spLocks noChangeArrowheads="1"/>
+          </p:cNvSpPr>
+          <p:nvPr/>
+        </p:nvSpPr>
+        <p:spPr bwMode="auto">
+          <a:xfrm>
+            <a:off x="833629" y="5082369"/>
+            <a:ext cx="5629315" cy="787523"/>
+          </a:xfrm>
+          <a:prstGeom prst="rect">
+            <a:avLst/>
+          </a:prstGeom>
+          <a:noFill/>
+          <a:ln>
+            <a:noFill/>
+          </a:ln>
+          <a:extLst>
+            <a:ext uri="{909E8E84-426E-40DD-AFC4-6F175D3DCCD1}">
+              <a14:hiddenFill xmlns:a14="http://schemas.microsoft.com/office/drawing/2010/main">
+                <a:solidFill>
+                  <a:srgbClr val="FFFFFF"/>
+                </a:solidFill>
+              </a14:hiddenFill>
+            </a:ext>
+            <a:ext uri="{91240B29-F687-4F45-9708-019B960494DF}">
+              <a14:hiddenLine xmlns:a14="http://schemas.microsoft.com/office/drawing/2010/main" w="9525">
+                <a:solidFill>
+                  <a:srgbClr val="000000"/>
+                </a:solidFill>
+                <a:miter lim="800000"/>
+                <a:headEnd/>
+                <a:tailEnd/>
+              </a14:hiddenLine>
+            </a:ext>
+          </a:extLst>
+        </p:spPr>
+        <p:txBody>
+          <a:bodyPr wrap="square">
+            <a:spAutoFit/>
+          </a:bodyPr>
+          <a:lstStyle/>
+          <a:p>
+            <a:pPr>
+              <a:lnSpc>
+                <a:spcPct val="150000"/>
+              </a:lnSpc>
+            </a:pPr>
+            <a:r>
+              <a:rPr lang="zh-CN" altLang="en-US" sz="1600" dirty="0">
+                <a:solidFill>
+                  <a:schemeClr val="bg1"/>
+                </a:solidFill>
+                <a:latin typeface="微软雅黑" panose="020B0503020204020204" pitchFamily="34" charset="-122"/>
+                <a:ea typeface="微软雅黑" panose="020B0503020204020204" pitchFamily="34" charset="-122"/>
+                <a:sym typeface="微软雅黑" panose="020B0503020204020204" pitchFamily="34" charset="-122"/>
+              </a:rPr>
+              <a:t>计算规则：积（</a:t>
+            </a:r>
+            <a:r>
+              <a:rPr lang="en-US" altLang="zh-CN" sz="1600" dirty="0">
+                <a:solidFill>
+                  <a:schemeClr val="bg1"/>
+                </a:solidFill>
+                <a:latin typeface="微软雅黑" panose="020B0503020204020204" pitchFamily="34" charset="-122"/>
+                <a:ea typeface="微软雅黑" panose="020B0503020204020204" pitchFamily="34" charset="-122"/>
+                <a:sym typeface="微软雅黑" panose="020B0503020204020204" pitchFamily="34" charset="-122"/>
+              </a:rPr>
+              <a:t>Product</a:t>
+            </a:r>
+            <a:r>
+              <a:rPr lang="zh-CN" altLang="en-US" sz="1600" dirty="0">
+                <a:solidFill>
+                  <a:schemeClr val="bg1"/>
+                </a:solidFill>
+                <a:latin typeface="微软雅黑" panose="020B0503020204020204" pitchFamily="34" charset="-122"/>
+                <a:ea typeface="微软雅黑" panose="020B0503020204020204" pitchFamily="34" charset="-122"/>
+                <a:sym typeface="微软雅黑" panose="020B0503020204020204" pitchFamily="34" charset="-122"/>
+              </a:rPr>
+              <a:t>）类型的大小是所有组件类型大小的乘积。</a:t>
+            </a:r>
+            <a:endParaRPr lang="en-US" altLang="zh-CN" sz="1600" dirty="0">
+              <a:solidFill>
+                <a:schemeClr val="bg1"/>
+              </a:solidFill>
+              <a:latin typeface="微软雅黑" panose="020B0503020204020204" pitchFamily="34" charset="-122"/>
+              <a:ea typeface="微软雅黑" panose="020B0503020204020204" pitchFamily="34" charset="-122"/>
+              <a:sym typeface="微软雅黑" panose="020B0503020204020204" pitchFamily="34" charset="-122"/>
+            </a:endParaRPr>
+          </a:p>
+        </p:txBody>
+      </p:sp>
+      <p:sp>
+        <p:nvSpPr>
+          <p:cNvPr id="11" name="矩形 24">
+            <a:extLst>
+              <a:ext uri="{FF2B5EF4-FFF2-40B4-BE49-F238E27FC236}">
+                <a16:creationId xmlns:a16="http://schemas.microsoft.com/office/drawing/2014/main" id="{BD03AAE1-53EB-43B5-A3AD-B16F22AAE6C5}"/>
+              </a:ext>
+            </a:extLst>
+          </p:cNvPr>
+          <p:cNvSpPr>
+            <a:spLocks noChangeArrowheads="1"/>
+          </p:cNvSpPr>
+          <p:nvPr/>
+        </p:nvSpPr>
+        <p:spPr bwMode="auto">
+          <a:xfrm>
+            <a:off x="833629" y="5467218"/>
+            <a:ext cx="6104706" cy="418191"/>
+          </a:xfrm>
+          <a:prstGeom prst="rect">
+            <a:avLst/>
+          </a:prstGeom>
+          <a:noFill/>
+          <a:ln>
+            <a:noFill/>
+          </a:ln>
+          <a:extLst>
+            <a:ext uri="{909E8E84-426E-40DD-AFC4-6F175D3DCCD1}">
+              <a14:hiddenFill xmlns:a14="http://schemas.microsoft.com/office/drawing/2010/main">
+                <a:solidFill>
+                  <a:srgbClr val="FFFFFF"/>
+                </a:solidFill>
+              </a14:hiddenFill>
+            </a:ext>
+            <a:ext uri="{91240B29-F687-4F45-9708-019B960494DF}">
+              <a14:hiddenLine xmlns:a14="http://schemas.microsoft.com/office/drawing/2010/main" w="9525">
+                <a:solidFill>
+                  <a:srgbClr val="000000"/>
+                </a:solidFill>
+                <a:miter lim="800000"/>
+                <a:headEnd/>
+                <a:tailEnd/>
+              </a14:hiddenLine>
+            </a:ext>
+          </a:extLst>
+        </p:spPr>
+        <p:txBody>
+          <a:bodyPr wrap="square">
+            <a:spAutoFit/>
+          </a:bodyPr>
+          <a:lstStyle/>
+          <a:p>
+            <a:pPr>
+              <a:lnSpc>
+                <a:spcPct val="150000"/>
+              </a:lnSpc>
+            </a:pPr>
+            <a:r>
+              <a:rPr lang="zh-CN" altLang="en-US" sz="1600" dirty="0">
+                <a:solidFill>
+                  <a:schemeClr val="bg1"/>
+                </a:solidFill>
+                <a:latin typeface="微软雅黑" panose="020B0503020204020204" pitchFamily="34" charset="-122"/>
+                <a:ea typeface="微软雅黑" panose="020B0503020204020204" pitchFamily="34" charset="-122"/>
+                <a:sym typeface="微软雅黑" panose="020B0503020204020204" pitchFamily="34" charset="-122"/>
+              </a:rPr>
+              <a:t>注意：这里的计算结果只是一个暂时性的结果，并非最终答案</a:t>
+            </a:r>
+            <a:endParaRPr lang="en-US" altLang="zh-CN" sz="1600" dirty="0">
+              <a:solidFill>
+                <a:schemeClr val="bg1"/>
+              </a:solidFill>
+              <a:latin typeface="微软雅黑" panose="020B0503020204020204" pitchFamily="34" charset="-122"/>
+              <a:ea typeface="微软雅黑" panose="020B0503020204020204" pitchFamily="34" charset="-122"/>
+              <a:sym typeface="微软雅黑" panose="020B0503020204020204" pitchFamily="34" charset="-122"/>
+            </a:endParaRPr>
+          </a:p>
+        </p:txBody>
+      </p:sp>
+    </p:spTree>
+    <p:extLst>
+      <p:ext uri="{BB962C8B-B14F-4D97-AF65-F5344CB8AC3E}">
+        <p14:creationId xmlns:p14="http://schemas.microsoft.com/office/powerpoint/2010/main" val="2393249933"/>
+      </p:ext>
+    </p:extLst>
+  </p:cSld>
+  <p:clrMapOvr>
+    <a:masterClrMapping/>
+  </p:clrMapOvr>
+</p:sld>
+</file>
+
+<file path=ppt/slides/slide13.xml><?xml version="1.0" encoding="utf-8"?>
+<p:sld xmlns:a="http://schemas.openxmlformats.org/drawingml/2006/main" xmlns:r="http://schemas.openxmlformats.org/officeDocument/2006/relationships" xmlns:p="http://schemas.openxmlformats.org/presentationml/2006/main">
+  <p:cSld>
+    <p:bg>
+      <p:bgPr>
+        <a:blipFill dpi="0" rotWithShape="1">
           <a:blip r:embed="rId3">
             <a:lum/>
           </a:blip>
@@ -4530,7 +6443,7 @@
 </p:sld>
 </file>
 
-<file path=ppt/slides/slide11.xml><?xml version="1.0" encoding="utf-8"?>
+<file path=ppt/slides/slide14.xml><?xml version="1.0" encoding="utf-8"?>
 <p:sld xmlns:a="http://schemas.openxmlformats.org/drawingml/2006/main" xmlns:r="http://schemas.openxmlformats.org/officeDocument/2006/relationships" xmlns:p="http://schemas.openxmlformats.org/presentationml/2006/main">
   <p:cSld>
     <p:bg>
@@ -5283,7 +7196,7 @@
                 <a:ea typeface="微软雅黑" panose="020B0503020204020204" pitchFamily="34" charset="-122"/>
                 <a:sym typeface="微软雅黑" panose="020B0503020204020204" pitchFamily="34" charset="-122"/>
               </a:rPr>
-              <a:t>类型没有实例。</a:t>
+              <a:t>类型不能存在实例。</a:t>
             </a:r>
             <a:endParaRPr lang="en-US" altLang="zh-CN" sz="1600" dirty="0">
               <a:solidFill>
@@ -5578,7 +7491,7 @@
 </p:sld>
 </file>
 
-<file path=ppt/slides/slide12.xml><?xml version="1.0" encoding="utf-8"?>
+<file path=ppt/slides/slide15.xml><?xml version="1.0" encoding="utf-8"?>
 <p:sld xmlns:a="http://schemas.openxmlformats.org/drawingml/2006/main" xmlns:r="http://schemas.openxmlformats.org/officeDocument/2006/relationships" xmlns:p="http://schemas.openxmlformats.org/presentationml/2006/main">
   <p:cSld>
     <p:bg>
@@ -6677,7 +8590,7 @@
 </p:sld>
 </file>
 
-<file path=ppt/slides/slide13.xml><?xml version="1.0" encoding="utf-8"?>
+<file path=ppt/slides/slide16.xml><?xml version="1.0" encoding="utf-8"?>
 <p:sld xmlns:a="http://schemas.openxmlformats.org/drawingml/2006/main" xmlns:r="http://schemas.openxmlformats.org/officeDocument/2006/relationships" xmlns:p="http://schemas.openxmlformats.org/presentationml/2006/main">
   <p:cSld>
     <p:bg>
@@ -7083,7 +8996,7 @@
 </p:sld>
 </file>
 
-<file path=ppt/slides/slide14.xml><?xml version="1.0" encoding="utf-8"?>
+<file path=ppt/slides/slide17.xml><?xml version="1.0" encoding="utf-8"?>
 <p:sld xmlns:a="http://schemas.openxmlformats.org/drawingml/2006/main" xmlns:r="http://schemas.openxmlformats.org/officeDocument/2006/relationships" xmlns:p="http://schemas.openxmlformats.org/presentationml/2006/main">
   <p:cSld>
     <p:bg>
@@ -7189,17 +9102,6 @@
             <a:lstStyle/>
             <a:p>
               <a:r>
-                <a:rPr lang="en-US" altLang="zh-CN" sz="3000" b="1" dirty="0">
-                  <a:solidFill>
-                    <a:schemeClr val="bg1"/>
-                  </a:solidFill>
-                  <a:latin typeface="Microsoft YaHei" panose="020B0503020204020204" pitchFamily="34" charset="-122"/>
-                  <a:ea typeface="Microsoft YaHei" panose="020B0503020204020204" pitchFamily="34" charset="-122"/>
-                  <a:sym typeface="Arial" panose="020B0604020202020204" pitchFamily="34" charset="0"/>
-                </a:rPr>
-                <a:t>MYPY</a:t>
-              </a:r>
-              <a:r>
                 <a:rPr lang="zh-CN" altLang="en-US" sz="3000" b="1" dirty="0">
                   <a:solidFill>
                     <a:schemeClr val="bg1"/>
@@ -7208,27 +9110,8 @@
                   <a:ea typeface="Microsoft YaHei" panose="020B0503020204020204" pitchFamily="34" charset="-122"/>
                   <a:sym typeface="Arial" panose="020B0604020202020204" pitchFamily="34" charset="0"/>
                 </a:rPr>
-                <a:t>与</a:t>
+                <a:t>拓展思考</a:t>
               </a:r>
-              <a:r>
-                <a:rPr lang="en-US" altLang="zh-CN" sz="3000" b="1" dirty="0">
-                  <a:solidFill>
-                    <a:schemeClr val="bg1"/>
-                  </a:solidFill>
-                  <a:latin typeface="Microsoft YaHei" panose="020B0503020204020204" pitchFamily="34" charset="-122"/>
-                  <a:ea typeface="Microsoft YaHei" panose="020B0503020204020204" pitchFamily="34" charset="-122"/>
-                  <a:sym typeface="Arial" panose="020B0604020202020204" pitchFamily="34" charset="0"/>
-                </a:rPr>
-                <a:t>PEP</a:t>
-              </a:r>
-              <a:endParaRPr lang="zh-CN" altLang="en-US" sz="3000" b="1" dirty="0">
-                <a:solidFill>
-                  <a:schemeClr val="bg1"/>
-                </a:solidFill>
-                <a:latin typeface="Microsoft YaHei" panose="020B0503020204020204" pitchFamily="34" charset="-122"/>
-                <a:ea typeface="Microsoft YaHei" panose="020B0503020204020204" pitchFamily="34" charset="-122"/>
-                <a:sym typeface="Arial" panose="020B0604020202020204" pitchFamily="34" charset="0"/>
-              </a:endParaRPr>
             </a:p>
           </p:txBody>
         </p:sp>
@@ -7297,7 +9180,7 @@
                   <a:latin typeface="微软雅黑" panose="020B0503020204020204" pitchFamily="34" charset="-122"/>
                   <a:ea typeface="微软雅黑" panose="020B0503020204020204" pitchFamily="34" charset="-122"/>
                 </a:rPr>
-                <a:t>PEP484</a:t>
+                <a:t>Unsafe</a:t>
               </a:r>
               <a:r>
                 <a:rPr lang="zh-CN" altLang="en-US" sz="1600" dirty="0">
@@ -7307,37 +9190,7 @@
                   <a:latin typeface="微软雅黑" panose="020B0503020204020204" pitchFamily="34" charset="-122"/>
                   <a:ea typeface="微软雅黑" panose="020B0503020204020204" pitchFamily="34" charset="-122"/>
                 </a:rPr>
-                <a:t>、</a:t>
-              </a:r>
-              <a:r>
-                <a:rPr lang="en-US" altLang="zh-CN" sz="1600" dirty="0">
-                  <a:solidFill>
-                    <a:srgbClr val="FFFFFF"/>
-                  </a:solidFill>
-                  <a:latin typeface="微软雅黑" panose="020B0503020204020204" pitchFamily="34" charset="-122"/>
-                  <a:ea typeface="微软雅黑" panose="020B0503020204020204" pitchFamily="34" charset="-122"/>
-                </a:rPr>
-                <a:t>PEP3107——</a:t>
-              </a:r>
-              <a:r>
-                <a:rPr lang="en-US" altLang="zh-CN" sz="1600" dirty="0" err="1">
-                  <a:solidFill>
-                    <a:srgbClr val="FFFFFF"/>
-                  </a:solidFill>
-                  <a:latin typeface="微软雅黑" panose="020B0503020204020204" pitchFamily="34" charset="-122"/>
-                  <a:ea typeface="微软雅黑" panose="020B0503020204020204" pitchFamily="34" charset="-122"/>
-                </a:rPr>
-                <a:t>mypy</a:t>
-              </a:r>
-              <a:r>
-                <a:rPr lang="zh-CN" altLang="en-US" sz="1600" dirty="0">
-                  <a:solidFill>
-                    <a:srgbClr val="FFFFFF"/>
-                  </a:solidFill>
-                  <a:latin typeface="微软雅黑" panose="020B0503020204020204" pitchFamily="34" charset="-122"/>
-                  <a:ea typeface="微软雅黑" panose="020B0503020204020204" pitchFamily="34" charset="-122"/>
-                </a:rPr>
-                <a:t>的基石</a:t>
+                <a:t>的，不负责任的放飞自我。</a:t>
               </a:r>
               <a:endParaRPr lang="zh-CN" altLang="en-US" sz="1600" dirty="0">
                 <a:solidFill>
@@ -7354,7 +9207,7 @@
     </p:spTree>
     <p:extLst>
       <p:ext uri="{BB962C8B-B14F-4D97-AF65-F5344CB8AC3E}">
-        <p14:creationId xmlns:p14="http://schemas.microsoft.com/office/powerpoint/2010/main" val="1809845662"/>
+        <p14:creationId xmlns:p14="http://schemas.microsoft.com/office/powerpoint/2010/main" val="2887205168"/>
       </p:ext>
     </p:extLst>
   </p:cSld>
@@ -7364,391 +9217,7 @@
 </p:sld>
 </file>
 
-<file path=ppt/slides/slide15.xml><?xml version="1.0" encoding="utf-8"?>
-<p:sld xmlns:a="http://schemas.openxmlformats.org/drawingml/2006/main" xmlns:r="http://schemas.openxmlformats.org/officeDocument/2006/relationships" xmlns:p="http://schemas.openxmlformats.org/presentationml/2006/main">
-  <p:cSld>
-    <p:bg>
-      <p:bgPr>
-        <a:blipFill dpi="0" rotWithShape="1">
-          <a:blip r:embed="rId2">
-            <a:lum/>
-          </a:blip>
-          <a:srcRect/>
-          <a:stretch>
-            <a:fillRect/>
-          </a:stretch>
-        </a:blipFill>
-        <a:effectLst/>
-      </p:bgPr>
-    </p:bg>
-    <p:spTree>
-      <p:nvGrpSpPr>
-        <p:cNvPr id="1" name=""/>
-        <p:cNvGrpSpPr/>
-        <p:nvPr/>
-      </p:nvGrpSpPr>
-      <p:grpSpPr>
-        <a:xfrm>
-          <a:off x="0" y="0"/>
-          <a:ext cx="0" cy="0"/>
-          <a:chOff x="0" y="0"/>
-          <a:chExt cx="0" cy="0"/>
-        </a:xfrm>
-      </p:grpSpPr>
-      <p:sp>
-        <p:nvSpPr>
-          <p:cNvPr id="16" name="文本框 13">
-            <a:extLst>
-              <a:ext uri="{FF2B5EF4-FFF2-40B4-BE49-F238E27FC236}">
-                <a16:creationId xmlns:a16="http://schemas.microsoft.com/office/drawing/2014/main" id="{2D3B751E-9C4F-224A-BBCE-EC4DDFC8D600}"/>
-              </a:ext>
-            </a:extLst>
-          </p:cNvPr>
-          <p:cNvSpPr txBox="1">
-            <a:spLocks noChangeArrowheads="1"/>
-          </p:cNvSpPr>
-          <p:nvPr/>
-        </p:nvSpPr>
-        <p:spPr bwMode="auto">
-          <a:xfrm>
-            <a:off x="289467" y="341366"/>
-            <a:ext cx="2036583" cy="384849"/>
-          </a:xfrm>
-          <a:prstGeom prst="rect">
-            <a:avLst/>
-          </a:prstGeom>
-          <a:noFill/>
-          <a:ln>
-            <a:noFill/>
-          </a:ln>
-          <a:extLst>
-            <a:ext uri="{909E8E84-426E-40DD-AFC4-6F175D3DCCD1}">
-              <a14:hiddenFill xmlns:a14="http://schemas.microsoft.com/office/drawing/2010/main">
-                <a:solidFill>
-                  <a:srgbClr val="FFFFFF"/>
-                </a:solidFill>
-              </a14:hiddenFill>
-            </a:ext>
-            <a:ext uri="{91240B29-F687-4F45-9708-019B960494DF}">
-              <a14:hiddenLine xmlns:a14="http://schemas.microsoft.com/office/drawing/2010/main" w="9525">
-                <a:solidFill>
-                  <a:srgbClr val="000000"/>
-                </a:solidFill>
-                <a:miter lim="800000"/>
-                <a:headEnd/>
-                <a:tailEnd/>
-              </a14:hiddenLine>
-            </a:ext>
-          </a:extLst>
-        </p:spPr>
-        <p:txBody>
-          <a:bodyPr wrap="none">
-            <a:spAutoFit/>
-          </a:bodyPr>
-          <a:lstStyle>
-            <a:lvl1pPr>
-              <a:lnSpc>
-                <a:spcPct val="90000"/>
-              </a:lnSpc>
-              <a:spcBef>
-                <a:spcPts val="1000"/>
-              </a:spcBef>
-              <a:buFont typeface="Arial" charset="0"/>
-              <a:buChar char="•"/>
-              <a:defRPr sz="2800">
-                <a:solidFill>
-                  <a:schemeClr val="tx1"/>
-                </a:solidFill>
-                <a:latin typeface="Calibri" charset="0"/>
-                <a:ea typeface="等线" charset="-122"/>
-                <a:cs typeface="等线" charset="-122"/>
-              </a:defRPr>
-            </a:lvl1pPr>
-            <a:lvl2pPr marL="742950" indent="-285750">
-              <a:lnSpc>
-                <a:spcPct val="90000"/>
-              </a:lnSpc>
-              <a:spcBef>
-                <a:spcPts val="500"/>
-              </a:spcBef>
-              <a:buFont typeface="Arial" charset="0"/>
-              <a:buChar char="•"/>
-              <a:defRPr sz="2400">
-                <a:solidFill>
-                  <a:schemeClr val="tx1"/>
-                </a:solidFill>
-                <a:latin typeface="Calibri" charset="0"/>
-                <a:ea typeface="等线" charset="-122"/>
-                <a:cs typeface="等线" charset="-122"/>
-              </a:defRPr>
-            </a:lvl2pPr>
-            <a:lvl3pPr marL="1143000" indent="-228600">
-              <a:lnSpc>
-                <a:spcPct val="90000"/>
-              </a:lnSpc>
-              <a:spcBef>
-                <a:spcPts val="500"/>
-              </a:spcBef>
-              <a:buFont typeface="Arial" charset="0"/>
-              <a:buChar char="•"/>
-              <a:defRPr sz="2000">
-                <a:solidFill>
-                  <a:schemeClr val="tx1"/>
-                </a:solidFill>
-                <a:latin typeface="Calibri" charset="0"/>
-                <a:ea typeface="等线" charset="-122"/>
-                <a:cs typeface="等线" charset="-122"/>
-              </a:defRPr>
-            </a:lvl3pPr>
-            <a:lvl4pPr marL="1600200" indent="-228600">
-              <a:lnSpc>
-                <a:spcPct val="90000"/>
-              </a:lnSpc>
-              <a:spcBef>
-                <a:spcPts val="500"/>
-              </a:spcBef>
-              <a:buFont typeface="Arial" charset="0"/>
-              <a:buChar char="•"/>
-              <a:defRPr>
-                <a:solidFill>
-                  <a:schemeClr val="tx1"/>
-                </a:solidFill>
-                <a:latin typeface="Calibri" charset="0"/>
-                <a:ea typeface="等线" charset="-122"/>
-                <a:cs typeface="等线" charset="-122"/>
-              </a:defRPr>
-            </a:lvl4pPr>
-            <a:lvl5pPr marL="2057400" indent="-228600">
-              <a:lnSpc>
-                <a:spcPct val="90000"/>
-              </a:lnSpc>
-              <a:spcBef>
-                <a:spcPts val="500"/>
-              </a:spcBef>
-              <a:buFont typeface="Arial" charset="0"/>
-              <a:buChar char="•"/>
-              <a:defRPr>
-                <a:solidFill>
-                  <a:schemeClr val="tx1"/>
-                </a:solidFill>
-                <a:latin typeface="Calibri" charset="0"/>
-                <a:ea typeface="等线" charset="-122"/>
-                <a:cs typeface="等线" charset="-122"/>
-              </a:defRPr>
-            </a:lvl5pPr>
-            <a:lvl6pPr marL="2514600" indent="-228600" fontAlgn="base">
-              <a:lnSpc>
-                <a:spcPct val="90000"/>
-              </a:lnSpc>
-              <a:spcBef>
-                <a:spcPts val="500"/>
-              </a:spcBef>
-              <a:spcAft>
-                <a:spcPct val="0"/>
-              </a:spcAft>
-              <a:buFont typeface="Arial" charset="0"/>
-              <a:buChar char="•"/>
-              <a:defRPr>
-                <a:solidFill>
-                  <a:schemeClr val="tx1"/>
-                </a:solidFill>
-                <a:latin typeface="Calibri" charset="0"/>
-                <a:ea typeface="等线" charset="-122"/>
-                <a:cs typeface="等线" charset="-122"/>
-              </a:defRPr>
-            </a:lvl6pPr>
-            <a:lvl7pPr marL="2971800" indent="-228600" fontAlgn="base">
-              <a:lnSpc>
-                <a:spcPct val="90000"/>
-              </a:lnSpc>
-              <a:spcBef>
-                <a:spcPts val="500"/>
-              </a:spcBef>
-              <a:spcAft>
-                <a:spcPct val="0"/>
-              </a:spcAft>
-              <a:buFont typeface="Arial" charset="0"/>
-              <a:buChar char="•"/>
-              <a:defRPr>
-                <a:solidFill>
-                  <a:schemeClr val="tx1"/>
-                </a:solidFill>
-                <a:latin typeface="Calibri" charset="0"/>
-                <a:ea typeface="等线" charset="-122"/>
-                <a:cs typeface="等线" charset="-122"/>
-              </a:defRPr>
-            </a:lvl7pPr>
-            <a:lvl8pPr marL="3429000" indent="-228600" fontAlgn="base">
-              <a:lnSpc>
-                <a:spcPct val="90000"/>
-              </a:lnSpc>
-              <a:spcBef>
-                <a:spcPts val="500"/>
-              </a:spcBef>
-              <a:spcAft>
-                <a:spcPct val="0"/>
-              </a:spcAft>
-              <a:buFont typeface="Arial" charset="0"/>
-              <a:buChar char="•"/>
-              <a:defRPr>
-                <a:solidFill>
-                  <a:schemeClr val="tx1"/>
-                </a:solidFill>
-                <a:latin typeface="Calibri" charset="0"/>
-                <a:ea typeface="等线" charset="-122"/>
-                <a:cs typeface="等线" charset="-122"/>
-              </a:defRPr>
-            </a:lvl8pPr>
-            <a:lvl9pPr marL="3886200" indent="-228600" fontAlgn="base">
-              <a:lnSpc>
-                <a:spcPct val="90000"/>
-              </a:lnSpc>
-              <a:spcBef>
-                <a:spcPts val="500"/>
-              </a:spcBef>
-              <a:spcAft>
-                <a:spcPct val="0"/>
-              </a:spcAft>
-              <a:buFont typeface="Arial" charset="0"/>
-              <a:buChar char="•"/>
-              <a:defRPr>
-                <a:solidFill>
-                  <a:schemeClr val="tx1"/>
-                </a:solidFill>
-                <a:latin typeface="Calibri" charset="0"/>
-                <a:ea typeface="等线" charset="-122"/>
-                <a:cs typeface="等线" charset="-122"/>
-              </a:defRPr>
-            </a:lvl9pPr>
-          </a:lstStyle>
-          <a:p>
-            <a:pPr eaLnBrk="1" hangingPunct="1">
-              <a:lnSpc>
-                <a:spcPct val="100000"/>
-              </a:lnSpc>
-              <a:spcBef>
-                <a:spcPct val="0"/>
-              </a:spcBef>
-              <a:buFontTx/>
-              <a:buNone/>
-            </a:pPr>
-            <a:r>
-              <a:rPr lang="en-US" altLang="zh-CN" sz="1901" b="1" dirty="0">
-                <a:solidFill>
-                  <a:schemeClr val="bg1"/>
-                </a:solidFill>
-                <a:latin typeface="微软雅黑" charset="-122"/>
-                <a:ea typeface="微软雅黑" charset="-122"/>
-                <a:cs typeface="微软雅黑" charset="-122"/>
-              </a:rPr>
-              <a:t>Python</a:t>
-            </a:r>
-            <a:r>
-              <a:rPr lang="zh-CN" altLang="en-US" sz="1901" b="1" dirty="0">
-                <a:solidFill>
-                  <a:schemeClr val="bg1"/>
-                </a:solidFill>
-                <a:latin typeface="微软雅黑" charset="-122"/>
-                <a:ea typeface="微软雅黑" charset="-122"/>
-                <a:cs typeface="微软雅黑" charset="-122"/>
-              </a:rPr>
-              <a:t>基础支持</a:t>
-            </a:r>
-          </a:p>
-        </p:txBody>
-      </p:sp>
-      <p:sp>
-        <p:nvSpPr>
-          <p:cNvPr id="3" name="矩形 24">
-            <a:extLst>
-              <a:ext uri="{FF2B5EF4-FFF2-40B4-BE49-F238E27FC236}">
-                <a16:creationId xmlns:a16="http://schemas.microsoft.com/office/drawing/2014/main" id="{4C16A8E4-4509-B440-8A58-03DF86ED0B67}"/>
-              </a:ext>
-            </a:extLst>
-          </p:cNvPr>
-          <p:cNvSpPr>
-            <a:spLocks noChangeArrowheads="1"/>
-          </p:cNvSpPr>
-          <p:nvPr/>
-        </p:nvSpPr>
-        <p:spPr bwMode="auto">
-          <a:xfrm>
-            <a:off x="4368916" y="3213738"/>
-            <a:ext cx="1389858" cy="461665"/>
-          </a:xfrm>
-          <a:prstGeom prst="rect">
-            <a:avLst/>
-          </a:prstGeom>
-          <a:noFill/>
-          <a:ln>
-            <a:noFill/>
-          </a:ln>
-          <a:extLst>
-            <a:ext uri="{909E8E84-426E-40DD-AFC4-6F175D3DCCD1}">
-              <a14:hiddenFill xmlns:a14="http://schemas.microsoft.com/office/drawing/2010/main">
-                <a:solidFill>
-                  <a:srgbClr val="FFFFFF"/>
-                </a:solidFill>
-              </a14:hiddenFill>
-            </a:ext>
-            <a:ext uri="{91240B29-F687-4F45-9708-019B960494DF}">
-              <a14:hiddenLine xmlns:a14="http://schemas.microsoft.com/office/drawing/2010/main" w="9525">
-                <a:solidFill>
-                  <a:srgbClr val="000000"/>
-                </a:solidFill>
-                <a:miter lim="800000"/>
-                <a:headEnd/>
-                <a:tailEnd/>
-              </a14:hiddenLine>
-            </a:ext>
-          </a:extLst>
-        </p:spPr>
-        <p:txBody>
-          <a:bodyPr wrap="square">
-            <a:spAutoFit/>
-          </a:bodyPr>
-          <a:lstStyle/>
-          <a:p>
-            <a:pPr>
-              <a:lnSpc>
-                <a:spcPct val="150000"/>
-              </a:lnSpc>
-            </a:pPr>
-            <a:r>
-              <a:rPr lang="zh-CN" altLang="en-US" sz="1600">
-                <a:solidFill>
-                  <a:srgbClr val="FFFFFF"/>
-                </a:solidFill>
-                <a:latin typeface="微软雅黑" panose="020B0503020204020204" pitchFamily="34" charset="-122"/>
-                <a:ea typeface="微软雅黑" panose="020B0503020204020204" pitchFamily="34" charset="-122"/>
-              </a:rPr>
-              <a:t>正文</a:t>
-            </a:r>
-            <a:endParaRPr lang="zh-CN" altLang="en-US" sz="1600" dirty="0">
-              <a:solidFill>
-                <a:schemeClr val="bg1"/>
-              </a:solidFill>
-              <a:latin typeface="微软雅黑" panose="020B0503020204020204" pitchFamily="34" charset="-122"/>
-              <a:ea typeface="微软雅黑" panose="020B0503020204020204" pitchFamily="34" charset="-122"/>
-              <a:sym typeface="微软雅黑" panose="020B0503020204020204" pitchFamily="34" charset="-122"/>
-            </a:endParaRPr>
-          </a:p>
-        </p:txBody>
-      </p:sp>
-    </p:spTree>
-    <p:extLst>
-      <p:ext uri="{BB962C8B-B14F-4D97-AF65-F5344CB8AC3E}">
-        <p14:creationId xmlns:p14="http://schemas.microsoft.com/office/powerpoint/2010/main" val="2558052444"/>
-      </p:ext>
-    </p:extLst>
-  </p:cSld>
-  <p:clrMapOvr>
-    <a:masterClrMapping/>
-  </p:clrMapOvr>
-</p:sld>
-</file>
-
-<file path=ppt/slides/slide16.xml><?xml version="1.0" encoding="utf-8"?>
+<file path=ppt/slides/slide18.xml><?xml version="1.0" encoding="utf-8"?>
 <p:sld xmlns:a="http://schemas.openxmlformats.org/drawingml/2006/main" xmlns:r="http://schemas.openxmlformats.org/officeDocument/2006/relationships" xmlns:p="http://schemas.openxmlformats.org/presentationml/2006/main">
   <p:cSld>
     <p:bg>
@@ -7984,7 +9453,7 @@
     </p:spTree>
     <p:extLst>
       <p:ext uri="{BB962C8B-B14F-4D97-AF65-F5344CB8AC3E}">
-        <p14:creationId xmlns:p14="http://schemas.microsoft.com/office/powerpoint/2010/main" val="2887205168"/>
+        <p14:creationId xmlns:p14="http://schemas.microsoft.com/office/powerpoint/2010/main" val="671397647"/>
       </p:ext>
     </p:extLst>
   </p:cSld>
@@ -7994,7 +9463,7 @@
 </p:sld>
 </file>
 
-<file path=ppt/slides/slide17.xml><?xml version="1.0" encoding="utf-8"?>
+<file path=ppt/slides/slide19.xml><?xml version="1.0" encoding="utf-8"?>
 <p:sld xmlns:a="http://schemas.openxmlformats.org/drawingml/2006/main" xmlns:r="http://schemas.openxmlformats.org/officeDocument/2006/relationships" xmlns:p="http://schemas.openxmlformats.org/presentationml/2006/main">
   <p:cSld>
     <p:bg>
@@ -8357,757 +9826,7 @@
     </p:spTree>
     <p:extLst>
       <p:ext uri="{BB962C8B-B14F-4D97-AF65-F5344CB8AC3E}">
-        <p14:creationId xmlns:p14="http://schemas.microsoft.com/office/powerpoint/2010/main" val="435621360"/>
-      </p:ext>
-    </p:extLst>
-  </p:cSld>
-  <p:clrMapOvr>
-    <a:masterClrMapping/>
-  </p:clrMapOvr>
-</p:sld>
-</file>
-
-<file path=ppt/slides/slide18.xml><?xml version="1.0" encoding="utf-8"?>
-<p:sld xmlns:a="http://schemas.openxmlformats.org/drawingml/2006/main" xmlns:r="http://schemas.openxmlformats.org/officeDocument/2006/relationships" xmlns:p="http://schemas.openxmlformats.org/presentationml/2006/main">
-  <p:cSld>
-    <p:bg>
-      <p:bgPr>
-        <a:blipFill dpi="0" rotWithShape="1">
-          <a:blip r:embed="rId2">
-            <a:lum/>
-          </a:blip>
-          <a:srcRect/>
-          <a:stretch>
-            <a:fillRect/>
-          </a:stretch>
-        </a:blipFill>
-        <a:effectLst/>
-      </p:bgPr>
-    </p:bg>
-    <p:spTree>
-      <p:nvGrpSpPr>
-        <p:cNvPr id="1" name=""/>
-        <p:cNvGrpSpPr/>
-        <p:nvPr/>
-      </p:nvGrpSpPr>
-      <p:grpSpPr>
-        <a:xfrm>
-          <a:off x="0" y="0"/>
-          <a:ext cx="0" cy="0"/>
-          <a:chOff x="0" y="0"/>
-          <a:chExt cx="0" cy="0"/>
-        </a:xfrm>
-      </p:grpSpPr>
-      <p:sp>
-        <p:nvSpPr>
-          <p:cNvPr id="12" name="矩形 11">
-            <a:extLst>
-              <a:ext uri="{FF2B5EF4-FFF2-40B4-BE49-F238E27FC236}">
-                <a16:creationId xmlns:a16="http://schemas.microsoft.com/office/drawing/2014/main" id="{71575E2E-5EC8-D74E-A04A-CA4EE117C53B}"/>
-              </a:ext>
-            </a:extLst>
-          </p:cNvPr>
-          <p:cNvSpPr>
-            <a:spLocks noChangeAspect="1"/>
-          </p:cNvSpPr>
-          <p:nvPr/>
-        </p:nvSpPr>
-        <p:spPr bwMode="auto">
-          <a:xfrm>
-            <a:off x="3323994" y="1389967"/>
-            <a:ext cx="5541004" cy="879472"/>
-          </a:xfrm>
-          <a:prstGeom prst="rect">
-            <a:avLst/>
-          </a:prstGeom>
-        </p:spPr>
-        <p:txBody>
-          <a:bodyPr wrap="square">
-            <a:spAutoFit/>
-          </a:bodyPr>
-          <a:lstStyle/>
-          <a:p>
-            <a:pPr algn="ctr" defTabSz="400344">
-              <a:lnSpc>
-                <a:spcPct val="93000"/>
-              </a:lnSpc>
-              <a:buSzPct val="100000"/>
-              <a:defRPr/>
-            </a:pPr>
-            <a:r>
-              <a:rPr lang="en-US" altLang="zh-CN" sz="5500" b="1" kern="0" dirty="0">
-                <a:solidFill>
-                  <a:schemeClr val="bg1"/>
-                </a:solidFill>
-                <a:latin typeface="微软雅黑" panose="020B0503020204020204" pitchFamily="34" charset="-122"/>
-                <a:ea typeface="微软雅黑" panose="020B0503020204020204" pitchFamily="34" charset="-122"/>
-              </a:rPr>
-              <a:t>THANK YOU</a:t>
-            </a:r>
-            <a:endParaRPr lang="zh-CN" altLang="en-US" sz="5500" b="1" kern="10" dirty="0">
-              <a:ln w="9525">
-                <a:round/>
-                <a:headEnd/>
-                <a:tailEnd/>
-              </a:ln>
-              <a:solidFill>
-                <a:schemeClr val="bg1"/>
-              </a:solidFill>
-              <a:latin typeface="微软雅黑" panose="020B0503020204020204" pitchFamily="34" charset="-122"/>
-              <a:ea typeface="微软雅黑" panose="020B0503020204020204" pitchFamily="34" charset="-122"/>
-            </a:endParaRPr>
-          </a:p>
-        </p:txBody>
-      </p:sp>
-      <p:sp>
-        <p:nvSpPr>
-          <p:cNvPr id="13" name="文本框 5">
-            <a:extLst>
-              <a:ext uri="{FF2B5EF4-FFF2-40B4-BE49-F238E27FC236}">
-                <a16:creationId xmlns:a16="http://schemas.microsoft.com/office/drawing/2014/main" id="{0E18BB46-B91D-554E-8B46-F7FBA63830C6}"/>
-              </a:ext>
-            </a:extLst>
-          </p:cNvPr>
-          <p:cNvSpPr txBox="1">
-            <a:spLocks noChangeAspect="1" noChangeArrowheads="1"/>
-          </p:cNvSpPr>
-          <p:nvPr/>
-        </p:nvSpPr>
-        <p:spPr bwMode="auto">
-          <a:xfrm>
-            <a:off x="4571999" y="3055894"/>
-            <a:ext cx="2266685" cy="369332"/>
-          </a:xfrm>
-          <a:prstGeom prst="rect">
-            <a:avLst/>
-          </a:prstGeom>
-          <a:noFill/>
-          <a:ln>
-            <a:noFill/>
-          </a:ln>
-          <a:extLst>
-            <a:ext uri="{909E8E84-426E-40DD-AFC4-6F175D3DCCD1}">
-              <a14:hiddenFill xmlns:a14="http://schemas.microsoft.com/office/drawing/2010/main">
-                <a:solidFill>
-                  <a:srgbClr val="FFFFFF"/>
-                </a:solidFill>
-              </a14:hiddenFill>
-            </a:ext>
-            <a:ext uri="{91240B29-F687-4F45-9708-019B960494DF}">
-              <a14:hiddenLine xmlns:a14="http://schemas.microsoft.com/office/drawing/2010/main" w="9525">
-                <a:solidFill>
-                  <a:srgbClr val="000000"/>
-                </a:solidFill>
-                <a:miter lim="800000"/>
-                <a:headEnd/>
-                <a:tailEnd/>
-              </a14:hiddenLine>
-            </a:ext>
-          </a:extLst>
-        </p:spPr>
-        <p:txBody>
-          <a:bodyPr wrap="square">
-            <a:spAutoFit/>
-          </a:bodyPr>
-          <a:lstStyle>
-            <a:lvl1pPr>
-              <a:defRPr>
-                <a:solidFill>
-                  <a:schemeClr val="tx1"/>
-                </a:solidFill>
-                <a:latin typeface="等线" charset="-122"/>
-                <a:ea typeface="等线" charset="-122"/>
-                <a:cs typeface="等线" charset="-122"/>
-              </a:defRPr>
-            </a:lvl1pPr>
-            <a:lvl2pPr marL="742950" indent="-285750">
-              <a:defRPr>
-                <a:solidFill>
-                  <a:schemeClr val="tx1"/>
-                </a:solidFill>
-                <a:latin typeface="等线" charset="-122"/>
-                <a:ea typeface="等线" charset="-122"/>
-                <a:cs typeface="等线" charset="-122"/>
-              </a:defRPr>
-            </a:lvl2pPr>
-            <a:lvl3pPr marL="1143000" indent="-228600">
-              <a:defRPr>
-                <a:solidFill>
-                  <a:schemeClr val="tx1"/>
-                </a:solidFill>
-                <a:latin typeface="等线" charset="-122"/>
-                <a:ea typeface="等线" charset="-122"/>
-                <a:cs typeface="等线" charset="-122"/>
-              </a:defRPr>
-            </a:lvl3pPr>
-            <a:lvl4pPr marL="1600200" indent="-228600">
-              <a:defRPr>
-                <a:solidFill>
-                  <a:schemeClr val="tx1"/>
-                </a:solidFill>
-                <a:latin typeface="等线" charset="-122"/>
-                <a:ea typeface="等线" charset="-122"/>
-                <a:cs typeface="等线" charset="-122"/>
-              </a:defRPr>
-            </a:lvl4pPr>
-            <a:lvl5pPr marL="2057400" indent="-228600">
-              <a:defRPr>
-                <a:solidFill>
-                  <a:schemeClr val="tx1"/>
-                </a:solidFill>
-                <a:latin typeface="等线" charset="-122"/>
-                <a:ea typeface="等线" charset="-122"/>
-                <a:cs typeface="等线" charset="-122"/>
-              </a:defRPr>
-            </a:lvl5pPr>
-            <a:lvl6pPr marL="2514600" indent="-228600" eaLnBrk="0" fontAlgn="base" hangingPunct="0">
-              <a:spcBef>
-                <a:spcPct val="0"/>
-              </a:spcBef>
-              <a:spcAft>
-                <a:spcPct val="0"/>
-              </a:spcAft>
-              <a:defRPr>
-                <a:solidFill>
-                  <a:schemeClr val="tx1"/>
-                </a:solidFill>
-                <a:latin typeface="等线" charset="-122"/>
-                <a:ea typeface="等线" charset="-122"/>
-                <a:cs typeface="等线" charset="-122"/>
-              </a:defRPr>
-            </a:lvl6pPr>
-            <a:lvl7pPr marL="2971800" indent="-228600" eaLnBrk="0" fontAlgn="base" hangingPunct="0">
-              <a:spcBef>
-                <a:spcPct val="0"/>
-              </a:spcBef>
-              <a:spcAft>
-                <a:spcPct val="0"/>
-              </a:spcAft>
-              <a:defRPr>
-                <a:solidFill>
-                  <a:schemeClr val="tx1"/>
-                </a:solidFill>
-                <a:latin typeface="等线" charset="-122"/>
-                <a:ea typeface="等线" charset="-122"/>
-                <a:cs typeface="等线" charset="-122"/>
-              </a:defRPr>
-            </a:lvl7pPr>
-            <a:lvl8pPr marL="3429000" indent="-228600" eaLnBrk="0" fontAlgn="base" hangingPunct="0">
-              <a:spcBef>
-                <a:spcPct val="0"/>
-              </a:spcBef>
-              <a:spcAft>
-                <a:spcPct val="0"/>
-              </a:spcAft>
-              <a:defRPr>
-                <a:solidFill>
-                  <a:schemeClr val="tx1"/>
-                </a:solidFill>
-                <a:latin typeface="等线" charset="-122"/>
-                <a:ea typeface="等线" charset="-122"/>
-                <a:cs typeface="等线" charset="-122"/>
-              </a:defRPr>
-            </a:lvl8pPr>
-            <a:lvl9pPr marL="3886200" indent="-228600" eaLnBrk="0" fontAlgn="base" hangingPunct="0">
-              <a:spcBef>
-                <a:spcPct val="0"/>
-              </a:spcBef>
-              <a:spcAft>
-                <a:spcPct val="0"/>
-              </a:spcAft>
-              <a:defRPr>
-                <a:solidFill>
-                  <a:schemeClr val="tx1"/>
-                </a:solidFill>
-                <a:latin typeface="等线" charset="-122"/>
-                <a:ea typeface="等线" charset="-122"/>
-                <a:cs typeface="等线" charset="-122"/>
-              </a:defRPr>
-            </a:lvl9pPr>
-          </a:lstStyle>
-          <a:p>
-            <a:r>
-              <a:rPr kumimoji="1" lang="en-US" altLang="zh-CN" sz="1800" dirty="0" err="1">
-                <a:solidFill>
-                  <a:schemeClr val="bg1"/>
-                </a:solidFill>
-                <a:latin typeface="Microsoft YaHei" charset="-122"/>
-                <a:ea typeface="Microsoft YaHei" charset="-122"/>
-                <a:cs typeface="Microsoft YaHei" charset="-122"/>
-              </a:rPr>
-              <a:t>IndexLib</a:t>
-            </a:r>
-            <a:endParaRPr kumimoji="1" lang="zh-CN" altLang="en-US" sz="1800" dirty="0">
-              <a:solidFill>
-                <a:schemeClr val="bg1"/>
-              </a:solidFill>
-              <a:latin typeface="Microsoft YaHei" charset="-122"/>
-              <a:ea typeface="Microsoft YaHei" charset="-122"/>
-              <a:cs typeface="Microsoft YaHei" charset="-122"/>
-            </a:endParaRPr>
-          </a:p>
-        </p:txBody>
-      </p:sp>
-      <p:pic>
-        <p:nvPicPr>
-          <p:cNvPr id="19" name="图片 11">
-            <a:extLst>
-              <a:ext uri="{FF2B5EF4-FFF2-40B4-BE49-F238E27FC236}">
-                <a16:creationId xmlns:a16="http://schemas.microsoft.com/office/drawing/2014/main" id="{E41E4AD4-2312-B347-BE84-F0EDBD4B0528}"/>
-              </a:ext>
-            </a:extLst>
-          </p:cNvPr>
-          <p:cNvPicPr>
-            <a:picLocks noChangeAspect="1"/>
-          </p:cNvPicPr>
-          <p:nvPr/>
-        </p:nvPicPr>
-        <p:blipFill>
-          <a:blip r:embed="rId3">
-            <a:extLst>
-              <a:ext uri="{BEBA8EAE-BF5A-486C-A8C5-ECC9F3942E4B}">
-                <a14:imgProps xmlns:a14="http://schemas.microsoft.com/office/drawing/2010/main">
-                  <a14:imgLayer>
-                    <a14:imgEffect>
-                      <a14:artisticPhotocopy trans="0"/>
-                    </a14:imgEffect>
-                  </a14:imgLayer>
-                </a14:imgProps>
-              </a:ext>
-              <a:ext uri="{28A0092B-C50C-407E-A947-70E740481C1C}">
-                <a14:useLocalDpi xmlns:a14="http://schemas.microsoft.com/office/drawing/2010/main"/>
-              </a:ext>
-            </a:extLst>
-          </a:blip>
-          <a:srcRect/>
-          <a:stretch>
-            <a:fillRect/>
-          </a:stretch>
-        </p:blipFill>
-        <p:spPr bwMode="auto">
-          <a:xfrm>
-            <a:off x="3893997" y="2998052"/>
-            <a:ext cx="430949" cy="430948"/>
-          </a:xfrm>
-          <a:prstGeom prst="rect">
-            <a:avLst/>
-          </a:prstGeom>
-          <a:solidFill>
-            <a:schemeClr val="tx1"/>
-          </a:solidFill>
-          <a:ln>
-            <a:noFill/>
-          </a:ln>
-          <a:extLst/>
-        </p:spPr>
-      </p:pic>
-      <p:pic>
-        <p:nvPicPr>
-          <p:cNvPr id="4" name="图片 3">
-            <a:extLst>
-              <a:ext uri="{FF2B5EF4-FFF2-40B4-BE49-F238E27FC236}">
-                <a16:creationId xmlns:a16="http://schemas.microsoft.com/office/drawing/2014/main" id="{A65724E0-EFE3-4C81-8372-86E85027070B}"/>
-              </a:ext>
-            </a:extLst>
-          </p:cNvPr>
-          <p:cNvPicPr>
-            <a:picLocks noChangeAspect="1"/>
-          </p:cNvPicPr>
-          <p:nvPr/>
-        </p:nvPicPr>
-        <p:blipFill>
-          <a:blip r:embed="rId4"/>
-          <a:stretch>
-            <a:fillRect/>
-          </a:stretch>
-        </p:blipFill>
-        <p:spPr>
-          <a:xfrm>
-            <a:off x="6552653" y="2579048"/>
-            <a:ext cx="1699904" cy="1699904"/>
-          </a:xfrm>
-          <a:prstGeom prst="rect">
-            <a:avLst/>
-          </a:prstGeom>
-        </p:spPr>
-      </p:pic>
-      <p:sp>
-        <p:nvSpPr>
-          <p:cNvPr id="21" name="文本框 5">
-            <a:extLst>
-              <a:ext uri="{FF2B5EF4-FFF2-40B4-BE49-F238E27FC236}">
-                <a16:creationId xmlns:a16="http://schemas.microsoft.com/office/drawing/2014/main" id="{4BAB5AC1-CE36-4BD0-B429-AB7F6A4B1119}"/>
-              </a:ext>
-            </a:extLst>
-          </p:cNvPr>
-          <p:cNvSpPr txBox="1">
-            <a:spLocks noChangeAspect="1" noChangeArrowheads="1"/>
-          </p:cNvSpPr>
-          <p:nvPr/>
-        </p:nvSpPr>
-        <p:spPr bwMode="auto">
-          <a:xfrm>
-            <a:off x="4572001" y="3550169"/>
-            <a:ext cx="2266685" cy="369332"/>
-          </a:xfrm>
-          <a:prstGeom prst="rect">
-            <a:avLst/>
-          </a:prstGeom>
-          <a:noFill/>
-          <a:ln>
-            <a:noFill/>
-          </a:ln>
-          <a:extLst>
-            <a:ext uri="{909E8E84-426E-40DD-AFC4-6F175D3DCCD1}">
-              <a14:hiddenFill xmlns:a14="http://schemas.microsoft.com/office/drawing/2010/main">
-                <a:solidFill>
-                  <a:srgbClr val="FFFFFF"/>
-                </a:solidFill>
-              </a14:hiddenFill>
-            </a:ext>
-            <a:ext uri="{91240B29-F687-4F45-9708-019B960494DF}">
-              <a14:hiddenLine xmlns:a14="http://schemas.microsoft.com/office/drawing/2010/main" w="9525">
-                <a:solidFill>
-                  <a:srgbClr val="000000"/>
-                </a:solidFill>
-                <a:miter lim="800000"/>
-                <a:headEnd/>
-                <a:tailEnd/>
-              </a14:hiddenLine>
-            </a:ext>
-          </a:extLst>
-        </p:spPr>
-        <p:txBody>
-          <a:bodyPr wrap="square">
-            <a:spAutoFit/>
-          </a:bodyPr>
-          <a:lstStyle>
-            <a:lvl1pPr>
-              <a:defRPr>
-                <a:solidFill>
-                  <a:schemeClr val="tx1"/>
-                </a:solidFill>
-                <a:latin typeface="等线" charset="-122"/>
-                <a:ea typeface="等线" charset="-122"/>
-                <a:cs typeface="等线" charset="-122"/>
-              </a:defRPr>
-            </a:lvl1pPr>
-            <a:lvl2pPr marL="742950" indent="-285750">
-              <a:defRPr>
-                <a:solidFill>
-                  <a:schemeClr val="tx1"/>
-                </a:solidFill>
-                <a:latin typeface="等线" charset="-122"/>
-                <a:ea typeface="等线" charset="-122"/>
-                <a:cs typeface="等线" charset="-122"/>
-              </a:defRPr>
-            </a:lvl2pPr>
-            <a:lvl3pPr marL="1143000" indent="-228600">
-              <a:defRPr>
-                <a:solidFill>
-                  <a:schemeClr val="tx1"/>
-                </a:solidFill>
-                <a:latin typeface="等线" charset="-122"/>
-                <a:ea typeface="等线" charset="-122"/>
-                <a:cs typeface="等线" charset="-122"/>
-              </a:defRPr>
-            </a:lvl3pPr>
-            <a:lvl4pPr marL="1600200" indent="-228600">
-              <a:defRPr>
-                <a:solidFill>
-                  <a:schemeClr val="tx1"/>
-                </a:solidFill>
-                <a:latin typeface="等线" charset="-122"/>
-                <a:ea typeface="等线" charset="-122"/>
-                <a:cs typeface="等线" charset="-122"/>
-              </a:defRPr>
-            </a:lvl4pPr>
-            <a:lvl5pPr marL="2057400" indent="-228600">
-              <a:defRPr>
-                <a:solidFill>
-                  <a:schemeClr val="tx1"/>
-                </a:solidFill>
-                <a:latin typeface="等线" charset="-122"/>
-                <a:ea typeface="等线" charset="-122"/>
-                <a:cs typeface="等线" charset="-122"/>
-              </a:defRPr>
-            </a:lvl5pPr>
-            <a:lvl6pPr marL="2514600" indent="-228600" eaLnBrk="0" fontAlgn="base" hangingPunct="0">
-              <a:spcBef>
-                <a:spcPct val="0"/>
-              </a:spcBef>
-              <a:spcAft>
-                <a:spcPct val="0"/>
-              </a:spcAft>
-              <a:defRPr>
-                <a:solidFill>
-                  <a:schemeClr val="tx1"/>
-                </a:solidFill>
-                <a:latin typeface="等线" charset="-122"/>
-                <a:ea typeface="等线" charset="-122"/>
-                <a:cs typeface="等线" charset="-122"/>
-              </a:defRPr>
-            </a:lvl6pPr>
-            <a:lvl7pPr marL="2971800" indent="-228600" eaLnBrk="0" fontAlgn="base" hangingPunct="0">
-              <a:spcBef>
-                <a:spcPct val="0"/>
-              </a:spcBef>
-              <a:spcAft>
-                <a:spcPct val="0"/>
-              </a:spcAft>
-              <a:defRPr>
-                <a:solidFill>
-                  <a:schemeClr val="tx1"/>
-                </a:solidFill>
-                <a:latin typeface="等线" charset="-122"/>
-                <a:ea typeface="等线" charset="-122"/>
-                <a:cs typeface="等线" charset="-122"/>
-              </a:defRPr>
-            </a:lvl7pPr>
-            <a:lvl8pPr marL="3429000" indent="-228600" eaLnBrk="0" fontAlgn="base" hangingPunct="0">
-              <a:spcBef>
-                <a:spcPct val="0"/>
-              </a:spcBef>
-              <a:spcAft>
-                <a:spcPct val="0"/>
-              </a:spcAft>
-              <a:defRPr>
-                <a:solidFill>
-                  <a:schemeClr val="tx1"/>
-                </a:solidFill>
-                <a:latin typeface="等线" charset="-122"/>
-                <a:ea typeface="等线" charset="-122"/>
-                <a:cs typeface="等线" charset="-122"/>
-              </a:defRPr>
-            </a:lvl8pPr>
-            <a:lvl9pPr marL="3886200" indent="-228600" eaLnBrk="0" fontAlgn="base" hangingPunct="0">
-              <a:spcBef>
-                <a:spcPct val="0"/>
-              </a:spcBef>
-              <a:spcAft>
-                <a:spcPct val="0"/>
-              </a:spcAft>
-              <a:defRPr>
-                <a:solidFill>
-                  <a:schemeClr val="tx1"/>
-                </a:solidFill>
-                <a:latin typeface="等线" charset="-122"/>
-                <a:ea typeface="等线" charset="-122"/>
-                <a:cs typeface="等线" charset="-122"/>
-              </a:defRPr>
-            </a:lvl9pPr>
-          </a:lstStyle>
-          <a:p>
-            <a:r>
-              <a:rPr kumimoji="1" lang="en-US" altLang="zh-CN" sz="1800" dirty="0">
-                <a:solidFill>
-                  <a:schemeClr val="bg1"/>
-                </a:solidFill>
-                <a:latin typeface="Microsoft YaHei" charset="-122"/>
-                <a:ea typeface="Microsoft YaHei" charset="-122"/>
-                <a:cs typeface="Microsoft YaHei" charset="-122"/>
-              </a:rPr>
-              <a:t>lyzh</a:t>
-            </a:r>
-            <a:r>
-              <a:rPr kumimoji="1" lang="zh-CN" altLang="en-US" sz="1800" dirty="0">
-                <a:solidFill>
-                  <a:schemeClr val="bg1"/>
-                </a:solidFill>
-                <a:latin typeface="Microsoft YaHei" charset="-122"/>
-                <a:ea typeface="Microsoft YaHei" charset="-122"/>
-                <a:cs typeface="Microsoft YaHei" charset="-122"/>
-              </a:rPr>
-              <a:t>流云坠海</a:t>
-            </a:r>
-          </a:p>
-        </p:txBody>
-      </p:sp>
-      <p:sp>
-        <p:nvSpPr>
-          <p:cNvPr id="22" name="文本框 5">
-            <a:extLst>
-              <a:ext uri="{FF2B5EF4-FFF2-40B4-BE49-F238E27FC236}">
-                <a16:creationId xmlns:a16="http://schemas.microsoft.com/office/drawing/2014/main" id="{DC7284BB-2E89-4467-BE72-903417069C1F}"/>
-              </a:ext>
-            </a:extLst>
-          </p:cNvPr>
-          <p:cNvSpPr txBox="1">
-            <a:spLocks noChangeAspect="1" noChangeArrowheads="1"/>
-          </p:cNvSpPr>
-          <p:nvPr/>
-        </p:nvSpPr>
-        <p:spPr bwMode="auto">
-          <a:xfrm>
-            <a:off x="3893997" y="3532740"/>
-            <a:ext cx="678004" cy="369332"/>
-          </a:xfrm>
-          <a:prstGeom prst="rect">
-            <a:avLst/>
-          </a:prstGeom>
-          <a:noFill/>
-          <a:ln>
-            <a:noFill/>
-          </a:ln>
-          <a:extLst>
-            <a:ext uri="{909E8E84-426E-40DD-AFC4-6F175D3DCCD1}">
-              <a14:hiddenFill xmlns:a14="http://schemas.microsoft.com/office/drawing/2010/main">
-                <a:solidFill>
-                  <a:srgbClr val="FFFFFF"/>
-                </a:solidFill>
-              </a14:hiddenFill>
-            </a:ext>
-            <a:ext uri="{91240B29-F687-4F45-9708-019B960494DF}">
-              <a14:hiddenLine xmlns:a14="http://schemas.microsoft.com/office/drawing/2010/main" w="9525">
-                <a:solidFill>
-                  <a:srgbClr val="000000"/>
-                </a:solidFill>
-                <a:miter lim="800000"/>
-                <a:headEnd/>
-                <a:tailEnd/>
-              </a14:hiddenLine>
-            </a:ext>
-          </a:extLst>
-        </p:spPr>
-        <p:txBody>
-          <a:bodyPr wrap="square">
-            <a:spAutoFit/>
-          </a:bodyPr>
-          <a:lstStyle>
-            <a:lvl1pPr>
-              <a:defRPr>
-                <a:solidFill>
-                  <a:schemeClr val="tx1"/>
-                </a:solidFill>
-                <a:latin typeface="等线" charset="-122"/>
-                <a:ea typeface="等线" charset="-122"/>
-                <a:cs typeface="等线" charset="-122"/>
-              </a:defRPr>
-            </a:lvl1pPr>
-            <a:lvl2pPr marL="742950" indent="-285750">
-              <a:defRPr>
-                <a:solidFill>
-                  <a:schemeClr val="tx1"/>
-                </a:solidFill>
-                <a:latin typeface="等线" charset="-122"/>
-                <a:ea typeface="等线" charset="-122"/>
-                <a:cs typeface="等线" charset="-122"/>
-              </a:defRPr>
-            </a:lvl2pPr>
-            <a:lvl3pPr marL="1143000" indent="-228600">
-              <a:defRPr>
-                <a:solidFill>
-                  <a:schemeClr val="tx1"/>
-                </a:solidFill>
-                <a:latin typeface="等线" charset="-122"/>
-                <a:ea typeface="等线" charset="-122"/>
-                <a:cs typeface="等线" charset="-122"/>
-              </a:defRPr>
-            </a:lvl3pPr>
-            <a:lvl4pPr marL="1600200" indent="-228600">
-              <a:defRPr>
-                <a:solidFill>
-                  <a:schemeClr val="tx1"/>
-                </a:solidFill>
-                <a:latin typeface="等线" charset="-122"/>
-                <a:ea typeface="等线" charset="-122"/>
-                <a:cs typeface="等线" charset="-122"/>
-              </a:defRPr>
-            </a:lvl4pPr>
-            <a:lvl5pPr marL="2057400" indent="-228600">
-              <a:defRPr>
-                <a:solidFill>
-                  <a:schemeClr val="tx1"/>
-                </a:solidFill>
-                <a:latin typeface="等线" charset="-122"/>
-                <a:ea typeface="等线" charset="-122"/>
-                <a:cs typeface="等线" charset="-122"/>
-              </a:defRPr>
-            </a:lvl5pPr>
-            <a:lvl6pPr marL="2514600" indent="-228600" eaLnBrk="0" fontAlgn="base" hangingPunct="0">
-              <a:spcBef>
-                <a:spcPct val="0"/>
-              </a:spcBef>
-              <a:spcAft>
-                <a:spcPct val="0"/>
-              </a:spcAft>
-              <a:defRPr>
-                <a:solidFill>
-                  <a:schemeClr val="tx1"/>
-                </a:solidFill>
-                <a:latin typeface="等线" charset="-122"/>
-                <a:ea typeface="等线" charset="-122"/>
-                <a:cs typeface="等线" charset="-122"/>
-              </a:defRPr>
-            </a:lvl6pPr>
-            <a:lvl7pPr marL="2971800" indent="-228600" eaLnBrk="0" fontAlgn="base" hangingPunct="0">
-              <a:spcBef>
-                <a:spcPct val="0"/>
-              </a:spcBef>
-              <a:spcAft>
-                <a:spcPct val="0"/>
-              </a:spcAft>
-              <a:defRPr>
-                <a:solidFill>
-                  <a:schemeClr val="tx1"/>
-                </a:solidFill>
-                <a:latin typeface="等线" charset="-122"/>
-                <a:ea typeface="等线" charset="-122"/>
-                <a:cs typeface="等线" charset="-122"/>
-              </a:defRPr>
-            </a:lvl7pPr>
-            <a:lvl8pPr marL="3429000" indent="-228600" eaLnBrk="0" fontAlgn="base" hangingPunct="0">
-              <a:spcBef>
-                <a:spcPct val="0"/>
-              </a:spcBef>
-              <a:spcAft>
-                <a:spcPct val="0"/>
-              </a:spcAft>
-              <a:defRPr>
-                <a:solidFill>
-                  <a:schemeClr val="tx1"/>
-                </a:solidFill>
-                <a:latin typeface="等线" charset="-122"/>
-                <a:ea typeface="等线" charset="-122"/>
-                <a:cs typeface="等线" charset="-122"/>
-              </a:defRPr>
-            </a:lvl8pPr>
-            <a:lvl9pPr marL="3886200" indent="-228600" eaLnBrk="0" fontAlgn="base" hangingPunct="0">
-              <a:spcBef>
-                <a:spcPct val="0"/>
-              </a:spcBef>
-              <a:spcAft>
-                <a:spcPct val="0"/>
-              </a:spcAft>
-              <a:defRPr>
-                <a:solidFill>
-                  <a:schemeClr val="tx1"/>
-                </a:solidFill>
-                <a:latin typeface="等线" charset="-122"/>
-                <a:ea typeface="等线" charset="-122"/>
-                <a:cs typeface="等线" charset="-122"/>
-              </a:defRPr>
-            </a:lvl9pPr>
-          </a:lstStyle>
-          <a:p>
-            <a:r>
-              <a:rPr kumimoji="1" lang="zh-CN" altLang="en-US" sz="1800" dirty="0">
-                <a:solidFill>
-                  <a:schemeClr val="bg1"/>
-                </a:solidFill>
-                <a:latin typeface="Microsoft YaHei" charset="-122"/>
-                <a:ea typeface="Microsoft YaHei" charset="-122"/>
-                <a:cs typeface="Microsoft YaHei" charset="-122"/>
-              </a:rPr>
-              <a:t>知乎</a:t>
-            </a:r>
-          </a:p>
-        </p:txBody>
-      </p:sp>
-    </p:spTree>
-    <p:extLst>
-      <p:ext uri="{BB962C8B-B14F-4D97-AF65-F5344CB8AC3E}">
-        <p14:creationId xmlns:p14="http://schemas.microsoft.com/office/powerpoint/2010/main" val="1091207095"/>
+        <p14:creationId xmlns:p14="http://schemas.microsoft.com/office/powerpoint/2010/main" val="1482808951"/>
       </p:ext>
     </p:extLst>
   </p:cSld>
@@ -9163,9 +9882,9 @@
         <p:grpSpPr>
           <a:xfrm>
             <a:off x="923681" y="1740354"/>
-            <a:ext cx="7296640" cy="3728278"/>
+            <a:ext cx="7296640" cy="3600725"/>
             <a:chOff x="1862749" y="1185966"/>
-            <a:chExt cx="6348101" cy="3243615"/>
+            <a:chExt cx="6348101" cy="3132644"/>
           </a:xfrm>
         </p:grpSpPr>
         <p:grpSp>
@@ -9303,10 +10022,10 @@
           </p:nvGrpSpPr>
           <p:grpSpPr>
             <a:xfrm>
-              <a:off x="4715569" y="1580810"/>
-              <a:ext cx="3495281" cy="419613"/>
-              <a:chOff x="1289304" y="2204571"/>
-              <a:chExt cx="3803904" cy="456665"/>
+              <a:off x="4715569" y="1580806"/>
+              <a:ext cx="3495281" cy="455203"/>
+              <a:chOff x="1289304" y="2204574"/>
+              <a:chExt cx="3803904" cy="495399"/>
             </a:xfrm>
           </p:grpSpPr>
           <p:sp>
@@ -9631,8 +10350,8 @@
             </p:nvSpPr>
             <p:spPr>
               <a:xfrm>
-                <a:off x="1741932" y="2204571"/>
-                <a:ext cx="3351276" cy="456665"/>
+                <a:off x="1741932" y="2204574"/>
+                <a:ext cx="3351276" cy="495399"/>
               </a:xfrm>
               <a:prstGeom prst="rect">
                 <a:avLst/>
@@ -9646,14 +10365,15 @@
               <a:lstStyle/>
               <a:p>
                 <a:r>
-                  <a:rPr lang="zh-CN" altLang="en-US" sz="2534" b="1" dirty="0">
+                  <a:rPr lang="zh-CN" altLang="en-US" sz="2800" b="1" dirty="0">
                     <a:solidFill>
                       <a:schemeClr val="bg1"/>
                     </a:solidFill>
-                    <a:latin typeface="微软雅黑" panose="020B0503020204020204" pitchFamily="34" charset="-122"/>
-                    <a:ea typeface="微软雅黑" panose="020B0503020204020204" pitchFamily="34" charset="-122"/>
+                    <a:latin typeface="Microsoft YaHei" panose="020B0503020204020204" pitchFamily="34" charset="-122"/>
+                    <a:ea typeface="Microsoft YaHei" panose="020B0503020204020204" pitchFamily="34" charset="-122"/>
+                    <a:sym typeface="Arial" panose="020B0604020202020204" pitchFamily="34" charset="0"/>
                   </a:rPr>
-                  <a:t>类型的概念</a:t>
+                  <a:t>有关类型的概念</a:t>
                 </a:r>
               </a:p>
             </p:txBody>
@@ -9673,10 +10393,10 @@
           </p:nvGrpSpPr>
           <p:grpSpPr>
             <a:xfrm>
-              <a:off x="4715569" y="2240446"/>
-              <a:ext cx="3495281" cy="419613"/>
+              <a:off x="4715569" y="2240445"/>
+              <a:ext cx="3495281" cy="758896"/>
               <a:chOff x="1289304" y="2204571"/>
-              <a:chExt cx="3803904" cy="456665"/>
+              <a:chExt cx="3803904" cy="825907"/>
             </a:xfrm>
           </p:grpSpPr>
           <p:sp>
@@ -10002,7 +10722,7 @@
             <p:spPr>
               <a:xfrm>
                 <a:off x="1741932" y="2204571"/>
-                <a:ext cx="3351276" cy="456665"/>
+                <a:ext cx="3351276" cy="825907"/>
               </a:xfrm>
               <a:prstGeom prst="rect">
                 <a:avLst/>
@@ -10023,7 +10743,47 @@
                     <a:latin typeface="微软雅黑" panose="020B0503020204020204" pitchFamily="34" charset="-122"/>
                     <a:ea typeface="微软雅黑" panose="020B0503020204020204" pitchFamily="34" charset="-122"/>
                   </a:rPr>
-                  <a:t>代数数据类型</a:t>
+                  <a:t>使用</a:t>
+                </a:r>
+                <a:r>
+                  <a:rPr lang="en-US" altLang="zh-CN" sz="2534" b="1" dirty="0" err="1">
+                    <a:solidFill>
+                      <a:schemeClr val="bg1"/>
+                    </a:solidFill>
+                    <a:latin typeface="微软雅黑" panose="020B0503020204020204" pitchFamily="34" charset="-122"/>
+                    <a:ea typeface="微软雅黑" panose="020B0503020204020204" pitchFamily="34" charset="-122"/>
+                  </a:rPr>
+                  <a:t>mypy</a:t>
+                </a:r>
+                <a:r>
+                  <a:rPr lang="zh-CN" altLang="en-US" sz="2534" b="1" dirty="0">
+                    <a:solidFill>
+                      <a:schemeClr val="bg1"/>
+                    </a:solidFill>
+                    <a:latin typeface="微软雅黑" panose="020B0503020204020204" pitchFamily="34" charset="-122"/>
+                    <a:ea typeface="微软雅黑" panose="020B0503020204020204" pitchFamily="34" charset="-122"/>
+                  </a:rPr>
+                  <a:t>对</a:t>
+                </a:r>
+                <a:r>
+                  <a:rPr lang="en-US" altLang="zh-CN" sz="2534" b="1" dirty="0">
+                    <a:solidFill>
+                      <a:schemeClr val="bg1"/>
+                    </a:solidFill>
+                    <a:latin typeface="微软雅黑" panose="020B0503020204020204" pitchFamily="34" charset="-122"/>
+                    <a:ea typeface="微软雅黑" panose="020B0503020204020204" pitchFamily="34" charset="-122"/>
+                  </a:rPr>
+                  <a:t>Python</a:t>
+                </a:r>
+                <a:r>
+                  <a:rPr lang="zh-CN" altLang="en-US" sz="2534" b="1" dirty="0">
+                    <a:solidFill>
+                      <a:schemeClr val="bg1"/>
+                    </a:solidFill>
+                    <a:latin typeface="微软雅黑" panose="020B0503020204020204" pitchFamily="34" charset="-122"/>
+                    <a:ea typeface="微软雅黑" panose="020B0503020204020204" pitchFamily="34" charset="-122"/>
+                  </a:rPr>
+                  <a:t>源代码进行静态分析</a:t>
                 </a:r>
               </a:p>
             </p:txBody>
@@ -10043,10 +10803,10 @@
           </p:nvGrpSpPr>
           <p:grpSpPr>
             <a:xfrm>
-              <a:off x="4715569" y="2955566"/>
-              <a:ext cx="3495281" cy="758895"/>
-              <a:chOff x="1289304" y="2204571"/>
-              <a:chExt cx="3803904" cy="825906"/>
+              <a:off x="4715568" y="3239362"/>
+              <a:ext cx="3495281" cy="419613"/>
+              <a:chOff x="1289303" y="2513427"/>
+              <a:chExt cx="3803904" cy="456665"/>
             </a:xfrm>
           </p:grpSpPr>
           <p:sp>
@@ -10065,7 +10825,7 @@
             </p:nvSpPr>
             <p:spPr bwMode="auto">
               <a:xfrm>
-                <a:off x="1289304" y="2264953"/>
+                <a:off x="1289303" y="2575131"/>
                 <a:ext cx="330330" cy="340902"/>
               </a:xfrm>
               <a:custGeom>
@@ -10371,8 +11131,8 @@
             </p:nvSpPr>
             <p:spPr>
               <a:xfrm>
-                <a:off x="1741932" y="2204571"/>
-                <a:ext cx="3351276" cy="825906"/>
+                <a:off x="1741931" y="2513427"/>
+                <a:ext cx="3351276" cy="456665"/>
               </a:xfrm>
               <a:prstGeom prst="rect">
                 <a:avLst/>
@@ -10393,47 +11153,7 @@
                     <a:latin typeface="微软雅黑" panose="020B0503020204020204" pitchFamily="34" charset="-122"/>
                     <a:ea typeface="微软雅黑" panose="020B0503020204020204" pitchFamily="34" charset="-122"/>
                   </a:rPr>
-                  <a:t>使用</a:t>
-                </a:r>
-                <a:r>
-                  <a:rPr lang="en-US" altLang="zh-CN" sz="2534" b="1" dirty="0" err="1">
-                    <a:solidFill>
-                      <a:schemeClr val="bg1"/>
-                    </a:solidFill>
-                    <a:latin typeface="微软雅黑" panose="020B0503020204020204" pitchFamily="34" charset="-122"/>
-                    <a:ea typeface="微软雅黑" panose="020B0503020204020204" pitchFamily="34" charset="-122"/>
-                  </a:rPr>
-                  <a:t>mypy</a:t>
-                </a:r>
-                <a:r>
-                  <a:rPr lang="zh-CN" altLang="en-US" sz="2534" b="1" dirty="0">
-                    <a:solidFill>
-                      <a:schemeClr val="bg1"/>
-                    </a:solidFill>
-                    <a:latin typeface="微软雅黑" panose="020B0503020204020204" pitchFamily="34" charset="-122"/>
-                    <a:ea typeface="微软雅黑" panose="020B0503020204020204" pitchFamily="34" charset="-122"/>
-                  </a:rPr>
-                  <a:t>对</a:t>
-                </a:r>
-                <a:r>
-                  <a:rPr lang="en-US" altLang="zh-CN" sz="2534" b="1" dirty="0">
-                    <a:solidFill>
-                      <a:schemeClr val="bg1"/>
-                    </a:solidFill>
-                    <a:latin typeface="微软雅黑" panose="020B0503020204020204" pitchFamily="34" charset="-122"/>
-                    <a:ea typeface="微软雅黑" panose="020B0503020204020204" pitchFamily="34" charset="-122"/>
-                  </a:rPr>
-                  <a:t>Python</a:t>
-                </a:r>
-                <a:r>
-                  <a:rPr lang="zh-CN" altLang="en-US" sz="2534" b="1" dirty="0">
-                    <a:solidFill>
-                      <a:schemeClr val="bg1"/>
-                    </a:solidFill>
-                    <a:latin typeface="微软雅黑" panose="020B0503020204020204" pitchFamily="34" charset="-122"/>
-                    <a:ea typeface="微软雅黑" panose="020B0503020204020204" pitchFamily="34" charset="-122"/>
-                  </a:rPr>
-                  <a:t>源代码进行静态分析</a:t>
+                  <a:t>代数数据类型</a:t>
                 </a:r>
               </a:p>
             </p:txBody>
@@ -10453,10 +11173,10 @@
           </p:nvGrpSpPr>
           <p:grpSpPr>
             <a:xfrm>
-              <a:off x="4733269" y="4009968"/>
-              <a:ext cx="3477581" cy="419613"/>
-              <a:chOff x="1308567" y="2573810"/>
-              <a:chExt cx="3784641" cy="456665"/>
+              <a:off x="4745547" y="3898997"/>
+              <a:ext cx="3465301" cy="419613"/>
+              <a:chOff x="1321929" y="2453040"/>
+              <a:chExt cx="3771277" cy="456665"/>
             </a:xfrm>
           </p:grpSpPr>
           <p:sp>
@@ -10475,7 +11195,7 @@
             </p:nvSpPr>
             <p:spPr bwMode="auto">
               <a:xfrm>
-                <a:off x="1308567" y="2631691"/>
+                <a:off x="1321929" y="2510921"/>
                 <a:ext cx="330330" cy="340902"/>
               </a:xfrm>
               <a:custGeom>
@@ -10781,7 +11501,7 @@
             </p:nvSpPr>
             <p:spPr>
               <a:xfrm>
-                <a:off x="1741932" y="2573810"/>
+                <a:off x="1741930" y="2453040"/>
                 <a:ext cx="3351276" cy="456665"/>
               </a:xfrm>
               <a:prstGeom prst="rect">
@@ -10846,6 +11566,756 @@
     <p:extLst>
       <p:ext uri="{BB962C8B-B14F-4D97-AF65-F5344CB8AC3E}">
         <p14:creationId xmlns:p14="http://schemas.microsoft.com/office/powerpoint/2010/main" val="3880917898"/>
+      </p:ext>
+    </p:extLst>
+  </p:cSld>
+  <p:clrMapOvr>
+    <a:masterClrMapping/>
+  </p:clrMapOvr>
+</p:sld>
+</file>
+
+<file path=ppt/slides/slide20.xml><?xml version="1.0" encoding="utf-8"?>
+<p:sld xmlns:a="http://schemas.openxmlformats.org/drawingml/2006/main" xmlns:r="http://schemas.openxmlformats.org/officeDocument/2006/relationships" xmlns:p="http://schemas.openxmlformats.org/presentationml/2006/main">
+  <p:cSld>
+    <p:bg>
+      <p:bgPr>
+        <a:blipFill dpi="0" rotWithShape="1">
+          <a:blip r:embed="rId2">
+            <a:lum/>
+          </a:blip>
+          <a:srcRect/>
+          <a:stretch>
+            <a:fillRect/>
+          </a:stretch>
+        </a:blipFill>
+        <a:effectLst/>
+      </p:bgPr>
+    </p:bg>
+    <p:spTree>
+      <p:nvGrpSpPr>
+        <p:cNvPr id="1" name=""/>
+        <p:cNvGrpSpPr/>
+        <p:nvPr/>
+      </p:nvGrpSpPr>
+      <p:grpSpPr>
+        <a:xfrm>
+          <a:off x="0" y="0"/>
+          <a:ext cx="0" cy="0"/>
+          <a:chOff x="0" y="0"/>
+          <a:chExt cx="0" cy="0"/>
+        </a:xfrm>
+      </p:grpSpPr>
+      <p:sp>
+        <p:nvSpPr>
+          <p:cNvPr id="12" name="矩形 11">
+            <a:extLst>
+              <a:ext uri="{FF2B5EF4-FFF2-40B4-BE49-F238E27FC236}">
+                <a16:creationId xmlns:a16="http://schemas.microsoft.com/office/drawing/2014/main" id="{71575E2E-5EC8-D74E-A04A-CA4EE117C53B}"/>
+              </a:ext>
+            </a:extLst>
+          </p:cNvPr>
+          <p:cNvSpPr>
+            <a:spLocks noChangeAspect="1"/>
+          </p:cNvSpPr>
+          <p:nvPr/>
+        </p:nvSpPr>
+        <p:spPr bwMode="auto">
+          <a:xfrm>
+            <a:off x="3323994" y="1389967"/>
+            <a:ext cx="5541004" cy="879472"/>
+          </a:xfrm>
+          <a:prstGeom prst="rect">
+            <a:avLst/>
+          </a:prstGeom>
+        </p:spPr>
+        <p:txBody>
+          <a:bodyPr wrap="square">
+            <a:spAutoFit/>
+          </a:bodyPr>
+          <a:lstStyle/>
+          <a:p>
+            <a:pPr algn="ctr" defTabSz="400344">
+              <a:lnSpc>
+                <a:spcPct val="93000"/>
+              </a:lnSpc>
+              <a:buSzPct val="100000"/>
+              <a:defRPr/>
+            </a:pPr>
+            <a:r>
+              <a:rPr lang="en-US" altLang="zh-CN" sz="5500" b="1" kern="0" dirty="0">
+                <a:solidFill>
+                  <a:schemeClr val="bg1"/>
+                </a:solidFill>
+                <a:latin typeface="微软雅黑" panose="020B0503020204020204" pitchFamily="34" charset="-122"/>
+                <a:ea typeface="微软雅黑" panose="020B0503020204020204" pitchFamily="34" charset="-122"/>
+              </a:rPr>
+              <a:t>THANK YOU</a:t>
+            </a:r>
+            <a:endParaRPr lang="zh-CN" altLang="en-US" sz="5500" b="1" kern="10" dirty="0">
+              <a:ln w="9525">
+                <a:round/>
+                <a:headEnd/>
+                <a:tailEnd/>
+              </a:ln>
+              <a:solidFill>
+                <a:schemeClr val="bg1"/>
+              </a:solidFill>
+              <a:latin typeface="微软雅黑" panose="020B0503020204020204" pitchFamily="34" charset="-122"/>
+              <a:ea typeface="微软雅黑" panose="020B0503020204020204" pitchFamily="34" charset="-122"/>
+            </a:endParaRPr>
+          </a:p>
+        </p:txBody>
+      </p:sp>
+      <p:sp>
+        <p:nvSpPr>
+          <p:cNvPr id="13" name="文本框 5">
+            <a:extLst>
+              <a:ext uri="{FF2B5EF4-FFF2-40B4-BE49-F238E27FC236}">
+                <a16:creationId xmlns:a16="http://schemas.microsoft.com/office/drawing/2014/main" id="{0E18BB46-B91D-554E-8B46-F7FBA63830C6}"/>
+              </a:ext>
+            </a:extLst>
+          </p:cNvPr>
+          <p:cNvSpPr txBox="1">
+            <a:spLocks noChangeAspect="1" noChangeArrowheads="1"/>
+          </p:cNvSpPr>
+          <p:nvPr/>
+        </p:nvSpPr>
+        <p:spPr bwMode="auto">
+          <a:xfrm>
+            <a:off x="4571999" y="3055894"/>
+            <a:ext cx="2266685" cy="369332"/>
+          </a:xfrm>
+          <a:prstGeom prst="rect">
+            <a:avLst/>
+          </a:prstGeom>
+          <a:noFill/>
+          <a:ln>
+            <a:noFill/>
+          </a:ln>
+          <a:extLst>
+            <a:ext uri="{909E8E84-426E-40DD-AFC4-6F175D3DCCD1}">
+              <a14:hiddenFill xmlns:a14="http://schemas.microsoft.com/office/drawing/2010/main">
+                <a:solidFill>
+                  <a:srgbClr val="FFFFFF"/>
+                </a:solidFill>
+              </a14:hiddenFill>
+            </a:ext>
+            <a:ext uri="{91240B29-F687-4F45-9708-019B960494DF}">
+              <a14:hiddenLine xmlns:a14="http://schemas.microsoft.com/office/drawing/2010/main" w="9525">
+                <a:solidFill>
+                  <a:srgbClr val="000000"/>
+                </a:solidFill>
+                <a:miter lim="800000"/>
+                <a:headEnd/>
+                <a:tailEnd/>
+              </a14:hiddenLine>
+            </a:ext>
+          </a:extLst>
+        </p:spPr>
+        <p:txBody>
+          <a:bodyPr wrap="square">
+            <a:spAutoFit/>
+          </a:bodyPr>
+          <a:lstStyle>
+            <a:lvl1pPr>
+              <a:defRPr>
+                <a:solidFill>
+                  <a:schemeClr val="tx1"/>
+                </a:solidFill>
+                <a:latin typeface="等线" charset="-122"/>
+                <a:ea typeface="等线" charset="-122"/>
+                <a:cs typeface="等线" charset="-122"/>
+              </a:defRPr>
+            </a:lvl1pPr>
+            <a:lvl2pPr marL="742950" indent="-285750">
+              <a:defRPr>
+                <a:solidFill>
+                  <a:schemeClr val="tx1"/>
+                </a:solidFill>
+                <a:latin typeface="等线" charset="-122"/>
+                <a:ea typeface="等线" charset="-122"/>
+                <a:cs typeface="等线" charset="-122"/>
+              </a:defRPr>
+            </a:lvl2pPr>
+            <a:lvl3pPr marL="1143000" indent="-228600">
+              <a:defRPr>
+                <a:solidFill>
+                  <a:schemeClr val="tx1"/>
+                </a:solidFill>
+                <a:latin typeface="等线" charset="-122"/>
+                <a:ea typeface="等线" charset="-122"/>
+                <a:cs typeface="等线" charset="-122"/>
+              </a:defRPr>
+            </a:lvl3pPr>
+            <a:lvl4pPr marL="1600200" indent="-228600">
+              <a:defRPr>
+                <a:solidFill>
+                  <a:schemeClr val="tx1"/>
+                </a:solidFill>
+                <a:latin typeface="等线" charset="-122"/>
+                <a:ea typeface="等线" charset="-122"/>
+                <a:cs typeface="等线" charset="-122"/>
+              </a:defRPr>
+            </a:lvl4pPr>
+            <a:lvl5pPr marL="2057400" indent="-228600">
+              <a:defRPr>
+                <a:solidFill>
+                  <a:schemeClr val="tx1"/>
+                </a:solidFill>
+                <a:latin typeface="等线" charset="-122"/>
+                <a:ea typeface="等线" charset="-122"/>
+                <a:cs typeface="等线" charset="-122"/>
+              </a:defRPr>
+            </a:lvl5pPr>
+            <a:lvl6pPr marL="2514600" indent="-228600" eaLnBrk="0" fontAlgn="base" hangingPunct="0">
+              <a:spcBef>
+                <a:spcPct val="0"/>
+              </a:spcBef>
+              <a:spcAft>
+                <a:spcPct val="0"/>
+              </a:spcAft>
+              <a:defRPr>
+                <a:solidFill>
+                  <a:schemeClr val="tx1"/>
+                </a:solidFill>
+                <a:latin typeface="等线" charset="-122"/>
+                <a:ea typeface="等线" charset="-122"/>
+                <a:cs typeface="等线" charset="-122"/>
+              </a:defRPr>
+            </a:lvl6pPr>
+            <a:lvl7pPr marL="2971800" indent="-228600" eaLnBrk="0" fontAlgn="base" hangingPunct="0">
+              <a:spcBef>
+                <a:spcPct val="0"/>
+              </a:spcBef>
+              <a:spcAft>
+                <a:spcPct val="0"/>
+              </a:spcAft>
+              <a:defRPr>
+                <a:solidFill>
+                  <a:schemeClr val="tx1"/>
+                </a:solidFill>
+                <a:latin typeface="等线" charset="-122"/>
+                <a:ea typeface="等线" charset="-122"/>
+                <a:cs typeface="等线" charset="-122"/>
+              </a:defRPr>
+            </a:lvl7pPr>
+            <a:lvl8pPr marL="3429000" indent="-228600" eaLnBrk="0" fontAlgn="base" hangingPunct="0">
+              <a:spcBef>
+                <a:spcPct val="0"/>
+              </a:spcBef>
+              <a:spcAft>
+                <a:spcPct val="0"/>
+              </a:spcAft>
+              <a:defRPr>
+                <a:solidFill>
+                  <a:schemeClr val="tx1"/>
+                </a:solidFill>
+                <a:latin typeface="等线" charset="-122"/>
+                <a:ea typeface="等线" charset="-122"/>
+                <a:cs typeface="等线" charset="-122"/>
+              </a:defRPr>
+            </a:lvl8pPr>
+            <a:lvl9pPr marL="3886200" indent="-228600" eaLnBrk="0" fontAlgn="base" hangingPunct="0">
+              <a:spcBef>
+                <a:spcPct val="0"/>
+              </a:spcBef>
+              <a:spcAft>
+                <a:spcPct val="0"/>
+              </a:spcAft>
+              <a:defRPr>
+                <a:solidFill>
+                  <a:schemeClr val="tx1"/>
+                </a:solidFill>
+                <a:latin typeface="等线" charset="-122"/>
+                <a:ea typeface="等线" charset="-122"/>
+                <a:cs typeface="等线" charset="-122"/>
+              </a:defRPr>
+            </a:lvl9pPr>
+          </a:lstStyle>
+          <a:p>
+            <a:r>
+              <a:rPr kumimoji="1" lang="en-US" altLang="zh-CN" sz="1800" dirty="0" err="1">
+                <a:solidFill>
+                  <a:schemeClr val="bg1"/>
+                </a:solidFill>
+                <a:latin typeface="Microsoft YaHei" charset="-122"/>
+                <a:ea typeface="Microsoft YaHei" charset="-122"/>
+                <a:cs typeface="Microsoft YaHei" charset="-122"/>
+              </a:rPr>
+              <a:t>IndexLib</a:t>
+            </a:r>
+            <a:endParaRPr kumimoji="1" lang="zh-CN" altLang="en-US" sz="1800" dirty="0">
+              <a:solidFill>
+                <a:schemeClr val="bg1"/>
+              </a:solidFill>
+              <a:latin typeface="Microsoft YaHei" charset="-122"/>
+              <a:ea typeface="Microsoft YaHei" charset="-122"/>
+              <a:cs typeface="Microsoft YaHei" charset="-122"/>
+            </a:endParaRPr>
+          </a:p>
+        </p:txBody>
+      </p:sp>
+      <p:pic>
+        <p:nvPicPr>
+          <p:cNvPr id="19" name="图片 11">
+            <a:extLst>
+              <a:ext uri="{FF2B5EF4-FFF2-40B4-BE49-F238E27FC236}">
+                <a16:creationId xmlns:a16="http://schemas.microsoft.com/office/drawing/2014/main" id="{E41E4AD4-2312-B347-BE84-F0EDBD4B0528}"/>
+              </a:ext>
+            </a:extLst>
+          </p:cNvPr>
+          <p:cNvPicPr>
+            <a:picLocks noChangeAspect="1"/>
+          </p:cNvPicPr>
+          <p:nvPr/>
+        </p:nvPicPr>
+        <p:blipFill>
+          <a:blip r:embed="rId3">
+            <a:extLst>
+              <a:ext uri="{BEBA8EAE-BF5A-486C-A8C5-ECC9F3942E4B}">
+                <a14:imgProps xmlns:a14="http://schemas.microsoft.com/office/drawing/2010/main">
+                  <a14:imgLayer>
+                    <a14:imgEffect>
+                      <a14:artisticPhotocopy trans="0"/>
+                    </a14:imgEffect>
+                  </a14:imgLayer>
+                </a14:imgProps>
+              </a:ext>
+              <a:ext uri="{28A0092B-C50C-407E-A947-70E740481C1C}">
+                <a14:useLocalDpi xmlns:a14="http://schemas.microsoft.com/office/drawing/2010/main"/>
+              </a:ext>
+            </a:extLst>
+          </a:blip>
+          <a:srcRect/>
+          <a:stretch>
+            <a:fillRect/>
+          </a:stretch>
+        </p:blipFill>
+        <p:spPr bwMode="auto">
+          <a:xfrm>
+            <a:off x="3893997" y="2998052"/>
+            <a:ext cx="430949" cy="430948"/>
+          </a:xfrm>
+          <a:prstGeom prst="rect">
+            <a:avLst/>
+          </a:prstGeom>
+          <a:solidFill>
+            <a:schemeClr val="tx1"/>
+          </a:solidFill>
+          <a:ln>
+            <a:noFill/>
+          </a:ln>
+          <a:extLst/>
+        </p:spPr>
+      </p:pic>
+      <p:pic>
+        <p:nvPicPr>
+          <p:cNvPr id="4" name="图片 3">
+            <a:extLst>
+              <a:ext uri="{FF2B5EF4-FFF2-40B4-BE49-F238E27FC236}">
+                <a16:creationId xmlns:a16="http://schemas.microsoft.com/office/drawing/2014/main" id="{A65724E0-EFE3-4C81-8372-86E85027070B}"/>
+              </a:ext>
+            </a:extLst>
+          </p:cNvPr>
+          <p:cNvPicPr>
+            <a:picLocks noChangeAspect="1"/>
+          </p:cNvPicPr>
+          <p:nvPr/>
+        </p:nvPicPr>
+        <p:blipFill>
+          <a:blip r:embed="rId4"/>
+          <a:stretch>
+            <a:fillRect/>
+          </a:stretch>
+        </p:blipFill>
+        <p:spPr>
+          <a:xfrm>
+            <a:off x="6552653" y="2579048"/>
+            <a:ext cx="1699904" cy="1699904"/>
+          </a:xfrm>
+          <a:prstGeom prst="rect">
+            <a:avLst/>
+          </a:prstGeom>
+        </p:spPr>
+      </p:pic>
+      <p:sp>
+        <p:nvSpPr>
+          <p:cNvPr id="21" name="文本框 5">
+            <a:extLst>
+              <a:ext uri="{FF2B5EF4-FFF2-40B4-BE49-F238E27FC236}">
+                <a16:creationId xmlns:a16="http://schemas.microsoft.com/office/drawing/2014/main" id="{4BAB5AC1-CE36-4BD0-B429-AB7F6A4B1119}"/>
+              </a:ext>
+            </a:extLst>
+          </p:cNvPr>
+          <p:cNvSpPr txBox="1">
+            <a:spLocks noChangeAspect="1" noChangeArrowheads="1"/>
+          </p:cNvSpPr>
+          <p:nvPr/>
+        </p:nvSpPr>
+        <p:spPr bwMode="auto">
+          <a:xfrm>
+            <a:off x="4572001" y="3550169"/>
+            <a:ext cx="2266685" cy="369332"/>
+          </a:xfrm>
+          <a:prstGeom prst="rect">
+            <a:avLst/>
+          </a:prstGeom>
+          <a:noFill/>
+          <a:ln>
+            <a:noFill/>
+          </a:ln>
+          <a:extLst>
+            <a:ext uri="{909E8E84-426E-40DD-AFC4-6F175D3DCCD1}">
+              <a14:hiddenFill xmlns:a14="http://schemas.microsoft.com/office/drawing/2010/main">
+                <a:solidFill>
+                  <a:srgbClr val="FFFFFF"/>
+                </a:solidFill>
+              </a14:hiddenFill>
+            </a:ext>
+            <a:ext uri="{91240B29-F687-4F45-9708-019B960494DF}">
+              <a14:hiddenLine xmlns:a14="http://schemas.microsoft.com/office/drawing/2010/main" w="9525">
+                <a:solidFill>
+                  <a:srgbClr val="000000"/>
+                </a:solidFill>
+                <a:miter lim="800000"/>
+                <a:headEnd/>
+                <a:tailEnd/>
+              </a14:hiddenLine>
+            </a:ext>
+          </a:extLst>
+        </p:spPr>
+        <p:txBody>
+          <a:bodyPr wrap="square">
+            <a:spAutoFit/>
+          </a:bodyPr>
+          <a:lstStyle>
+            <a:lvl1pPr>
+              <a:defRPr>
+                <a:solidFill>
+                  <a:schemeClr val="tx1"/>
+                </a:solidFill>
+                <a:latin typeface="等线" charset="-122"/>
+                <a:ea typeface="等线" charset="-122"/>
+                <a:cs typeface="等线" charset="-122"/>
+              </a:defRPr>
+            </a:lvl1pPr>
+            <a:lvl2pPr marL="742950" indent="-285750">
+              <a:defRPr>
+                <a:solidFill>
+                  <a:schemeClr val="tx1"/>
+                </a:solidFill>
+                <a:latin typeface="等线" charset="-122"/>
+                <a:ea typeface="等线" charset="-122"/>
+                <a:cs typeface="等线" charset="-122"/>
+              </a:defRPr>
+            </a:lvl2pPr>
+            <a:lvl3pPr marL="1143000" indent="-228600">
+              <a:defRPr>
+                <a:solidFill>
+                  <a:schemeClr val="tx1"/>
+                </a:solidFill>
+                <a:latin typeface="等线" charset="-122"/>
+                <a:ea typeface="等线" charset="-122"/>
+                <a:cs typeface="等线" charset="-122"/>
+              </a:defRPr>
+            </a:lvl3pPr>
+            <a:lvl4pPr marL="1600200" indent="-228600">
+              <a:defRPr>
+                <a:solidFill>
+                  <a:schemeClr val="tx1"/>
+                </a:solidFill>
+                <a:latin typeface="等线" charset="-122"/>
+                <a:ea typeface="等线" charset="-122"/>
+                <a:cs typeface="等线" charset="-122"/>
+              </a:defRPr>
+            </a:lvl4pPr>
+            <a:lvl5pPr marL="2057400" indent="-228600">
+              <a:defRPr>
+                <a:solidFill>
+                  <a:schemeClr val="tx1"/>
+                </a:solidFill>
+                <a:latin typeface="等线" charset="-122"/>
+                <a:ea typeface="等线" charset="-122"/>
+                <a:cs typeface="等线" charset="-122"/>
+              </a:defRPr>
+            </a:lvl5pPr>
+            <a:lvl6pPr marL="2514600" indent="-228600" eaLnBrk="0" fontAlgn="base" hangingPunct="0">
+              <a:spcBef>
+                <a:spcPct val="0"/>
+              </a:spcBef>
+              <a:spcAft>
+                <a:spcPct val="0"/>
+              </a:spcAft>
+              <a:defRPr>
+                <a:solidFill>
+                  <a:schemeClr val="tx1"/>
+                </a:solidFill>
+                <a:latin typeface="等线" charset="-122"/>
+                <a:ea typeface="等线" charset="-122"/>
+                <a:cs typeface="等线" charset="-122"/>
+              </a:defRPr>
+            </a:lvl6pPr>
+            <a:lvl7pPr marL="2971800" indent="-228600" eaLnBrk="0" fontAlgn="base" hangingPunct="0">
+              <a:spcBef>
+                <a:spcPct val="0"/>
+              </a:spcBef>
+              <a:spcAft>
+                <a:spcPct val="0"/>
+              </a:spcAft>
+              <a:defRPr>
+                <a:solidFill>
+                  <a:schemeClr val="tx1"/>
+                </a:solidFill>
+                <a:latin typeface="等线" charset="-122"/>
+                <a:ea typeface="等线" charset="-122"/>
+                <a:cs typeface="等线" charset="-122"/>
+              </a:defRPr>
+            </a:lvl7pPr>
+            <a:lvl8pPr marL="3429000" indent="-228600" eaLnBrk="0" fontAlgn="base" hangingPunct="0">
+              <a:spcBef>
+                <a:spcPct val="0"/>
+              </a:spcBef>
+              <a:spcAft>
+                <a:spcPct val="0"/>
+              </a:spcAft>
+              <a:defRPr>
+                <a:solidFill>
+                  <a:schemeClr val="tx1"/>
+                </a:solidFill>
+                <a:latin typeface="等线" charset="-122"/>
+                <a:ea typeface="等线" charset="-122"/>
+                <a:cs typeface="等线" charset="-122"/>
+              </a:defRPr>
+            </a:lvl8pPr>
+            <a:lvl9pPr marL="3886200" indent="-228600" eaLnBrk="0" fontAlgn="base" hangingPunct="0">
+              <a:spcBef>
+                <a:spcPct val="0"/>
+              </a:spcBef>
+              <a:spcAft>
+                <a:spcPct val="0"/>
+              </a:spcAft>
+              <a:defRPr>
+                <a:solidFill>
+                  <a:schemeClr val="tx1"/>
+                </a:solidFill>
+                <a:latin typeface="等线" charset="-122"/>
+                <a:ea typeface="等线" charset="-122"/>
+                <a:cs typeface="等线" charset="-122"/>
+              </a:defRPr>
+            </a:lvl9pPr>
+          </a:lstStyle>
+          <a:p>
+            <a:r>
+              <a:rPr kumimoji="1" lang="en-US" altLang="zh-CN" sz="1800" dirty="0">
+                <a:solidFill>
+                  <a:schemeClr val="bg1"/>
+                </a:solidFill>
+                <a:latin typeface="Microsoft YaHei" charset="-122"/>
+                <a:ea typeface="Microsoft YaHei" charset="-122"/>
+                <a:cs typeface="Microsoft YaHei" charset="-122"/>
+              </a:rPr>
+              <a:t>lyzh</a:t>
+            </a:r>
+            <a:r>
+              <a:rPr kumimoji="1" lang="zh-CN" altLang="en-US" sz="1800" dirty="0">
+                <a:solidFill>
+                  <a:schemeClr val="bg1"/>
+                </a:solidFill>
+                <a:latin typeface="Microsoft YaHei" charset="-122"/>
+                <a:ea typeface="Microsoft YaHei" charset="-122"/>
+                <a:cs typeface="Microsoft YaHei" charset="-122"/>
+              </a:rPr>
+              <a:t>流云坠海</a:t>
+            </a:r>
+          </a:p>
+        </p:txBody>
+      </p:sp>
+      <p:sp>
+        <p:nvSpPr>
+          <p:cNvPr id="22" name="文本框 5">
+            <a:extLst>
+              <a:ext uri="{FF2B5EF4-FFF2-40B4-BE49-F238E27FC236}">
+                <a16:creationId xmlns:a16="http://schemas.microsoft.com/office/drawing/2014/main" id="{DC7284BB-2E89-4467-BE72-903417069C1F}"/>
+              </a:ext>
+            </a:extLst>
+          </p:cNvPr>
+          <p:cNvSpPr txBox="1">
+            <a:spLocks noChangeAspect="1" noChangeArrowheads="1"/>
+          </p:cNvSpPr>
+          <p:nvPr/>
+        </p:nvSpPr>
+        <p:spPr bwMode="auto">
+          <a:xfrm>
+            <a:off x="3893997" y="3532740"/>
+            <a:ext cx="678004" cy="369332"/>
+          </a:xfrm>
+          <a:prstGeom prst="rect">
+            <a:avLst/>
+          </a:prstGeom>
+          <a:noFill/>
+          <a:ln>
+            <a:noFill/>
+          </a:ln>
+          <a:extLst>
+            <a:ext uri="{909E8E84-426E-40DD-AFC4-6F175D3DCCD1}">
+              <a14:hiddenFill xmlns:a14="http://schemas.microsoft.com/office/drawing/2010/main">
+                <a:solidFill>
+                  <a:srgbClr val="FFFFFF"/>
+                </a:solidFill>
+              </a14:hiddenFill>
+            </a:ext>
+            <a:ext uri="{91240B29-F687-4F45-9708-019B960494DF}">
+              <a14:hiddenLine xmlns:a14="http://schemas.microsoft.com/office/drawing/2010/main" w="9525">
+                <a:solidFill>
+                  <a:srgbClr val="000000"/>
+                </a:solidFill>
+                <a:miter lim="800000"/>
+                <a:headEnd/>
+                <a:tailEnd/>
+              </a14:hiddenLine>
+            </a:ext>
+          </a:extLst>
+        </p:spPr>
+        <p:txBody>
+          <a:bodyPr wrap="square">
+            <a:spAutoFit/>
+          </a:bodyPr>
+          <a:lstStyle>
+            <a:lvl1pPr>
+              <a:defRPr>
+                <a:solidFill>
+                  <a:schemeClr val="tx1"/>
+                </a:solidFill>
+                <a:latin typeface="等线" charset="-122"/>
+                <a:ea typeface="等线" charset="-122"/>
+                <a:cs typeface="等线" charset="-122"/>
+              </a:defRPr>
+            </a:lvl1pPr>
+            <a:lvl2pPr marL="742950" indent="-285750">
+              <a:defRPr>
+                <a:solidFill>
+                  <a:schemeClr val="tx1"/>
+                </a:solidFill>
+                <a:latin typeface="等线" charset="-122"/>
+                <a:ea typeface="等线" charset="-122"/>
+                <a:cs typeface="等线" charset="-122"/>
+              </a:defRPr>
+            </a:lvl2pPr>
+            <a:lvl3pPr marL="1143000" indent="-228600">
+              <a:defRPr>
+                <a:solidFill>
+                  <a:schemeClr val="tx1"/>
+                </a:solidFill>
+                <a:latin typeface="等线" charset="-122"/>
+                <a:ea typeface="等线" charset="-122"/>
+                <a:cs typeface="等线" charset="-122"/>
+              </a:defRPr>
+            </a:lvl3pPr>
+            <a:lvl4pPr marL="1600200" indent="-228600">
+              <a:defRPr>
+                <a:solidFill>
+                  <a:schemeClr val="tx1"/>
+                </a:solidFill>
+                <a:latin typeface="等线" charset="-122"/>
+                <a:ea typeface="等线" charset="-122"/>
+                <a:cs typeface="等线" charset="-122"/>
+              </a:defRPr>
+            </a:lvl4pPr>
+            <a:lvl5pPr marL="2057400" indent="-228600">
+              <a:defRPr>
+                <a:solidFill>
+                  <a:schemeClr val="tx1"/>
+                </a:solidFill>
+                <a:latin typeface="等线" charset="-122"/>
+                <a:ea typeface="等线" charset="-122"/>
+                <a:cs typeface="等线" charset="-122"/>
+              </a:defRPr>
+            </a:lvl5pPr>
+            <a:lvl6pPr marL="2514600" indent="-228600" eaLnBrk="0" fontAlgn="base" hangingPunct="0">
+              <a:spcBef>
+                <a:spcPct val="0"/>
+              </a:spcBef>
+              <a:spcAft>
+                <a:spcPct val="0"/>
+              </a:spcAft>
+              <a:defRPr>
+                <a:solidFill>
+                  <a:schemeClr val="tx1"/>
+                </a:solidFill>
+                <a:latin typeface="等线" charset="-122"/>
+                <a:ea typeface="等线" charset="-122"/>
+                <a:cs typeface="等线" charset="-122"/>
+              </a:defRPr>
+            </a:lvl6pPr>
+            <a:lvl7pPr marL="2971800" indent="-228600" eaLnBrk="0" fontAlgn="base" hangingPunct="0">
+              <a:spcBef>
+                <a:spcPct val="0"/>
+              </a:spcBef>
+              <a:spcAft>
+                <a:spcPct val="0"/>
+              </a:spcAft>
+              <a:defRPr>
+                <a:solidFill>
+                  <a:schemeClr val="tx1"/>
+                </a:solidFill>
+                <a:latin typeface="等线" charset="-122"/>
+                <a:ea typeface="等线" charset="-122"/>
+                <a:cs typeface="等线" charset="-122"/>
+              </a:defRPr>
+            </a:lvl7pPr>
+            <a:lvl8pPr marL="3429000" indent="-228600" eaLnBrk="0" fontAlgn="base" hangingPunct="0">
+              <a:spcBef>
+                <a:spcPct val="0"/>
+              </a:spcBef>
+              <a:spcAft>
+                <a:spcPct val="0"/>
+              </a:spcAft>
+              <a:defRPr>
+                <a:solidFill>
+                  <a:schemeClr val="tx1"/>
+                </a:solidFill>
+                <a:latin typeface="等线" charset="-122"/>
+                <a:ea typeface="等线" charset="-122"/>
+                <a:cs typeface="等线" charset="-122"/>
+              </a:defRPr>
+            </a:lvl8pPr>
+            <a:lvl9pPr marL="3886200" indent="-228600" eaLnBrk="0" fontAlgn="base" hangingPunct="0">
+              <a:spcBef>
+                <a:spcPct val="0"/>
+              </a:spcBef>
+              <a:spcAft>
+                <a:spcPct val="0"/>
+              </a:spcAft>
+              <a:defRPr>
+                <a:solidFill>
+                  <a:schemeClr val="tx1"/>
+                </a:solidFill>
+                <a:latin typeface="等线" charset="-122"/>
+                <a:ea typeface="等线" charset="-122"/>
+                <a:cs typeface="等线" charset="-122"/>
+              </a:defRPr>
+            </a:lvl9pPr>
+          </a:lstStyle>
+          <a:p>
+            <a:r>
+              <a:rPr kumimoji="1" lang="zh-CN" altLang="en-US" sz="1800" dirty="0">
+                <a:solidFill>
+                  <a:schemeClr val="bg1"/>
+                </a:solidFill>
+                <a:latin typeface="Microsoft YaHei" charset="-122"/>
+                <a:ea typeface="Microsoft YaHei" charset="-122"/>
+                <a:cs typeface="Microsoft YaHei" charset="-122"/>
+              </a:rPr>
+              <a:t>知乎</a:t>
+            </a:r>
+          </a:p>
+        </p:txBody>
+      </p:sp>
+    </p:spTree>
+    <p:extLst>
+      <p:ext uri="{BB962C8B-B14F-4D97-AF65-F5344CB8AC3E}">
+        <p14:creationId xmlns:p14="http://schemas.microsoft.com/office/powerpoint/2010/main" val="1091207095"/>
       </p:ext>
     </p:extLst>
   </p:cSld>
@@ -10969,7 +12439,7 @@
                   <a:ea typeface="Microsoft YaHei" panose="020B0503020204020204" pitchFamily="34" charset="-122"/>
                   <a:sym typeface="Arial" panose="020B0604020202020204" pitchFamily="34" charset="0"/>
                 </a:rPr>
-                <a:t>类型的概念</a:t>
+                <a:t>关于类型的一些基本概念</a:t>
               </a:r>
             </a:p>
           </p:txBody>
@@ -11437,7 +12907,7 @@
         <p:spPr bwMode="auto">
           <a:xfrm>
             <a:off x="289467" y="2570961"/>
-            <a:ext cx="8552692" cy="1895519"/>
+            <a:ext cx="8552692" cy="418191"/>
           </a:xfrm>
           <a:prstGeom prst="rect">
             <a:avLst/>
@@ -11471,76 +12941,6 @@
             <a:spAutoFit/>
           </a:bodyPr>
           <a:lstStyle/>
-          <a:p>
-            <a:pPr>
-              <a:lnSpc>
-                <a:spcPct val="150000"/>
-              </a:lnSpc>
-            </a:pPr>
-            <a:r>
-              <a:rPr lang="zh-CN" altLang="en-US" sz="1600" dirty="0">
-                <a:solidFill>
-                  <a:schemeClr val="bg1"/>
-                </a:solidFill>
-                <a:latin typeface="微软雅黑" panose="020B0503020204020204" pitchFamily="34" charset="-122"/>
-                <a:ea typeface="微软雅黑" panose="020B0503020204020204" pitchFamily="34" charset="-122"/>
-                <a:sym typeface="微软雅黑" panose="020B0503020204020204" pitchFamily="34" charset="-122"/>
-              </a:rPr>
-              <a:t>它的基本目的是防止程序运行期间发生执行错误。这个非正式的声明激发了对类型系统的研究。</a:t>
-            </a:r>
-            <a:endParaRPr lang="en-US" altLang="zh-CN" sz="1600" dirty="0">
-              <a:solidFill>
-                <a:schemeClr val="bg1"/>
-              </a:solidFill>
-              <a:latin typeface="微软雅黑" panose="020B0503020204020204" pitchFamily="34" charset="-122"/>
-              <a:ea typeface="微软雅黑" panose="020B0503020204020204" pitchFamily="34" charset="-122"/>
-              <a:sym typeface="微软雅黑" panose="020B0503020204020204" pitchFamily="34" charset="-122"/>
-            </a:endParaRPr>
-          </a:p>
-          <a:p>
-            <a:pPr>
-              <a:lnSpc>
-                <a:spcPct val="150000"/>
-              </a:lnSpc>
-            </a:pPr>
-            <a:r>
-              <a:rPr lang="zh-CN" altLang="en-US" sz="1600" dirty="0">
-                <a:solidFill>
-                  <a:schemeClr val="bg1"/>
-                </a:solidFill>
-                <a:latin typeface="微软雅黑" panose="020B0503020204020204" pitchFamily="34" charset="-122"/>
-                <a:ea typeface="微软雅黑" panose="020B0503020204020204" pitchFamily="34" charset="-122"/>
-                <a:sym typeface="微软雅黑" panose="020B0503020204020204" pitchFamily="34" charset="-122"/>
-              </a:rPr>
-              <a:t>如果语言运行时不存在任何形式的类型错误，那么它就是类型安全的。健壮性是类型系统研究的重要目标。</a:t>
-            </a:r>
-            <a:endParaRPr lang="en-US" altLang="zh-CN" sz="1600" dirty="0">
-              <a:solidFill>
-                <a:schemeClr val="bg1"/>
-              </a:solidFill>
-              <a:latin typeface="微软雅黑" panose="020B0503020204020204" pitchFamily="34" charset="-122"/>
-              <a:ea typeface="微软雅黑" panose="020B0503020204020204" pitchFamily="34" charset="-122"/>
-              <a:sym typeface="微软雅黑" panose="020B0503020204020204" pitchFamily="34" charset="-122"/>
-            </a:endParaRPr>
-          </a:p>
-          <a:p>
-            <a:pPr>
-              <a:lnSpc>
-                <a:spcPct val="150000"/>
-              </a:lnSpc>
-            </a:pPr>
-            <a:r>
-              <a:rPr lang="en-US" altLang="zh-CN" sz="1600" dirty="0">
-                <a:solidFill>
-                  <a:schemeClr val="bg1"/>
-                </a:solidFill>
-                <a:latin typeface="微软雅黑" panose="020B0503020204020204" pitchFamily="34" charset="-122"/>
-                <a:ea typeface="微软雅黑" panose="020B0503020204020204" pitchFamily="34" charset="-122"/>
-                <a:sym typeface="微软雅黑" panose="020B0503020204020204" pitchFamily="34" charset="-122"/>
-              </a:rPr>
-              <a:t>…</a:t>
-            </a:r>
-          </a:p>
           <a:p>
             <a:pPr>
               <a:lnSpc>
@@ -12078,7 +13478,7 @@
         <p:spPr bwMode="auto">
           <a:xfrm>
             <a:off x="289467" y="1694321"/>
-            <a:ext cx="2991158" cy="1526187"/>
+            <a:ext cx="2991158" cy="418191"/>
           </a:xfrm>
           <a:prstGeom prst="rect">
             <a:avLst/>
@@ -12119,7 +13519,7 @@
               </a:lnSpc>
             </a:pPr>
             <a:r>
-              <a:rPr lang="zh-CN" altLang="en-US" sz="1600" dirty="0">
+              <a:rPr lang="en-US" altLang="zh-CN" sz="1600" dirty="0" err="1">
                 <a:solidFill>
                   <a:schemeClr val="bg1"/>
                 </a:solidFill>
@@ -12127,10 +13527,10 @@
                 <a:ea typeface="微软雅黑" panose="020B0503020204020204" pitchFamily="34" charset="-122"/>
                 <a:sym typeface="微软雅黑" panose="020B0503020204020204" pitchFamily="34" charset="-122"/>
               </a:rPr>
-              <a:t>在</a:t>
-            </a:r>
-            <a:r>
-              <a:rPr lang="en-US" altLang="zh-CN" sz="1600" dirty="0">
+              <a:t>CPython</a:t>
+            </a:r>
+            <a:r>
+              <a:rPr lang="zh-CN" altLang="en-US" sz="1600" dirty="0">
                 <a:solidFill>
                   <a:schemeClr val="bg1"/>
                 </a:solidFill>
@@ -12138,107 +13538,16 @@
                 <a:ea typeface="微软雅黑" panose="020B0503020204020204" pitchFamily="34" charset="-122"/>
                 <a:sym typeface="微软雅黑" panose="020B0503020204020204" pitchFamily="34" charset="-122"/>
               </a:rPr>
-              <a:t>Python C</a:t>
-            </a:r>
-            <a:r>
-              <a:rPr lang="zh-CN" altLang="en-US" sz="1600" dirty="0">
-                <a:solidFill>
-                  <a:schemeClr val="bg1"/>
-                </a:solidFill>
-                <a:latin typeface="微软雅黑" panose="020B0503020204020204" pitchFamily="34" charset="-122"/>
-                <a:ea typeface="微软雅黑" panose="020B0503020204020204" pitchFamily="34" charset="-122"/>
-                <a:sym typeface="微软雅黑" panose="020B0503020204020204" pitchFamily="34" charset="-122"/>
-              </a:rPr>
-              <a:t>拓展开发者的眼中，</a:t>
-            </a:r>
-            <a:r>
-              <a:rPr lang="en-US" altLang="zh-CN" sz="1600" dirty="0">
-                <a:solidFill>
-                  <a:schemeClr val="bg1"/>
-                </a:solidFill>
-                <a:latin typeface="微软雅黑" panose="020B0503020204020204" pitchFamily="34" charset="-122"/>
-                <a:ea typeface="微软雅黑" panose="020B0503020204020204" pitchFamily="34" charset="-122"/>
-                <a:sym typeface="微软雅黑" panose="020B0503020204020204" pitchFamily="34" charset="-122"/>
-              </a:rPr>
-              <a:t>Python</a:t>
-            </a:r>
-            <a:r>
-              <a:rPr lang="zh-CN" altLang="en-US" sz="1600" dirty="0">
-                <a:solidFill>
-                  <a:schemeClr val="bg1"/>
-                </a:solidFill>
-                <a:latin typeface="微软雅黑" panose="020B0503020204020204" pitchFamily="34" charset="-122"/>
-                <a:ea typeface="微软雅黑" panose="020B0503020204020204" pitchFamily="34" charset="-122"/>
-                <a:sym typeface="微软雅黑" panose="020B0503020204020204" pitchFamily="34" charset="-122"/>
-              </a:rPr>
-              <a:t>的类型是</a:t>
-            </a:r>
-            <a:r>
-              <a:rPr lang="en-US" altLang="zh-CN" sz="1600" dirty="0">
-                <a:solidFill>
-                  <a:schemeClr val="bg1"/>
-                </a:solidFill>
-                <a:latin typeface="微软雅黑" panose="020B0503020204020204" pitchFamily="34" charset="-122"/>
-                <a:ea typeface="微软雅黑" panose="020B0503020204020204" pitchFamily="34" charset="-122"/>
-                <a:sym typeface="微软雅黑" panose="020B0503020204020204" pitchFamily="34" charset="-122"/>
-              </a:rPr>
-              <a:t>object</a:t>
-            </a:r>
-            <a:r>
-              <a:rPr lang="zh-CN" altLang="en-US" sz="1600" dirty="0">
-                <a:solidFill>
-                  <a:schemeClr val="bg1"/>
-                </a:solidFill>
-                <a:latin typeface="微软雅黑" panose="020B0503020204020204" pitchFamily="34" charset="-122"/>
-                <a:ea typeface="微软雅黑" panose="020B0503020204020204" pitchFamily="34" charset="-122"/>
-                <a:sym typeface="微软雅黑" panose="020B0503020204020204" pitchFamily="34" charset="-122"/>
-              </a:rPr>
-              <a:t>的标记，它储存着</a:t>
-            </a:r>
-            <a:r>
-              <a:rPr lang="en-US" altLang="zh-CN" sz="1600" dirty="0">
-                <a:solidFill>
-                  <a:schemeClr val="bg1"/>
-                </a:solidFill>
-                <a:latin typeface="微软雅黑" panose="020B0503020204020204" pitchFamily="34" charset="-122"/>
-                <a:ea typeface="微软雅黑" panose="020B0503020204020204" pitchFamily="34" charset="-122"/>
-                <a:sym typeface="微软雅黑" panose="020B0503020204020204" pitchFamily="34" charset="-122"/>
-              </a:rPr>
-              <a:t>class</a:t>
-            </a:r>
-            <a:r>
-              <a:rPr lang="zh-CN" altLang="en-US" sz="1600" dirty="0">
-                <a:solidFill>
-                  <a:schemeClr val="bg1"/>
-                </a:solidFill>
-                <a:latin typeface="微软雅黑" panose="020B0503020204020204" pitchFamily="34" charset="-122"/>
-                <a:ea typeface="微软雅黑" panose="020B0503020204020204" pitchFamily="34" charset="-122"/>
-                <a:sym typeface="微软雅黑" panose="020B0503020204020204" pitchFamily="34" charset="-122"/>
-              </a:rPr>
-              <a:t>的元信息，存放于</a:t>
-            </a:r>
-            <a:r>
-              <a:rPr lang="en-US" altLang="zh-CN" sz="1600" dirty="0" err="1">
-                <a:solidFill>
-                  <a:schemeClr val="bg1"/>
-                </a:solidFill>
-                <a:latin typeface="微软雅黑" panose="020B0503020204020204" pitchFamily="34" charset="-122"/>
-                <a:ea typeface="微软雅黑" panose="020B0503020204020204" pitchFamily="34" charset="-122"/>
-                <a:sym typeface="微软雅黑" panose="020B0503020204020204" pitchFamily="34" charset="-122"/>
-              </a:rPr>
-              <a:t>CPython</a:t>
-            </a:r>
-            <a:r>
-              <a:rPr lang="zh-CN" altLang="en-US" sz="1600" dirty="0">
-                <a:solidFill>
-                  <a:schemeClr val="bg1"/>
-                </a:solidFill>
-                <a:latin typeface="微软雅黑" panose="020B0503020204020204" pitchFamily="34" charset="-122"/>
-                <a:ea typeface="微软雅黑" panose="020B0503020204020204" pitchFamily="34" charset="-122"/>
-                <a:sym typeface="微软雅黑" panose="020B0503020204020204" pitchFamily="34" charset="-122"/>
-              </a:rPr>
-              <a:t>对象的对象头中。</a:t>
-            </a:r>
+              <a:t>中的类型</a:t>
+            </a:r>
+            <a:endParaRPr lang="en-US" altLang="zh-CN" sz="1600" dirty="0">
+              <a:solidFill>
+                <a:schemeClr val="bg1"/>
+              </a:solidFill>
+              <a:latin typeface="微软雅黑" panose="020B0503020204020204" pitchFamily="34" charset="-122"/>
+              <a:ea typeface="微软雅黑" panose="020B0503020204020204" pitchFamily="34" charset="-122"/>
+              <a:sym typeface="微软雅黑" panose="020B0503020204020204" pitchFamily="34" charset="-122"/>
+            </a:endParaRPr>
           </a:p>
         </p:txBody>
       </p:sp>
@@ -12382,804 +13691,6 @@
 </file>
 
 <file path=ppt/slides/slide6.xml><?xml version="1.0" encoding="utf-8"?>
-<p:sld xmlns:a="http://schemas.openxmlformats.org/drawingml/2006/main" xmlns:r="http://schemas.openxmlformats.org/officeDocument/2006/relationships" xmlns:p="http://schemas.openxmlformats.org/presentationml/2006/main">
-  <p:cSld>
-    <p:bg>
-      <p:bgPr>
-        <a:blipFill dpi="0" rotWithShape="1">
-          <a:blip r:embed="rId2">
-            <a:lum/>
-          </a:blip>
-          <a:srcRect/>
-          <a:stretch>
-            <a:fillRect/>
-          </a:stretch>
-        </a:blipFill>
-        <a:effectLst/>
-      </p:bgPr>
-    </p:bg>
-    <p:spTree>
-      <p:nvGrpSpPr>
-        <p:cNvPr id="1" name=""/>
-        <p:cNvGrpSpPr/>
-        <p:nvPr/>
-      </p:nvGrpSpPr>
-      <p:grpSpPr>
-        <a:xfrm>
-          <a:off x="0" y="0"/>
-          <a:ext cx="0" cy="0"/>
-          <a:chOff x="0" y="0"/>
-          <a:chExt cx="0" cy="0"/>
-        </a:xfrm>
-      </p:grpSpPr>
-      <p:sp>
-        <p:nvSpPr>
-          <p:cNvPr id="16" name="文本框 13">
-            <a:extLst>
-              <a:ext uri="{FF2B5EF4-FFF2-40B4-BE49-F238E27FC236}">
-                <a16:creationId xmlns:a16="http://schemas.microsoft.com/office/drawing/2014/main" id="{2D3B751E-9C4F-224A-BBCE-EC4DDFC8D600}"/>
-              </a:ext>
-            </a:extLst>
-          </p:cNvPr>
-          <p:cNvSpPr txBox="1">
-            <a:spLocks noChangeArrowheads="1"/>
-          </p:cNvSpPr>
-          <p:nvPr/>
-        </p:nvSpPr>
-        <p:spPr bwMode="auto">
-          <a:xfrm>
-            <a:off x="289467" y="341366"/>
-            <a:ext cx="1827744" cy="384849"/>
-          </a:xfrm>
-          <a:prstGeom prst="rect">
-            <a:avLst/>
-          </a:prstGeom>
-          <a:noFill/>
-          <a:ln>
-            <a:noFill/>
-          </a:ln>
-          <a:extLst>
-            <a:ext uri="{909E8E84-426E-40DD-AFC4-6F175D3DCCD1}">
-              <a14:hiddenFill xmlns:a14="http://schemas.microsoft.com/office/drawing/2010/main">
-                <a:solidFill>
-                  <a:srgbClr val="FFFFFF"/>
-                </a:solidFill>
-              </a14:hiddenFill>
-            </a:ext>
-            <a:ext uri="{91240B29-F687-4F45-9708-019B960494DF}">
-              <a14:hiddenLine xmlns:a14="http://schemas.microsoft.com/office/drawing/2010/main" w="9525">
-                <a:solidFill>
-                  <a:srgbClr val="000000"/>
-                </a:solidFill>
-                <a:miter lim="800000"/>
-                <a:headEnd/>
-                <a:tailEnd/>
-              </a14:hiddenLine>
-            </a:ext>
-          </a:extLst>
-        </p:spPr>
-        <p:txBody>
-          <a:bodyPr wrap="none">
-            <a:spAutoFit/>
-          </a:bodyPr>
-          <a:lstStyle>
-            <a:lvl1pPr>
-              <a:lnSpc>
-                <a:spcPct val="90000"/>
-              </a:lnSpc>
-              <a:spcBef>
-                <a:spcPts val="1000"/>
-              </a:spcBef>
-              <a:buFont typeface="Arial" charset="0"/>
-              <a:buChar char="•"/>
-              <a:defRPr sz="2800">
-                <a:solidFill>
-                  <a:schemeClr val="tx1"/>
-                </a:solidFill>
-                <a:latin typeface="Calibri" charset="0"/>
-                <a:ea typeface="等线" charset="-122"/>
-                <a:cs typeface="等线" charset="-122"/>
-              </a:defRPr>
-            </a:lvl1pPr>
-            <a:lvl2pPr marL="742950" indent="-285750">
-              <a:lnSpc>
-                <a:spcPct val="90000"/>
-              </a:lnSpc>
-              <a:spcBef>
-                <a:spcPts val="500"/>
-              </a:spcBef>
-              <a:buFont typeface="Arial" charset="0"/>
-              <a:buChar char="•"/>
-              <a:defRPr sz="2400">
-                <a:solidFill>
-                  <a:schemeClr val="tx1"/>
-                </a:solidFill>
-                <a:latin typeface="Calibri" charset="0"/>
-                <a:ea typeface="等线" charset="-122"/>
-                <a:cs typeface="等线" charset="-122"/>
-              </a:defRPr>
-            </a:lvl2pPr>
-            <a:lvl3pPr marL="1143000" indent="-228600">
-              <a:lnSpc>
-                <a:spcPct val="90000"/>
-              </a:lnSpc>
-              <a:spcBef>
-                <a:spcPts val="500"/>
-              </a:spcBef>
-              <a:buFont typeface="Arial" charset="0"/>
-              <a:buChar char="•"/>
-              <a:defRPr sz="2000">
-                <a:solidFill>
-                  <a:schemeClr val="tx1"/>
-                </a:solidFill>
-                <a:latin typeface="Calibri" charset="0"/>
-                <a:ea typeface="等线" charset="-122"/>
-                <a:cs typeface="等线" charset="-122"/>
-              </a:defRPr>
-            </a:lvl3pPr>
-            <a:lvl4pPr marL="1600200" indent="-228600">
-              <a:lnSpc>
-                <a:spcPct val="90000"/>
-              </a:lnSpc>
-              <a:spcBef>
-                <a:spcPts val="500"/>
-              </a:spcBef>
-              <a:buFont typeface="Arial" charset="0"/>
-              <a:buChar char="•"/>
-              <a:defRPr>
-                <a:solidFill>
-                  <a:schemeClr val="tx1"/>
-                </a:solidFill>
-                <a:latin typeface="Calibri" charset="0"/>
-                <a:ea typeface="等线" charset="-122"/>
-                <a:cs typeface="等线" charset="-122"/>
-              </a:defRPr>
-            </a:lvl4pPr>
-            <a:lvl5pPr marL="2057400" indent="-228600">
-              <a:lnSpc>
-                <a:spcPct val="90000"/>
-              </a:lnSpc>
-              <a:spcBef>
-                <a:spcPts val="500"/>
-              </a:spcBef>
-              <a:buFont typeface="Arial" charset="0"/>
-              <a:buChar char="•"/>
-              <a:defRPr>
-                <a:solidFill>
-                  <a:schemeClr val="tx1"/>
-                </a:solidFill>
-                <a:latin typeface="Calibri" charset="0"/>
-                <a:ea typeface="等线" charset="-122"/>
-                <a:cs typeface="等线" charset="-122"/>
-              </a:defRPr>
-            </a:lvl5pPr>
-            <a:lvl6pPr marL="2514600" indent="-228600" fontAlgn="base">
-              <a:lnSpc>
-                <a:spcPct val="90000"/>
-              </a:lnSpc>
-              <a:spcBef>
-                <a:spcPts val="500"/>
-              </a:spcBef>
-              <a:spcAft>
-                <a:spcPct val="0"/>
-              </a:spcAft>
-              <a:buFont typeface="Arial" charset="0"/>
-              <a:buChar char="•"/>
-              <a:defRPr>
-                <a:solidFill>
-                  <a:schemeClr val="tx1"/>
-                </a:solidFill>
-                <a:latin typeface="Calibri" charset="0"/>
-                <a:ea typeface="等线" charset="-122"/>
-                <a:cs typeface="等线" charset="-122"/>
-              </a:defRPr>
-            </a:lvl6pPr>
-            <a:lvl7pPr marL="2971800" indent="-228600" fontAlgn="base">
-              <a:lnSpc>
-                <a:spcPct val="90000"/>
-              </a:lnSpc>
-              <a:spcBef>
-                <a:spcPts val="500"/>
-              </a:spcBef>
-              <a:spcAft>
-                <a:spcPct val="0"/>
-              </a:spcAft>
-              <a:buFont typeface="Arial" charset="0"/>
-              <a:buChar char="•"/>
-              <a:defRPr>
-                <a:solidFill>
-                  <a:schemeClr val="tx1"/>
-                </a:solidFill>
-                <a:latin typeface="Calibri" charset="0"/>
-                <a:ea typeface="等线" charset="-122"/>
-                <a:cs typeface="等线" charset="-122"/>
-              </a:defRPr>
-            </a:lvl7pPr>
-            <a:lvl8pPr marL="3429000" indent="-228600" fontAlgn="base">
-              <a:lnSpc>
-                <a:spcPct val="90000"/>
-              </a:lnSpc>
-              <a:spcBef>
-                <a:spcPts val="500"/>
-              </a:spcBef>
-              <a:spcAft>
-                <a:spcPct val="0"/>
-              </a:spcAft>
-              <a:buFont typeface="Arial" charset="0"/>
-              <a:buChar char="•"/>
-              <a:defRPr>
-                <a:solidFill>
-                  <a:schemeClr val="tx1"/>
-                </a:solidFill>
-                <a:latin typeface="Calibri" charset="0"/>
-                <a:ea typeface="等线" charset="-122"/>
-                <a:cs typeface="等线" charset="-122"/>
-              </a:defRPr>
-            </a:lvl8pPr>
-            <a:lvl9pPr marL="3886200" indent="-228600" fontAlgn="base">
-              <a:lnSpc>
-                <a:spcPct val="90000"/>
-              </a:lnSpc>
-              <a:spcBef>
-                <a:spcPts val="500"/>
-              </a:spcBef>
-              <a:spcAft>
-                <a:spcPct val="0"/>
-              </a:spcAft>
-              <a:buFont typeface="Arial" charset="0"/>
-              <a:buChar char="•"/>
-              <a:defRPr>
-                <a:solidFill>
-                  <a:schemeClr val="tx1"/>
-                </a:solidFill>
-                <a:latin typeface="Calibri" charset="0"/>
-                <a:ea typeface="等线" charset="-122"/>
-                <a:cs typeface="等线" charset="-122"/>
-              </a:defRPr>
-            </a:lvl9pPr>
-          </a:lstStyle>
-          <a:p>
-            <a:pPr eaLnBrk="1" hangingPunct="1">
-              <a:lnSpc>
-                <a:spcPct val="100000"/>
-              </a:lnSpc>
-              <a:spcBef>
-                <a:spcPct val="0"/>
-              </a:spcBef>
-              <a:buFontTx/>
-              <a:buNone/>
-            </a:pPr>
-            <a:r>
-              <a:rPr lang="zh-CN" altLang="en-US" sz="1901" b="1" dirty="0">
-                <a:solidFill>
-                  <a:schemeClr val="bg1"/>
-                </a:solidFill>
-                <a:latin typeface="微软雅黑" charset="-122"/>
-                <a:ea typeface="微软雅黑" charset="-122"/>
-                <a:cs typeface="微软雅黑" charset="-122"/>
-              </a:rPr>
-              <a:t>万恶之源</a:t>
-            </a:r>
-            <a:r>
-              <a:rPr lang="en-US" altLang="zh-CN" sz="1901" b="1" dirty="0">
-                <a:solidFill>
-                  <a:schemeClr val="bg1"/>
-                </a:solidFill>
-                <a:latin typeface="微软雅黑" charset="-122"/>
-                <a:ea typeface="微软雅黑" charset="-122"/>
-                <a:cs typeface="微软雅黑" charset="-122"/>
-              </a:rPr>
-              <a:t>None</a:t>
-            </a:r>
-            <a:endParaRPr lang="zh-CN" altLang="en-US" sz="1901" b="1" dirty="0">
-              <a:solidFill>
-                <a:schemeClr val="bg1"/>
-              </a:solidFill>
-              <a:latin typeface="微软雅黑" charset="-122"/>
-              <a:ea typeface="微软雅黑" charset="-122"/>
-              <a:cs typeface="微软雅黑" charset="-122"/>
-            </a:endParaRPr>
-          </a:p>
-        </p:txBody>
-      </p:sp>
-      <p:grpSp>
-        <p:nvGrpSpPr>
-          <p:cNvPr id="2" name="组合 1">
-            <a:extLst>
-              <a:ext uri="{FF2B5EF4-FFF2-40B4-BE49-F238E27FC236}">
-                <a16:creationId xmlns:a16="http://schemas.microsoft.com/office/drawing/2014/main" id="{B4A84D4F-ECAA-46D8-880A-3C67AA47F852}"/>
-              </a:ext>
-            </a:extLst>
-          </p:cNvPr>
-          <p:cNvGrpSpPr/>
-          <p:nvPr/>
-        </p:nvGrpSpPr>
-        <p:grpSpPr>
-          <a:xfrm>
-            <a:off x="1174279" y="1732721"/>
-            <a:ext cx="6795442" cy="3392557"/>
-            <a:chOff x="1174279" y="1917737"/>
-            <a:chExt cx="6795442" cy="3392557"/>
-          </a:xfrm>
-        </p:grpSpPr>
-        <p:sp>
-          <p:nvSpPr>
-            <p:cNvPr id="3" name="矩形 24">
-              <a:extLst>
-                <a:ext uri="{FF2B5EF4-FFF2-40B4-BE49-F238E27FC236}">
-                  <a16:creationId xmlns:a16="http://schemas.microsoft.com/office/drawing/2014/main" id="{4C16A8E4-4509-B440-8A58-03DF86ED0B67}"/>
-                </a:ext>
-              </a:extLst>
-            </p:cNvPr>
-            <p:cNvSpPr>
-              <a:spLocks noChangeArrowheads="1"/>
-            </p:cNvSpPr>
-            <p:nvPr/>
-          </p:nvSpPr>
-          <p:spPr bwMode="auto">
-            <a:xfrm>
-              <a:off x="1174279" y="3784107"/>
-              <a:ext cx="6795442" cy="1526187"/>
-            </a:xfrm>
-            <a:prstGeom prst="rect">
-              <a:avLst/>
-            </a:prstGeom>
-            <a:noFill/>
-            <a:ln>
-              <a:noFill/>
-            </a:ln>
-            <a:extLst>
-              <a:ext uri="{909E8E84-426E-40DD-AFC4-6F175D3DCCD1}">
-                <a14:hiddenFill xmlns:a14="http://schemas.microsoft.com/office/drawing/2010/main">
-                  <a:solidFill>
-                    <a:srgbClr val="FFFFFF"/>
-                  </a:solidFill>
-                </a14:hiddenFill>
-              </a:ext>
-              <a:ext uri="{91240B29-F687-4F45-9708-019B960494DF}">
-                <a14:hiddenLine xmlns:a14="http://schemas.microsoft.com/office/drawing/2010/main" w="9525">
-                  <a:solidFill>
-                    <a:srgbClr val="000000"/>
-                  </a:solidFill>
-                  <a:miter lim="800000"/>
-                  <a:headEnd/>
-                  <a:tailEnd/>
-                </a14:hiddenLine>
-              </a:ext>
-            </a:extLst>
-          </p:spPr>
-          <p:txBody>
-            <a:bodyPr wrap="square">
-              <a:spAutoFit/>
-            </a:bodyPr>
-            <a:lstStyle/>
-            <a:p>
-              <a:pPr>
-                <a:lnSpc>
-                  <a:spcPct val="150000"/>
-                </a:lnSpc>
-              </a:pPr>
-              <a:r>
-                <a:rPr lang="zh-CN" altLang="en-US" sz="1600" dirty="0">
-                  <a:solidFill>
-                    <a:schemeClr val="bg1"/>
-                  </a:solidFill>
-                  <a:latin typeface="微软雅黑" panose="020B0503020204020204" pitchFamily="34" charset="-122"/>
-                  <a:ea typeface="微软雅黑" panose="020B0503020204020204" pitchFamily="34" charset="-122"/>
-                  <a:sym typeface="微软雅黑" panose="020B0503020204020204" pitchFamily="34" charset="-122"/>
-                </a:rPr>
-                <a:t>毫无疑问，失控的</a:t>
-              </a:r>
-              <a:r>
-                <a:rPr lang="en-US" altLang="zh-CN" sz="1600" dirty="0">
-                  <a:solidFill>
-                    <a:schemeClr val="bg1"/>
-                  </a:solidFill>
-                  <a:latin typeface="微软雅黑" panose="020B0503020204020204" pitchFamily="34" charset="-122"/>
-                  <a:ea typeface="微软雅黑" panose="020B0503020204020204" pitchFamily="34" charset="-122"/>
-                  <a:sym typeface="微软雅黑" panose="020B0503020204020204" pitchFamily="34" charset="-122"/>
-                </a:rPr>
-                <a:t>None</a:t>
-              </a:r>
-              <a:r>
-                <a:rPr lang="zh-CN" altLang="en-US" sz="1600" dirty="0">
-                  <a:solidFill>
-                    <a:schemeClr val="bg1"/>
-                  </a:solidFill>
-                  <a:latin typeface="微软雅黑" panose="020B0503020204020204" pitchFamily="34" charset="-122"/>
-                  <a:ea typeface="微软雅黑" panose="020B0503020204020204" pitchFamily="34" charset="-122"/>
-                  <a:sym typeface="微软雅黑" panose="020B0503020204020204" pitchFamily="34" charset="-122"/>
-                </a:rPr>
-                <a:t>是一个不正常的东西。</a:t>
-              </a:r>
-              <a:endParaRPr lang="en-US" altLang="zh-CN" sz="1600" dirty="0">
-                <a:solidFill>
-                  <a:schemeClr val="bg1"/>
-                </a:solidFill>
-                <a:latin typeface="微软雅黑" panose="020B0503020204020204" pitchFamily="34" charset="-122"/>
-                <a:ea typeface="微软雅黑" panose="020B0503020204020204" pitchFamily="34" charset="-122"/>
-                <a:sym typeface="微软雅黑" panose="020B0503020204020204" pitchFamily="34" charset="-122"/>
-              </a:endParaRPr>
-            </a:p>
-            <a:p>
-              <a:pPr>
-                <a:lnSpc>
-                  <a:spcPct val="150000"/>
-                </a:lnSpc>
-              </a:pPr>
-              <a:r>
-                <a:rPr lang="zh-CN" altLang="en-US" sz="1600" dirty="0">
-                  <a:solidFill>
-                    <a:schemeClr val="bg1"/>
-                  </a:solidFill>
-                  <a:latin typeface="微软雅黑" panose="020B0503020204020204" pitchFamily="34" charset="-122"/>
-                  <a:ea typeface="微软雅黑" panose="020B0503020204020204" pitchFamily="34" charset="-122"/>
-                  <a:sym typeface="微软雅黑" panose="020B0503020204020204" pitchFamily="34" charset="-122"/>
-                </a:rPr>
-                <a:t>在我们写代码的过程中，我们可能会提心吊胆的检查某个值是否为</a:t>
-              </a:r>
-              <a:r>
-                <a:rPr lang="en-US" altLang="zh-CN" sz="1600" dirty="0">
-                  <a:solidFill>
-                    <a:schemeClr val="bg1"/>
-                  </a:solidFill>
-                  <a:latin typeface="微软雅黑" panose="020B0503020204020204" pitchFamily="34" charset="-122"/>
-                  <a:ea typeface="微软雅黑" panose="020B0503020204020204" pitchFamily="34" charset="-122"/>
-                  <a:sym typeface="微软雅黑" panose="020B0503020204020204" pitchFamily="34" charset="-122"/>
-                </a:rPr>
-                <a:t>None</a:t>
-              </a:r>
-              <a:r>
-                <a:rPr lang="zh-CN" altLang="en-US" sz="1600" dirty="0">
-                  <a:solidFill>
-                    <a:schemeClr val="bg1"/>
-                  </a:solidFill>
-                  <a:latin typeface="微软雅黑" panose="020B0503020204020204" pitchFamily="34" charset="-122"/>
-                  <a:ea typeface="微软雅黑" panose="020B0503020204020204" pitchFamily="34" charset="-122"/>
-                  <a:sym typeface="微软雅黑" panose="020B0503020204020204" pitchFamily="34" charset="-122"/>
-                </a:rPr>
-                <a:t>。</a:t>
-              </a:r>
-              <a:endParaRPr lang="en-US" altLang="zh-CN" sz="1600" dirty="0">
-                <a:solidFill>
-                  <a:schemeClr val="bg1"/>
-                </a:solidFill>
-                <a:latin typeface="微软雅黑" panose="020B0503020204020204" pitchFamily="34" charset="-122"/>
-                <a:ea typeface="微软雅黑" panose="020B0503020204020204" pitchFamily="34" charset="-122"/>
-                <a:sym typeface="微软雅黑" panose="020B0503020204020204" pitchFamily="34" charset="-122"/>
-              </a:endParaRPr>
-            </a:p>
-            <a:p>
-              <a:pPr>
-                <a:lnSpc>
-                  <a:spcPct val="150000"/>
-                </a:lnSpc>
-              </a:pPr>
-              <a:r>
-                <a:rPr lang="zh-CN" altLang="en-US" sz="1600" dirty="0">
-                  <a:solidFill>
-                    <a:schemeClr val="bg1"/>
-                  </a:solidFill>
-                  <a:latin typeface="微软雅黑" panose="020B0503020204020204" pitchFamily="34" charset="-122"/>
-                  <a:ea typeface="微软雅黑" panose="020B0503020204020204" pitchFamily="34" charset="-122"/>
-                  <a:sym typeface="微软雅黑" panose="020B0503020204020204" pitchFamily="34" charset="-122"/>
-                </a:rPr>
-                <a:t>在</a:t>
-              </a:r>
-              <a:r>
-                <a:rPr lang="en-US" altLang="zh-CN" sz="1600" dirty="0">
-                  <a:solidFill>
-                    <a:schemeClr val="bg1"/>
-                  </a:solidFill>
-                  <a:latin typeface="微软雅黑" panose="020B0503020204020204" pitchFamily="34" charset="-122"/>
-                  <a:ea typeface="微软雅黑" panose="020B0503020204020204" pitchFamily="34" charset="-122"/>
-                  <a:sym typeface="微软雅黑" panose="020B0503020204020204" pitchFamily="34" charset="-122"/>
-                </a:rPr>
-                <a:t>Debug</a:t>
-              </a:r>
-              <a:r>
-                <a:rPr lang="zh-CN" altLang="en-US" sz="1600" dirty="0">
-                  <a:solidFill>
-                    <a:schemeClr val="bg1"/>
-                  </a:solidFill>
-                  <a:latin typeface="微软雅黑" panose="020B0503020204020204" pitchFamily="34" charset="-122"/>
-                  <a:ea typeface="微软雅黑" panose="020B0503020204020204" pitchFamily="34" charset="-122"/>
-                  <a:sym typeface="微软雅黑" panose="020B0503020204020204" pitchFamily="34" charset="-122"/>
-                </a:rPr>
-                <a:t>甚至使用某些产品的过程中，我们会痛骂其抛出的</a:t>
-              </a:r>
-              <a:r>
-                <a:rPr lang="en-US" altLang="zh-CN" sz="1600" dirty="0" err="1">
-                  <a:solidFill>
-                    <a:schemeClr val="bg1"/>
-                  </a:solidFill>
-                  <a:latin typeface="微软雅黑" panose="020B0503020204020204" pitchFamily="34" charset="-122"/>
-                  <a:ea typeface="微软雅黑" panose="020B0503020204020204" pitchFamily="34" charset="-122"/>
-                  <a:sym typeface="微软雅黑" panose="020B0503020204020204" pitchFamily="34" charset="-122"/>
-                </a:rPr>
-                <a:t>NullObjectReference</a:t>
-              </a:r>
-              <a:r>
-                <a:rPr lang="zh-CN" altLang="en-US" sz="1600" dirty="0">
-                  <a:solidFill>
-                    <a:schemeClr val="bg1"/>
-                  </a:solidFill>
-                  <a:latin typeface="微软雅黑" panose="020B0503020204020204" pitchFamily="34" charset="-122"/>
-                  <a:ea typeface="微软雅黑" panose="020B0503020204020204" pitchFamily="34" charset="-122"/>
-                  <a:sym typeface="微软雅黑" panose="020B0503020204020204" pitchFamily="34" charset="-122"/>
-                </a:rPr>
-                <a:t>异常。</a:t>
-              </a:r>
-            </a:p>
-          </p:txBody>
-        </p:sp>
-        <p:sp>
-          <p:nvSpPr>
-            <p:cNvPr id="4" name="矩形 24">
-              <a:extLst>
-                <a:ext uri="{FF2B5EF4-FFF2-40B4-BE49-F238E27FC236}">
-                  <a16:creationId xmlns:a16="http://schemas.microsoft.com/office/drawing/2014/main" id="{8BDA96F4-62FC-4720-B977-50914CC8D211}"/>
-                </a:ext>
-              </a:extLst>
-            </p:cNvPr>
-            <p:cNvSpPr>
-              <a:spLocks noChangeArrowheads="1"/>
-            </p:cNvSpPr>
-            <p:nvPr/>
-          </p:nvSpPr>
-          <p:spPr bwMode="auto">
-            <a:xfrm>
-              <a:off x="1174279" y="1917737"/>
-              <a:ext cx="6795442" cy="787523"/>
-            </a:xfrm>
-            <a:prstGeom prst="rect">
-              <a:avLst/>
-            </a:prstGeom>
-            <a:noFill/>
-            <a:ln>
-              <a:noFill/>
-            </a:ln>
-            <a:extLst>
-              <a:ext uri="{909E8E84-426E-40DD-AFC4-6F175D3DCCD1}">
-                <a14:hiddenFill xmlns:a14="http://schemas.microsoft.com/office/drawing/2010/main">
-                  <a:solidFill>
-                    <a:srgbClr val="FFFFFF"/>
-                  </a:solidFill>
-                </a14:hiddenFill>
-              </a:ext>
-              <a:ext uri="{91240B29-F687-4F45-9708-019B960494DF}">
-                <a14:hiddenLine xmlns:a14="http://schemas.microsoft.com/office/drawing/2010/main" w="9525">
-                  <a:solidFill>
-                    <a:srgbClr val="000000"/>
-                  </a:solidFill>
-                  <a:miter lim="800000"/>
-                  <a:headEnd/>
-                  <a:tailEnd/>
-                </a14:hiddenLine>
-              </a:ext>
-            </a:extLst>
-          </p:spPr>
-          <p:txBody>
-            <a:bodyPr wrap="square">
-              <a:spAutoFit/>
-            </a:bodyPr>
-            <a:lstStyle/>
-            <a:p>
-              <a:pPr>
-                <a:lnSpc>
-                  <a:spcPct val="150000"/>
-                </a:lnSpc>
-              </a:pPr>
-              <a:r>
-                <a:rPr lang="en-US" altLang="zh-CN" sz="1600" dirty="0">
-                  <a:solidFill>
-                    <a:schemeClr val="bg1"/>
-                  </a:solidFill>
-                  <a:latin typeface="微软雅黑" panose="020B0503020204020204" pitchFamily="34" charset="-122"/>
-                  <a:ea typeface="微软雅黑" panose="020B0503020204020204" pitchFamily="34" charset="-122"/>
-                  <a:sym typeface="微软雅黑" panose="020B0503020204020204" pitchFamily="34" charset="-122"/>
-                </a:rPr>
-                <a:t>Python</a:t>
-              </a:r>
-              <a:r>
-                <a:rPr lang="zh-CN" altLang="en-US" sz="1600" dirty="0">
-                  <a:solidFill>
-                    <a:schemeClr val="bg1"/>
-                  </a:solidFill>
-                  <a:latin typeface="微软雅黑" panose="020B0503020204020204" pitchFamily="34" charset="-122"/>
-                  <a:ea typeface="微软雅黑" panose="020B0503020204020204" pitchFamily="34" charset="-122"/>
-                  <a:sym typeface="微软雅黑" panose="020B0503020204020204" pitchFamily="34" charset="-122"/>
-                </a:rPr>
-                <a:t>的对象是</a:t>
-              </a:r>
-              <a:r>
-                <a:rPr lang="en-US" altLang="zh-CN" sz="1600" dirty="0" err="1">
-                  <a:solidFill>
-                    <a:schemeClr val="bg1"/>
-                  </a:solidFill>
-                  <a:latin typeface="微软雅黑" panose="020B0503020204020204" pitchFamily="34" charset="-122"/>
-                  <a:ea typeface="微软雅黑" panose="020B0503020204020204" pitchFamily="34" charset="-122"/>
-                  <a:sym typeface="微软雅黑" panose="020B0503020204020204" pitchFamily="34" charset="-122"/>
-                </a:rPr>
-                <a:t>PyObject</a:t>
-              </a:r>
-              <a:r>
-                <a:rPr lang="en-US" altLang="zh-CN" sz="1600" dirty="0">
-                  <a:solidFill>
-                    <a:schemeClr val="bg1"/>
-                  </a:solidFill>
-                  <a:latin typeface="微软雅黑" panose="020B0503020204020204" pitchFamily="34" charset="-122"/>
-                  <a:ea typeface="微软雅黑" panose="020B0503020204020204" pitchFamily="34" charset="-122"/>
-                  <a:sym typeface="微软雅黑" panose="020B0503020204020204" pitchFamily="34" charset="-122"/>
-                </a:rPr>
-                <a:t> </a:t>
-              </a:r>
-              <a:r>
-                <a:rPr lang="zh-CN" altLang="en-US" sz="1600" dirty="0">
-                  <a:solidFill>
-                    <a:schemeClr val="bg1"/>
-                  </a:solidFill>
-                  <a:latin typeface="微软雅黑" panose="020B0503020204020204" pitchFamily="34" charset="-122"/>
-                  <a:ea typeface="微软雅黑" panose="020B0503020204020204" pitchFamily="34" charset="-122"/>
-                  <a:sym typeface="微软雅黑" panose="020B0503020204020204" pitchFamily="34" charset="-122"/>
-                </a:rPr>
-                <a:t>*，那么任意塞进了</a:t>
-              </a:r>
-              <a:r>
-                <a:rPr lang="en-US" altLang="zh-CN" sz="1600" dirty="0" err="1">
-                  <a:solidFill>
-                    <a:schemeClr val="bg1"/>
-                  </a:solidFill>
-                  <a:latin typeface="微软雅黑" panose="020B0503020204020204" pitchFamily="34" charset="-122"/>
-                  <a:ea typeface="微软雅黑" panose="020B0503020204020204" pitchFamily="34" charset="-122"/>
-                  <a:sym typeface="微软雅黑" panose="020B0503020204020204" pitchFamily="34" charset="-122"/>
-                </a:rPr>
-                <a:t>PyObject_head</a:t>
-              </a:r>
-              <a:r>
-                <a:rPr lang="zh-CN" altLang="en-US" sz="1600" dirty="0">
-                  <a:solidFill>
-                    <a:schemeClr val="bg1"/>
-                  </a:solidFill>
-                  <a:latin typeface="微软雅黑" panose="020B0503020204020204" pitchFamily="34" charset="-122"/>
-                  <a:ea typeface="微软雅黑" panose="020B0503020204020204" pitchFamily="34" charset="-122"/>
-                  <a:sym typeface="微软雅黑" panose="020B0503020204020204" pitchFamily="34" charset="-122"/>
-                </a:rPr>
-                <a:t>的结构，都能够成为合法的</a:t>
-              </a:r>
-              <a:r>
-                <a:rPr lang="en-US" altLang="zh-CN" sz="1600" dirty="0">
-                  <a:solidFill>
-                    <a:schemeClr val="bg1"/>
-                  </a:solidFill>
-                  <a:latin typeface="微软雅黑" panose="020B0503020204020204" pitchFamily="34" charset="-122"/>
-                  <a:ea typeface="微软雅黑" panose="020B0503020204020204" pitchFamily="34" charset="-122"/>
-                  <a:sym typeface="微软雅黑" panose="020B0503020204020204" pitchFamily="34" charset="-122"/>
-                </a:rPr>
-                <a:t>Python</a:t>
-              </a:r>
-              <a:r>
-                <a:rPr lang="zh-CN" altLang="en-US" sz="1600" dirty="0">
-                  <a:solidFill>
-                    <a:schemeClr val="bg1"/>
-                  </a:solidFill>
-                  <a:latin typeface="微软雅黑" panose="020B0503020204020204" pitchFamily="34" charset="-122"/>
-                  <a:ea typeface="微软雅黑" panose="020B0503020204020204" pitchFamily="34" charset="-122"/>
-                  <a:sym typeface="微软雅黑" panose="020B0503020204020204" pitchFamily="34" charset="-122"/>
-                </a:rPr>
-                <a:t>对象被传递被操作。</a:t>
-              </a:r>
-            </a:p>
-          </p:txBody>
-        </p:sp>
-        <p:sp>
-          <p:nvSpPr>
-            <p:cNvPr id="5" name="矩形 24">
-              <a:extLst>
-                <a:ext uri="{FF2B5EF4-FFF2-40B4-BE49-F238E27FC236}">
-                  <a16:creationId xmlns:a16="http://schemas.microsoft.com/office/drawing/2014/main" id="{9CE34BE0-2C4F-4130-A75F-91509F8E14BB}"/>
-                </a:ext>
-              </a:extLst>
-            </p:cNvPr>
-            <p:cNvSpPr>
-              <a:spLocks noChangeArrowheads="1"/>
-            </p:cNvSpPr>
-            <p:nvPr/>
-          </p:nvSpPr>
-          <p:spPr bwMode="auto">
-            <a:xfrm>
-              <a:off x="1174279" y="3035588"/>
-              <a:ext cx="6795442" cy="418191"/>
-            </a:xfrm>
-            <a:prstGeom prst="rect">
-              <a:avLst/>
-            </a:prstGeom>
-            <a:noFill/>
-            <a:ln>
-              <a:noFill/>
-            </a:ln>
-            <a:extLst>
-              <a:ext uri="{909E8E84-426E-40DD-AFC4-6F175D3DCCD1}">
-                <a14:hiddenFill xmlns:a14="http://schemas.microsoft.com/office/drawing/2010/main">
-                  <a:solidFill>
-                    <a:srgbClr val="FFFFFF"/>
-                  </a:solidFill>
-                </a14:hiddenFill>
-              </a:ext>
-              <a:ext uri="{91240B29-F687-4F45-9708-019B960494DF}">
-                <a14:hiddenLine xmlns:a14="http://schemas.microsoft.com/office/drawing/2010/main" w="9525">
-                  <a:solidFill>
-                    <a:srgbClr val="000000"/>
-                  </a:solidFill>
-                  <a:miter lim="800000"/>
-                  <a:headEnd/>
-                  <a:tailEnd/>
-                </a14:hiddenLine>
-              </a:ext>
-            </a:extLst>
-          </p:spPr>
-          <p:txBody>
-            <a:bodyPr wrap="square">
-              <a:spAutoFit/>
-            </a:bodyPr>
-            <a:lstStyle/>
-            <a:p>
-              <a:pPr>
-                <a:lnSpc>
-                  <a:spcPct val="150000"/>
-                </a:lnSpc>
-              </a:pPr>
-              <a:r>
-                <a:rPr lang="zh-CN" altLang="en-US" sz="1600" dirty="0">
-                  <a:solidFill>
-                    <a:schemeClr val="bg1"/>
-                  </a:solidFill>
-                  <a:latin typeface="微软雅黑" panose="020B0503020204020204" pitchFamily="34" charset="-122"/>
-                  <a:ea typeface="微软雅黑" panose="020B0503020204020204" pitchFamily="34" charset="-122"/>
-                  <a:sym typeface="微软雅黑" panose="020B0503020204020204" pitchFamily="34" charset="-122"/>
-                </a:rPr>
-                <a:t>这个时候，</a:t>
-              </a:r>
-              <a:r>
-                <a:rPr lang="en-US" altLang="zh-CN" sz="1600" dirty="0">
-                  <a:solidFill>
-                    <a:schemeClr val="bg1"/>
-                  </a:solidFill>
-                  <a:latin typeface="微软雅黑" panose="020B0503020204020204" pitchFamily="34" charset="-122"/>
-                  <a:ea typeface="微软雅黑" panose="020B0503020204020204" pitchFamily="34" charset="-122"/>
-                  <a:sym typeface="微软雅黑" panose="020B0503020204020204" pitchFamily="34" charset="-122"/>
-                </a:rPr>
-                <a:t>None</a:t>
-              </a:r>
-              <a:r>
-                <a:rPr lang="zh-CN" altLang="en-US" sz="1600" dirty="0">
-                  <a:solidFill>
-                    <a:schemeClr val="bg1"/>
-                  </a:solidFill>
-                  <a:latin typeface="微软雅黑" panose="020B0503020204020204" pitchFamily="34" charset="-122"/>
-                  <a:ea typeface="微软雅黑" panose="020B0503020204020204" pitchFamily="34" charset="-122"/>
-                  <a:sym typeface="微软雅黑" panose="020B0503020204020204" pitchFamily="34" charset="-122"/>
-                </a:rPr>
-                <a:t>的出现就成了理所应当的了。</a:t>
-              </a:r>
-            </a:p>
-          </p:txBody>
-        </p:sp>
-      </p:grpSp>
-    </p:spTree>
-    <p:extLst>
-      <p:ext uri="{BB962C8B-B14F-4D97-AF65-F5344CB8AC3E}">
-        <p14:creationId xmlns:p14="http://schemas.microsoft.com/office/powerpoint/2010/main" val="3661525890"/>
-      </p:ext>
-    </p:extLst>
-  </p:cSld>
-  <p:clrMapOvr>
-    <a:masterClrMapping/>
-  </p:clrMapOvr>
-</p:sld>
-</file>
-
-<file path=ppt/slides/slide7.xml><?xml version="1.0" encoding="utf-8"?>
 <p:sld xmlns:a="http://schemas.openxmlformats.org/drawingml/2006/main" xmlns:r="http://schemas.openxmlformats.org/officeDocument/2006/relationships" xmlns:p="http://schemas.openxmlformats.org/presentationml/2006/main">
   <p:cSld>
     <p:bg>
@@ -13285,6 +13796,17 @@
             <a:lstStyle/>
             <a:p>
               <a:r>
+                <a:rPr lang="en-US" altLang="zh-CN" sz="3000" b="1" dirty="0">
+                  <a:solidFill>
+                    <a:schemeClr val="bg1"/>
+                  </a:solidFill>
+                  <a:latin typeface="Microsoft YaHei" panose="020B0503020204020204" pitchFamily="34" charset="-122"/>
+                  <a:ea typeface="Microsoft YaHei" panose="020B0503020204020204" pitchFamily="34" charset="-122"/>
+                  <a:sym typeface="Arial" panose="020B0604020202020204" pitchFamily="34" charset="0"/>
+                </a:rPr>
+                <a:t>MYPY</a:t>
+              </a:r>
+              <a:r>
                 <a:rPr lang="zh-CN" altLang="en-US" sz="3000" b="1" dirty="0">
                   <a:solidFill>
                     <a:schemeClr val="bg1"/>
@@ -13293,7 +13815,29 @@
                   <a:ea typeface="Microsoft YaHei" panose="020B0503020204020204" pitchFamily="34" charset="-122"/>
                   <a:sym typeface="Arial" panose="020B0604020202020204" pitchFamily="34" charset="0"/>
                 </a:rPr>
-                <a:t>简单的代数数据类型</a:t>
+                <a:t>与</a:t>
+              </a:r>
+              <a:r>
+                <a:rPr lang="en-US" altLang="zh-CN" sz="3000" b="1" dirty="0">
+                  <a:solidFill>
+                    <a:schemeClr val="bg1"/>
+                  </a:solidFill>
+                  <a:latin typeface="Microsoft YaHei" panose="020B0503020204020204" pitchFamily="34" charset="-122"/>
+                  <a:ea typeface="Microsoft YaHei" panose="020B0503020204020204" pitchFamily="34" charset="-122"/>
+                  <a:sym typeface="Arial" panose="020B0604020202020204" pitchFamily="34" charset="0"/>
+                </a:rPr>
+                <a:t>Python</a:t>
+              </a:r>
+              <a:r>
+                <a:rPr lang="zh-CN" altLang="en-US" sz="3000" b="1" dirty="0">
+                  <a:solidFill>
+                    <a:schemeClr val="bg1"/>
+                  </a:solidFill>
+                  <a:latin typeface="Microsoft YaHei" panose="020B0503020204020204" pitchFamily="34" charset="-122"/>
+                  <a:ea typeface="Microsoft YaHei" panose="020B0503020204020204" pitchFamily="34" charset="-122"/>
+                  <a:sym typeface="Arial" panose="020B0604020202020204" pitchFamily="34" charset="0"/>
+                </a:rPr>
+                <a:t>标准支持</a:t>
               </a:r>
             </a:p>
           </p:txBody>
@@ -13356,16 +13900,63 @@
                 </a:lnSpc>
               </a:pPr>
               <a:r>
-                <a:rPr lang="zh-CN" altLang="en-US" sz="1600" dirty="0">
+                <a:rPr lang="en-US" altLang="zh-CN" sz="1600" dirty="0">
                   <a:solidFill>
-                    <a:schemeClr val="bg1"/>
+                    <a:srgbClr val="FFFFFF"/>
                   </a:solidFill>
                   <a:latin typeface="微软雅黑" panose="020B0503020204020204" pitchFamily="34" charset="-122"/>
                   <a:ea typeface="微软雅黑" panose="020B0503020204020204" pitchFamily="34" charset="-122"/>
-                  <a:sym typeface="微软雅黑" panose="020B0503020204020204" pitchFamily="34" charset="-122"/>
                 </a:rPr>
-                <a:t>像研究代数一样去研究类型之间的关系</a:t>
+                <a:t>PEP484</a:t>
               </a:r>
+              <a:r>
+                <a:rPr lang="zh-CN" altLang="en-US" sz="1600" dirty="0">
+                  <a:solidFill>
+                    <a:srgbClr val="FFFFFF"/>
+                  </a:solidFill>
+                  <a:latin typeface="微软雅黑" panose="020B0503020204020204" pitchFamily="34" charset="-122"/>
+                  <a:ea typeface="微软雅黑" panose="020B0503020204020204" pitchFamily="34" charset="-122"/>
+                </a:rPr>
+                <a:t>和</a:t>
+              </a:r>
+              <a:r>
+                <a:rPr lang="en-US" altLang="zh-CN" sz="1600" dirty="0">
+                  <a:solidFill>
+                    <a:srgbClr val="FFFFFF"/>
+                  </a:solidFill>
+                  <a:latin typeface="微软雅黑" panose="020B0503020204020204" pitchFamily="34" charset="-122"/>
+                  <a:ea typeface="微软雅黑" panose="020B0503020204020204" pitchFamily="34" charset="-122"/>
+                </a:rPr>
+                <a:t>PEP3107—00—</a:t>
+              </a:r>
+              <a:r>
+                <a:rPr lang="en-US" altLang="zh-CN" sz="1600" dirty="0" err="1">
+                  <a:solidFill>
+                    <a:srgbClr val="FFFFFF"/>
+                  </a:solidFill>
+                  <a:latin typeface="微软雅黑" panose="020B0503020204020204" pitchFamily="34" charset="-122"/>
+                  <a:ea typeface="微软雅黑" panose="020B0503020204020204" pitchFamily="34" charset="-122"/>
+                </a:rPr>
+                <a:t>mypy</a:t>
+              </a:r>
+              <a:r>
+                <a:rPr lang="zh-CN" altLang="en-US" sz="1600" dirty="0">
+                  <a:solidFill>
+                    <a:srgbClr val="FFFFFF"/>
+                  </a:solidFill>
+                  <a:latin typeface="微软雅黑" panose="020B0503020204020204" pitchFamily="34" charset="-122"/>
+                  <a:ea typeface="微软雅黑" panose="020B0503020204020204" pitchFamily="34" charset="-122"/>
+                </a:rPr>
+                <a:t>的基石</a:t>
+              </a:r>
+              <a:endParaRPr lang="zh-CN" altLang="en-US" sz="1600" dirty="0">
+                <a:solidFill>
+                  <a:schemeClr val="bg1"/>
+                </a:solidFill>
+                <a:latin typeface="微软雅黑" panose="020B0503020204020204" pitchFamily="34" charset="-122"/>
+                <a:ea typeface="微软雅黑" panose="020B0503020204020204" pitchFamily="34" charset="-122"/>
+                <a:sym typeface="微软雅黑" panose="020B0503020204020204" pitchFamily="34" charset="-122"/>
+              </a:endParaRPr>
             </a:p>
           </p:txBody>
         </p:sp>
@@ -13373,7 +13964,432 @@
     </p:spTree>
     <p:extLst>
       <p:ext uri="{BB962C8B-B14F-4D97-AF65-F5344CB8AC3E}">
-        <p14:creationId xmlns:p14="http://schemas.microsoft.com/office/powerpoint/2010/main" val="4051673990"/>
+        <p14:creationId xmlns:p14="http://schemas.microsoft.com/office/powerpoint/2010/main" val="1809845662"/>
+      </p:ext>
+    </p:extLst>
+  </p:cSld>
+  <p:clrMapOvr>
+    <a:masterClrMapping/>
+  </p:clrMapOvr>
+</p:sld>
+</file>
+
+<file path=ppt/slides/slide7.xml><?xml version="1.0" encoding="utf-8"?>
+<p:sld xmlns:a="http://schemas.openxmlformats.org/drawingml/2006/main" xmlns:r="http://schemas.openxmlformats.org/officeDocument/2006/relationships" xmlns:p="http://schemas.openxmlformats.org/presentationml/2006/main">
+  <p:cSld>
+    <p:bg>
+      <p:bgPr>
+        <a:blipFill dpi="0" rotWithShape="1">
+          <a:blip r:embed="rId2">
+            <a:lum/>
+          </a:blip>
+          <a:srcRect/>
+          <a:stretch>
+            <a:fillRect/>
+          </a:stretch>
+        </a:blipFill>
+        <a:effectLst/>
+      </p:bgPr>
+    </p:bg>
+    <p:spTree>
+      <p:nvGrpSpPr>
+        <p:cNvPr id="1" name=""/>
+        <p:cNvGrpSpPr/>
+        <p:nvPr/>
+      </p:nvGrpSpPr>
+      <p:grpSpPr>
+        <a:xfrm>
+          <a:off x="0" y="0"/>
+          <a:ext cx="0" cy="0"/>
+          <a:chOff x="0" y="0"/>
+          <a:chExt cx="0" cy="0"/>
+        </a:xfrm>
+      </p:grpSpPr>
+      <p:sp>
+        <p:nvSpPr>
+          <p:cNvPr id="16" name="文本框 13">
+            <a:extLst>
+              <a:ext uri="{FF2B5EF4-FFF2-40B4-BE49-F238E27FC236}">
+                <a16:creationId xmlns:a16="http://schemas.microsoft.com/office/drawing/2014/main" id="{2D3B751E-9C4F-224A-BBCE-EC4DDFC8D600}"/>
+              </a:ext>
+            </a:extLst>
+          </p:cNvPr>
+          <p:cNvSpPr txBox="1">
+            <a:spLocks noChangeArrowheads="1"/>
+          </p:cNvSpPr>
+          <p:nvPr/>
+        </p:nvSpPr>
+        <p:spPr bwMode="auto">
+          <a:xfrm>
+            <a:off x="289467" y="341366"/>
+            <a:ext cx="2036583" cy="384849"/>
+          </a:xfrm>
+          <a:prstGeom prst="rect">
+            <a:avLst/>
+          </a:prstGeom>
+          <a:noFill/>
+          <a:ln>
+            <a:noFill/>
+          </a:ln>
+          <a:extLst>
+            <a:ext uri="{909E8E84-426E-40DD-AFC4-6F175D3DCCD1}">
+              <a14:hiddenFill xmlns:a14="http://schemas.microsoft.com/office/drawing/2010/main">
+                <a:solidFill>
+                  <a:srgbClr val="FFFFFF"/>
+                </a:solidFill>
+              </a14:hiddenFill>
+            </a:ext>
+            <a:ext uri="{91240B29-F687-4F45-9708-019B960494DF}">
+              <a14:hiddenLine xmlns:a14="http://schemas.microsoft.com/office/drawing/2010/main" w="9525">
+                <a:solidFill>
+                  <a:srgbClr val="000000"/>
+                </a:solidFill>
+                <a:miter lim="800000"/>
+                <a:headEnd/>
+                <a:tailEnd/>
+              </a14:hiddenLine>
+            </a:ext>
+          </a:extLst>
+        </p:spPr>
+        <p:txBody>
+          <a:bodyPr wrap="none">
+            <a:spAutoFit/>
+          </a:bodyPr>
+          <a:lstStyle>
+            <a:lvl1pPr>
+              <a:lnSpc>
+                <a:spcPct val="90000"/>
+              </a:lnSpc>
+              <a:spcBef>
+                <a:spcPts val="1000"/>
+              </a:spcBef>
+              <a:buFont typeface="Arial" charset="0"/>
+              <a:buChar char="•"/>
+              <a:defRPr sz="2800">
+                <a:solidFill>
+                  <a:schemeClr val="tx1"/>
+                </a:solidFill>
+                <a:latin typeface="Calibri" charset="0"/>
+                <a:ea typeface="等线" charset="-122"/>
+                <a:cs typeface="等线" charset="-122"/>
+              </a:defRPr>
+            </a:lvl1pPr>
+            <a:lvl2pPr marL="742950" indent="-285750">
+              <a:lnSpc>
+                <a:spcPct val="90000"/>
+              </a:lnSpc>
+              <a:spcBef>
+                <a:spcPts val="500"/>
+              </a:spcBef>
+              <a:buFont typeface="Arial" charset="0"/>
+              <a:buChar char="•"/>
+              <a:defRPr sz="2400">
+                <a:solidFill>
+                  <a:schemeClr val="tx1"/>
+                </a:solidFill>
+                <a:latin typeface="Calibri" charset="0"/>
+                <a:ea typeface="等线" charset="-122"/>
+                <a:cs typeface="等线" charset="-122"/>
+              </a:defRPr>
+            </a:lvl2pPr>
+            <a:lvl3pPr marL="1143000" indent="-228600">
+              <a:lnSpc>
+                <a:spcPct val="90000"/>
+              </a:lnSpc>
+              <a:spcBef>
+                <a:spcPts val="500"/>
+              </a:spcBef>
+              <a:buFont typeface="Arial" charset="0"/>
+              <a:buChar char="•"/>
+              <a:defRPr sz="2000">
+                <a:solidFill>
+                  <a:schemeClr val="tx1"/>
+                </a:solidFill>
+                <a:latin typeface="Calibri" charset="0"/>
+                <a:ea typeface="等线" charset="-122"/>
+                <a:cs typeface="等线" charset="-122"/>
+              </a:defRPr>
+            </a:lvl3pPr>
+            <a:lvl4pPr marL="1600200" indent="-228600">
+              <a:lnSpc>
+                <a:spcPct val="90000"/>
+              </a:lnSpc>
+              <a:spcBef>
+                <a:spcPts val="500"/>
+              </a:spcBef>
+              <a:buFont typeface="Arial" charset="0"/>
+              <a:buChar char="•"/>
+              <a:defRPr>
+                <a:solidFill>
+                  <a:schemeClr val="tx1"/>
+                </a:solidFill>
+                <a:latin typeface="Calibri" charset="0"/>
+                <a:ea typeface="等线" charset="-122"/>
+                <a:cs typeface="等线" charset="-122"/>
+              </a:defRPr>
+            </a:lvl4pPr>
+            <a:lvl5pPr marL="2057400" indent="-228600">
+              <a:lnSpc>
+                <a:spcPct val="90000"/>
+              </a:lnSpc>
+              <a:spcBef>
+                <a:spcPts val="500"/>
+              </a:spcBef>
+              <a:buFont typeface="Arial" charset="0"/>
+              <a:buChar char="•"/>
+              <a:defRPr>
+                <a:solidFill>
+                  <a:schemeClr val="tx1"/>
+                </a:solidFill>
+                <a:latin typeface="Calibri" charset="0"/>
+                <a:ea typeface="等线" charset="-122"/>
+                <a:cs typeface="等线" charset="-122"/>
+              </a:defRPr>
+            </a:lvl5pPr>
+            <a:lvl6pPr marL="2514600" indent="-228600" fontAlgn="base">
+              <a:lnSpc>
+                <a:spcPct val="90000"/>
+              </a:lnSpc>
+              <a:spcBef>
+                <a:spcPts val="500"/>
+              </a:spcBef>
+              <a:spcAft>
+                <a:spcPct val="0"/>
+              </a:spcAft>
+              <a:buFont typeface="Arial" charset="0"/>
+              <a:buChar char="•"/>
+              <a:defRPr>
+                <a:solidFill>
+                  <a:schemeClr val="tx1"/>
+                </a:solidFill>
+                <a:latin typeface="Calibri" charset="0"/>
+                <a:ea typeface="等线" charset="-122"/>
+                <a:cs typeface="等线" charset="-122"/>
+              </a:defRPr>
+            </a:lvl6pPr>
+            <a:lvl7pPr marL="2971800" indent="-228600" fontAlgn="base">
+              <a:lnSpc>
+                <a:spcPct val="90000"/>
+              </a:lnSpc>
+              <a:spcBef>
+                <a:spcPts val="500"/>
+              </a:spcBef>
+              <a:spcAft>
+                <a:spcPct val="0"/>
+              </a:spcAft>
+              <a:buFont typeface="Arial" charset="0"/>
+              <a:buChar char="•"/>
+              <a:defRPr>
+                <a:solidFill>
+                  <a:schemeClr val="tx1"/>
+                </a:solidFill>
+                <a:latin typeface="Calibri" charset="0"/>
+                <a:ea typeface="等线" charset="-122"/>
+                <a:cs typeface="等线" charset="-122"/>
+              </a:defRPr>
+            </a:lvl7pPr>
+            <a:lvl8pPr marL="3429000" indent="-228600" fontAlgn="base">
+              <a:lnSpc>
+                <a:spcPct val="90000"/>
+              </a:lnSpc>
+              <a:spcBef>
+                <a:spcPts val="500"/>
+              </a:spcBef>
+              <a:spcAft>
+                <a:spcPct val="0"/>
+              </a:spcAft>
+              <a:buFont typeface="Arial" charset="0"/>
+              <a:buChar char="•"/>
+              <a:defRPr>
+                <a:solidFill>
+                  <a:schemeClr val="tx1"/>
+                </a:solidFill>
+                <a:latin typeface="Calibri" charset="0"/>
+                <a:ea typeface="等线" charset="-122"/>
+                <a:cs typeface="等线" charset="-122"/>
+              </a:defRPr>
+            </a:lvl8pPr>
+            <a:lvl9pPr marL="3886200" indent="-228600" fontAlgn="base">
+              <a:lnSpc>
+                <a:spcPct val="90000"/>
+              </a:lnSpc>
+              <a:spcBef>
+                <a:spcPts val="500"/>
+              </a:spcBef>
+              <a:spcAft>
+                <a:spcPct val="0"/>
+              </a:spcAft>
+              <a:buFont typeface="Arial" charset="0"/>
+              <a:buChar char="•"/>
+              <a:defRPr>
+                <a:solidFill>
+                  <a:schemeClr val="tx1"/>
+                </a:solidFill>
+                <a:latin typeface="Calibri" charset="0"/>
+                <a:ea typeface="等线" charset="-122"/>
+                <a:cs typeface="等线" charset="-122"/>
+              </a:defRPr>
+            </a:lvl9pPr>
+          </a:lstStyle>
+          <a:p>
+            <a:pPr eaLnBrk="1" hangingPunct="1">
+              <a:lnSpc>
+                <a:spcPct val="100000"/>
+              </a:lnSpc>
+              <a:spcBef>
+                <a:spcPct val="0"/>
+              </a:spcBef>
+              <a:buFontTx/>
+              <a:buNone/>
+            </a:pPr>
+            <a:r>
+              <a:rPr lang="en-US" altLang="zh-CN" sz="1901" b="1" dirty="0">
+                <a:solidFill>
+                  <a:schemeClr val="bg1"/>
+                </a:solidFill>
+                <a:latin typeface="微软雅黑" charset="-122"/>
+                <a:ea typeface="微软雅黑" charset="-122"/>
+                <a:cs typeface="微软雅黑" charset="-122"/>
+              </a:rPr>
+              <a:t>Python</a:t>
+            </a:r>
+            <a:r>
+              <a:rPr lang="zh-CN" altLang="en-US" sz="1901" b="1" dirty="0">
+                <a:solidFill>
+                  <a:schemeClr val="bg1"/>
+                </a:solidFill>
+                <a:latin typeface="微软雅黑" charset="-122"/>
+                <a:ea typeface="微软雅黑" charset="-122"/>
+                <a:cs typeface="微软雅黑" charset="-122"/>
+              </a:rPr>
+              <a:t>基础支持</a:t>
+            </a:r>
+          </a:p>
+        </p:txBody>
+      </p:sp>
+      <p:sp>
+        <p:nvSpPr>
+          <p:cNvPr id="3" name="矩形 24">
+            <a:extLst>
+              <a:ext uri="{FF2B5EF4-FFF2-40B4-BE49-F238E27FC236}">
+                <a16:creationId xmlns:a16="http://schemas.microsoft.com/office/drawing/2014/main" id="{4C16A8E4-4509-B440-8A58-03DF86ED0B67}"/>
+              </a:ext>
+            </a:extLst>
+          </p:cNvPr>
+          <p:cNvSpPr>
+            <a:spLocks noChangeArrowheads="1"/>
+          </p:cNvSpPr>
+          <p:nvPr/>
+        </p:nvSpPr>
+        <p:spPr bwMode="auto">
+          <a:xfrm>
+            <a:off x="289466" y="726215"/>
+            <a:ext cx="4282534" cy="787523"/>
+          </a:xfrm>
+          <a:prstGeom prst="rect">
+            <a:avLst/>
+          </a:prstGeom>
+          <a:noFill/>
+          <a:ln>
+            <a:noFill/>
+          </a:ln>
+          <a:extLst>
+            <a:ext uri="{909E8E84-426E-40DD-AFC4-6F175D3DCCD1}">
+              <a14:hiddenFill xmlns:a14="http://schemas.microsoft.com/office/drawing/2010/main">
+                <a:solidFill>
+                  <a:srgbClr val="FFFFFF"/>
+                </a:solidFill>
+              </a14:hiddenFill>
+            </a:ext>
+            <a:ext uri="{91240B29-F687-4F45-9708-019B960494DF}">
+              <a14:hiddenLine xmlns:a14="http://schemas.microsoft.com/office/drawing/2010/main" w="9525">
+                <a:solidFill>
+                  <a:srgbClr val="000000"/>
+                </a:solidFill>
+                <a:miter lim="800000"/>
+                <a:headEnd/>
+                <a:tailEnd/>
+              </a14:hiddenLine>
+            </a:ext>
+          </a:extLst>
+        </p:spPr>
+        <p:txBody>
+          <a:bodyPr wrap="square">
+            <a:spAutoFit/>
+          </a:bodyPr>
+          <a:lstStyle/>
+          <a:p>
+            <a:pPr>
+              <a:lnSpc>
+                <a:spcPct val="150000"/>
+              </a:lnSpc>
+            </a:pPr>
+            <a:r>
+              <a:rPr lang="en-US" altLang="zh-CN" sz="1600" dirty="0">
+                <a:solidFill>
+                  <a:schemeClr val="bg1"/>
+                </a:solidFill>
+                <a:latin typeface="微软雅黑" panose="020B0503020204020204" pitchFamily="34" charset="-122"/>
+                <a:ea typeface="微软雅黑" panose="020B0503020204020204" pitchFamily="34" charset="-122"/>
+                <a:sym typeface="微软雅黑" panose="020B0503020204020204" pitchFamily="34" charset="-122"/>
+              </a:rPr>
+              <a:t>PEP3107 </a:t>
+            </a:r>
+            <a:r>
+              <a:rPr lang="en-US" altLang="zh-CN" sz="1600" dirty="0" err="1">
+                <a:solidFill>
+                  <a:schemeClr val="bg1"/>
+                </a:solidFill>
+                <a:latin typeface="微软雅黑" panose="020B0503020204020204" pitchFamily="34" charset="-122"/>
+                <a:ea typeface="微软雅黑" panose="020B0503020204020204" pitchFamily="34" charset="-122"/>
+                <a:sym typeface="微软雅黑" panose="020B0503020204020204" pitchFamily="34" charset="-122"/>
+              </a:rPr>
+              <a:t>Functioin</a:t>
+            </a:r>
+            <a:r>
+              <a:rPr lang="en-US" altLang="zh-CN" sz="1600" dirty="0">
+                <a:solidFill>
+                  <a:schemeClr val="bg1"/>
+                </a:solidFill>
+                <a:latin typeface="微软雅黑" panose="020B0503020204020204" pitchFamily="34" charset="-122"/>
+                <a:ea typeface="微软雅黑" panose="020B0503020204020204" pitchFamily="34" charset="-122"/>
+                <a:sym typeface="微软雅黑" panose="020B0503020204020204" pitchFamily="34" charset="-122"/>
+              </a:rPr>
+              <a:t> Annotations</a:t>
+            </a:r>
+          </a:p>
+          <a:p>
+            <a:pPr>
+              <a:lnSpc>
+                <a:spcPct val="150000"/>
+              </a:lnSpc>
+            </a:pPr>
+            <a:r>
+              <a:rPr lang="en-US" altLang="zh-CN" sz="1600" dirty="0">
+                <a:solidFill>
+                  <a:schemeClr val="bg1"/>
+                </a:solidFill>
+                <a:latin typeface="微软雅黑" panose="020B0503020204020204" pitchFamily="34" charset="-122"/>
+                <a:ea typeface="微软雅黑" panose="020B0503020204020204" pitchFamily="34" charset="-122"/>
+                <a:sym typeface="微软雅黑" panose="020B0503020204020204" pitchFamily="34" charset="-122"/>
+              </a:rPr>
+              <a:t>PEP484   Type Hints</a:t>
+            </a:r>
+            <a:endParaRPr lang="zh-CN" altLang="en-US" sz="1600" dirty="0">
+              <a:solidFill>
+                <a:schemeClr val="bg1"/>
+              </a:solidFill>
+              <a:latin typeface="微软雅黑" panose="020B0503020204020204" pitchFamily="34" charset="-122"/>
+              <a:ea typeface="微软雅黑" panose="020B0503020204020204" pitchFamily="34" charset="-122"/>
+              <a:sym typeface="微软雅黑" panose="020B0503020204020204" pitchFamily="34" charset="-122"/>
+            </a:endParaRPr>
+          </a:p>
+        </p:txBody>
+      </p:sp>
+    </p:spTree>
+    <p:extLst>
+      <p:ext uri="{BB962C8B-B14F-4D97-AF65-F5344CB8AC3E}">
+        <p14:creationId xmlns:p14="http://schemas.microsoft.com/office/powerpoint/2010/main" val="2558052444"/>
       </p:ext>
     </p:extLst>
   </p:cSld>
@@ -13431,7 +14447,7 @@
         <p:spPr bwMode="auto">
           <a:xfrm>
             <a:off x="289467" y="341366"/>
-            <a:ext cx="2377574" cy="384849"/>
+            <a:ext cx="2082621" cy="384849"/>
           </a:xfrm>
           <a:prstGeom prst="rect">
             <a:avLst/>
@@ -13660,616 +14676,36 @@
                 <a:ea typeface="微软雅黑" charset="-122"/>
                 <a:cs typeface="微软雅黑" charset="-122"/>
               </a:rPr>
-              <a:t>简单的代数数据类型</a:t>
-            </a:r>
-          </a:p>
-        </p:txBody>
-      </p:sp>
-      <p:sp>
-        <p:nvSpPr>
-          <p:cNvPr id="3" name="矩形 24">
-            <a:extLst>
-              <a:ext uri="{FF2B5EF4-FFF2-40B4-BE49-F238E27FC236}">
-                <a16:creationId xmlns:a16="http://schemas.microsoft.com/office/drawing/2014/main" id="{4C16A8E4-4509-B440-8A58-03DF86ED0B67}"/>
-              </a:ext>
-            </a:extLst>
-          </p:cNvPr>
-          <p:cNvSpPr>
-            <a:spLocks noChangeArrowheads="1"/>
-          </p:cNvSpPr>
-          <p:nvPr/>
-        </p:nvSpPr>
-        <p:spPr bwMode="auto">
-          <a:xfrm>
-            <a:off x="286341" y="1412729"/>
-            <a:ext cx="5223564" cy="418191"/>
-          </a:xfrm>
-          <a:prstGeom prst="rect">
-            <a:avLst/>
-          </a:prstGeom>
-          <a:noFill/>
-          <a:ln>
-            <a:noFill/>
-          </a:ln>
-          <a:extLst>
-            <a:ext uri="{909E8E84-426E-40DD-AFC4-6F175D3DCCD1}">
-              <a14:hiddenFill xmlns:a14="http://schemas.microsoft.com/office/drawing/2010/main">
-                <a:solidFill>
-                  <a:srgbClr val="FFFFFF"/>
-                </a:solidFill>
-              </a14:hiddenFill>
-            </a:ext>
-            <a:ext uri="{91240B29-F687-4F45-9708-019B960494DF}">
-              <a14:hiddenLine xmlns:a14="http://schemas.microsoft.com/office/drawing/2010/main" w="9525">
-                <a:solidFill>
-                  <a:srgbClr val="000000"/>
-                </a:solidFill>
-                <a:miter lim="800000"/>
-                <a:headEnd/>
-                <a:tailEnd/>
-              </a14:hiddenLine>
-            </a:ext>
-          </a:extLst>
-        </p:spPr>
-        <p:txBody>
-          <a:bodyPr wrap="square">
-            <a:spAutoFit/>
-          </a:bodyPr>
-          <a:lstStyle/>
-          <a:p>
-            <a:pPr>
-              <a:lnSpc>
-                <a:spcPct val="150000"/>
-              </a:lnSpc>
-            </a:pPr>
-            <a:r>
-              <a:rPr lang="zh-CN" altLang="en-US" sz="1600" dirty="0">
+              <a:t>安装与使用</a:t>
+            </a:r>
+            <a:r>
+              <a:rPr lang="en-US" altLang="zh-CN" sz="1901" b="1" dirty="0" err="1">
                 <a:solidFill>
                   <a:schemeClr val="bg1"/>
                 </a:solidFill>
-                <a:latin typeface="微软雅黑" panose="020B0503020204020204" pitchFamily="34" charset="-122"/>
-                <a:ea typeface="微软雅黑" panose="020B0503020204020204" pitchFamily="34" charset="-122"/>
-                <a:sym typeface="微软雅黑" panose="020B0503020204020204" pitchFamily="34" charset="-122"/>
-              </a:rPr>
-              <a:t>当我们在计算类型的大小时，我们在计算什么？</a:t>
-            </a:r>
-            <a:endParaRPr lang="en-US" altLang="zh-CN" sz="1600" dirty="0">
+                <a:latin typeface="微软雅黑" charset="-122"/>
+                <a:ea typeface="微软雅黑" charset="-122"/>
+                <a:cs typeface="微软雅黑" charset="-122"/>
+              </a:rPr>
+              <a:t>mypy</a:t>
+            </a:r>
+            <a:endParaRPr lang="zh-CN" altLang="en-US" sz="1901" b="1" dirty="0">
               <a:solidFill>
                 <a:schemeClr val="bg1"/>
               </a:solidFill>
-              <a:latin typeface="微软雅黑" panose="020B0503020204020204" pitchFamily="34" charset="-122"/>
-              <a:ea typeface="微软雅黑" panose="020B0503020204020204" pitchFamily="34" charset="-122"/>
-              <a:sym typeface="微软雅黑" panose="020B0503020204020204" pitchFamily="34" charset="-122"/>
+              <a:latin typeface="微软雅黑" charset="-122"/>
+              <a:ea typeface="微软雅黑" charset="-122"/>
+              <a:cs typeface="微软雅黑" charset="-122"/>
             </a:endParaRPr>
-          </a:p>
-        </p:txBody>
-      </p:sp>
-      <p:sp>
-        <p:nvSpPr>
-          <p:cNvPr id="4" name="矩形 24">
-            <a:extLst>
-              <a:ext uri="{FF2B5EF4-FFF2-40B4-BE49-F238E27FC236}">
-                <a16:creationId xmlns:a16="http://schemas.microsoft.com/office/drawing/2014/main" id="{2E80F812-5BB5-4838-866F-A624453C29A9}"/>
-              </a:ext>
-            </a:extLst>
-          </p:cNvPr>
-          <p:cNvSpPr>
-            <a:spLocks noChangeArrowheads="1"/>
-          </p:cNvSpPr>
-          <p:nvPr/>
-        </p:nvSpPr>
-        <p:spPr bwMode="auto">
-          <a:xfrm>
-            <a:off x="286341" y="1933555"/>
-            <a:ext cx="6404294" cy="418191"/>
-          </a:xfrm>
-          <a:prstGeom prst="rect">
-            <a:avLst/>
-          </a:prstGeom>
-          <a:noFill/>
-          <a:ln>
-            <a:noFill/>
-          </a:ln>
-          <a:extLst>
-            <a:ext uri="{909E8E84-426E-40DD-AFC4-6F175D3DCCD1}">
-              <a14:hiddenFill xmlns:a14="http://schemas.microsoft.com/office/drawing/2010/main">
-                <a:solidFill>
-                  <a:srgbClr val="FFFFFF"/>
-                </a:solidFill>
-              </a14:hiddenFill>
-            </a:ext>
-            <a:ext uri="{91240B29-F687-4F45-9708-019B960494DF}">
-              <a14:hiddenLine xmlns:a14="http://schemas.microsoft.com/office/drawing/2010/main" w="9525">
-                <a:solidFill>
-                  <a:srgbClr val="000000"/>
-                </a:solidFill>
-                <a:miter lim="800000"/>
-                <a:headEnd/>
-                <a:tailEnd/>
-              </a14:hiddenLine>
-            </a:ext>
-          </a:extLst>
-        </p:spPr>
-        <p:txBody>
-          <a:bodyPr wrap="square">
-            <a:spAutoFit/>
-          </a:bodyPr>
-          <a:lstStyle/>
-          <a:p>
-            <a:pPr>
-              <a:lnSpc>
-                <a:spcPct val="150000"/>
-              </a:lnSpc>
-            </a:pPr>
-            <a:r>
-              <a:rPr lang="zh-CN" altLang="en-US" sz="1600" dirty="0">
-                <a:solidFill>
-                  <a:schemeClr val="bg1"/>
-                </a:solidFill>
-                <a:latin typeface="微软雅黑" panose="020B0503020204020204" pitchFamily="34" charset="-122"/>
-                <a:ea typeface="微软雅黑" panose="020B0503020204020204" pitchFamily="34" charset="-122"/>
-                <a:sym typeface="微软雅黑" panose="020B0503020204020204" pitchFamily="34" charset="-122"/>
-              </a:rPr>
-              <a:t>我们通过将类型视为集合来定义类型的大小，并计算可能的元素数量</a:t>
-            </a:r>
-            <a:endParaRPr lang="en-US" altLang="zh-CN" sz="1600" dirty="0">
-              <a:solidFill>
-                <a:schemeClr val="bg1"/>
-              </a:solidFill>
-              <a:latin typeface="微软雅黑" panose="020B0503020204020204" pitchFamily="34" charset="-122"/>
-              <a:ea typeface="微软雅黑" panose="020B0503020204020204" pitchFamily="34" charset="-122"/>
-              <a:sym typeface="微软雅黑" panose="020B0503020204020204" pitchFamily="34" charset="-122"/>
-            </a:endParaRPr>
-          </a:p>
-        </p:txBody>
-      </p:sp>
-      <p:sp>
-        <p:nvSpPr>
-          <p:cNvPr id="6" name="矩形 24">
-            <a:extLst>
-              <a:ext uri="{FF2B5EF4-FFF2-40B4-BE49-F238E27FC236}">
-                <a16:creationId xmlns:a16="http://schemas.microsoft.com/office/drawing/2014/main" id="{BBCDA909-056E-4AB4-8891-28AD348FB2A5}"/>
-              </a:ext>
-            </a:extLst>
-          </p:cNvPr>
-          <p:cNvSpPr>
-            <a:spLocks noChangeArrowheads="1"/>
-          </p:cNvSpPr>
-          <p:nvPr/>
-        </p:nvSpPr>
-        <p:spPr bwMode="auto">
-          <a:xfrm>
-            <a:off x="286340" y="2454381"/>
-            <a:ext cx="5632373" cy="787523"/>
-          </a:xfrm>
-          <a:prstGeom prst="rect">
-            <a:avLst/>
-          </a:prstGeom>
-          <a:noFill/>
-          <a:ln>
-            <a:noFill/>
-          </a:ln>
-          <a:extLst>
-            <a:ext uri="{909E8E84-426E-40DD-AFC4-6F175D3DCCD1}">
-              <a14:hiddenFill xmlns:a14="http://schemas.microsoft.com/office/drawing/2010/main">
-                <a:solidFill>
-                  <a:srgbClr val="FFFFFF"/>
-                </a:solidFill>
-              </a14:hiddenFill>
-            </a:ext>
-            <a:ext uri="{91240B29-F687-4F45-9708-019B960494DF}">
-              <a14:hiddenLine xmlns:a14="http://schemas.microsoft.com/office/drawing/2010/main" w="9525">
-                <a:solidFill>
-                  <a:srgbClr val="000000"/>
-                </a:solidFill>
-                <a:miter lim="800000"/>
-                <a:headEnd/>
-                <a:tailEnd/>
-              </a14:hiddenLine>
-            </a:ext>
-          </a:extLst>
-        </p:spPr>
-        <p:txBody>
-          <a:bodyPr wrap="square">
-            <a:spAutoFit/>
-          </a:bodyPr>
-          <a:lstStyle/>
-          <a:p>
-            <a:pPr>
-              <a:lnSpc>
-                <a:spcPct val="150000"/>
-              </a:lnSpc>
-            </a:pPr>
-            <a:r>
-              <a:rPr lang="zh-CN" altLang="en-US" sz="1600" dirty="0">
-                <a:solidFill>
-                  <a:schemeClr val="bg1"/>
-                </a:solidFill>
-                <a:latin typeface="微软雅黑" panose="020B0503020204020204" pitchFamily="34" charset="-122"/>
-                <a:ea typeface="微软雅黑" panose="020B0503020204020204" pitchFamily="34" charset="-122"/>
-                <a:sym typeface="微软雅黑" panose="020B0503020204020204" pitchFamily="34" charset="-122"/>
-              </a:rPr>
-              <a:t>比如说，因为有两个可能的布尔值</a:t>
-            </a:r>
-            <a:r>
-              <a:rPr lang="en-US" altLang="zh-CN" sz="1600" dirty="0">
-                <a:solidFill>
-                  <a:schemeClr val="bg1"/>
-                </a:solidFill>
-                <a:latin typeface="微软雅黑" panose="020B0503020204020204" pitchFamily="34" charset="-122"/>
-                <a:ea typeface="微软雅黑" panose="020B0503020204020204" pitchFamily="34" charset="-122"/>
-                <a:sym typeface="微软雅黑" panose="020B0503020204020204" pitchFamily="34" charset="-122"/>
-              </a:rPr>
-              <a:t>——True</a:t>
-            </a:r>
-            <a:r>
-              <a:rPr lang="zh-CN" altLang="en-US" sz="1600" dirty="0">
-                <a:solidFill>
-                  <a:schemeClr val="bg1"/>
-                </a:solidFill>
-                <a:latin typeface="微软雅黑" panose="020B0503020204020204" pitchFamily="34" charset="-122"/>
-                <a:ea typeface="微软雅黑" panose="020B0503020204020204" pitchFamily="34" charset="-122"/>
-                <a:sym typeface="微软雅黑" panose="020B0503020204020204" pitchFamily="34" charset="-122"/>
-              </a:rPr>
-              <a:t>和</a:t>
-            </a:r>
-            <a:r>
-              <a:rPr lang="en-US" altLang="zh-CN" sz="1600" dirty="0">
-                <a:solidFill>
-                  <a:schemeClr val="bg1"/>
-                </a:solidFill>
-                <a:latin typeface="微软雅黑" panose="020B0503020204020204" pitchFamily="34" charset="-122"/>
-                <a:ea typeface="微软雅黑" panose="020B0503020204020204" pitchFamily="34" charset="-122"/>
-                <a:sym typeface="微软雅黑" panose="020B0503020204020204" pitchFamily="34" charset="-122"/>
-              </a:rPr>
-              <a:t>False</a:t>
-            </a:r>
-            <a:r>
-              <a:rPr lang="zh-CN" altLang="en-US" sz="1600" dirty="0">
-                <a:solidFill>
-                  <a:schemeClr val="bg1"/>
-                </a:solidFill>
-                <a:latin typeface="微软雅黑" panose="020B0503020204020204" pitchFamily="34" charset="-122"/>
-                <a:ea typeface="微软雅黑" panose="020B0503020204020204" pitchFamily="34" charset="-122"/>
-                <a:sym typeface="微软雅黑" panose="020B0503020204020204" pitchFamily="34" charset="-122"/>
-              </a:rPr>
-              <a:t>，因此</a:t>
-            </a:r>
-            <a:r>
-              <a:rPr lang="en-US" altLang="zh-CN" sz="1600" dirty="0">
-                <a:solidFill>
-                  <a:schemeClr val="bg1"/>
-                </a:solidFill>
-                <a:latin typeface="微软雅黑" panose="020B0503020204020204" pitchFamily="34" charset="-122"/>
-                <a:ea typeface="微软雅黑" panose="020B0503020204020204" pitchFamily="34" charset="-122"/>
-                <a:sym typeface="微软雅黑" panose="020B0503020204020204" pitchFamily="34" charset="-122"/>
-              </a:rPr>
-              <a:t>Boolean</a:t>
-            </a:r>
-            <a:r>
-              <a:rPr lang="zh-CN" altLang="en-US" sz="1600" dirty="0">
-                <a:solidFill>
-                  <a:schemeClr val="bg1"/>
-                </a:solidFill>
-                <a:latin typeface="微软雅黑" panose="020B0503020204020204" pitchFamily="34" charset="-122"/>
-                <a:ea typeface="微软雅黑" panose="020B0503020204020204" pitchFamily="34" charset="-122"/>
-                <a:sym typeface="微软雅黑" panose="020B0503020204020204" pitchFamily="34" charset="-122"/>
-              </a:rPr>
-              <a:t>类型的大小为</a:t>
-            </a:r>
-            <a:r>
-              <a:rPr lang="en-US" altLang="zh-CN" sz="1600" dirty="0">
-                <a:solidFill>
-                  <a:schemeClr val="bg1"/>
-                </a:solidFill>
-                <a:latin typeface="微软雅黑" panose="020B0503020204020204" pitchFamily="34" charset="-122"/>
-                <a:ea typeface="微软雅黑" panose="020B0503020204020204" pitchFamily="34" charset="-122"/>
-                <a:sym typeface="微软雅黑" panose="020B0503020204020204" pitchFamily="34" charset="-122"/>
-              </a:rPr>
-              <a:t>2</a:t>
-            </a:r>
-          </a:p>
-        </p:txBody>
-      </p:sp>
-      <p:sp>
-        <p:nvSpPr>
-          <p:cNvPr id="8" name="矩形 24">
-            <a:extLst>
-              <a:ext uri="{FF2B5EF4-FFF2-40B4-BE49-F238E27FC236}">
-                <a16:creationId xmlns:a16="http://schemas.microsoft.com/office/drawing/2014/main" id="{A1406A92-A9F5-49A5-82C7-AB04526F7A69}"/>
-              </a:ext>
-            </a:extLst>
-          </p:cNvPr>
-          <p:cNvSpPr>
-            <a:spLocks noChangeArrowheads="1"/>
-          </p:cNvSpPr>
-          <p:nvPr/>
-        </p:nvSpPr>
-        <p:spPr bwMode="auto">
-          <a:xfrm>
-            <a:off x="286341" y="3344539"/>
-            <a:ext cx="5359857" cy="787523"/>
-          </a:xfrm>
-          <a:prstGeom prst="rect">
-            <a:avLst/>
-          </a:prstGeom>
-          <a:noFill/>
-          <a:ln>
-            <a:noFill/>
-          </a:ln>
-          <a:extLst>
-            <a:ext uri="{909E8E84-426E-40DD-AFC4-6F175D3DCCD1}">
-              <a14:hiddenFill xmlns:a14="http://schemas.microsoft.com/office/drawing/2010/main">
-                <a:solidFill>
-                  <a:srgbClr val="FFFFFF"/>
-                </a:solidFill>
-              </a14:hiddenFill>
-            </a:ext>
-            <a:ext uri="{91240B29-F687-4F45-9708-019B960494DF}">
-              <a14:hiddenLine xmlns:a14="http://schemas.microsoft.com/office/drawing/2010/main" w="9525">
-                <a:solidFill>
-                  <a:srgbClr val="000000"/>
-                </a:solidFill>
-                <a:miter lim="800000"/>
-                <a:headEnd/>
-                <a:tailEnd/>
-              </a14:hiddenLine>
-            </a:ext>
-          </a:extLst>
-        </p:spPr>
-        <p:txBody>
-          <a:bodyPr wrap="square">
-            <a:spAutoFit/>
-          </a:bodyPr>
-          <a:lstStyle/>
-          <a:p>
-            <a:pPr>
-              <a:lnSpc>
-                <a:spcPct val="150000"/>
-              </a:lnSpc>
-            </a:pPr>
-            <a:r>
-              <a:rPr lang="zh-CN" altLang="en-US" sz="1600" dirty="0">
-                <a:solidFill>
-                  <a:schemeClr val="bg1"/>
-                </a:solidFill>
-                <a:latin typeface="微软雅黑" panose="020B0503020204020204" pitchFamily="34" charset="-122"/>
-                <a:ea typeface="微软雅黑" panose="020B0503020204020204" pitchFamily="34" charset="-122"/>
-                <a:sym typeface="微软雅黑" panose="020B0503020204020204" pitchFamily="34" charset="-122"/>
-              </a:rPr>
-              <a:t>是否有一个尺寸为</a:t>
-            </a:r>
-            <a:r>
-              <a:rPr lang="en-US" altLang="zh-CN" sz="1600" dirty="0">
-                <a:solidFill>
-                  <a:schemeClr val="bg1"/>
-                </a:solidFill>
-                <a:latin typeface="微软雅黑" panose="020B0503020204020204" pitchFamily="34" charset="-122"/>
-                <a:ea typeface="微软雅黑" panose="020B0503020204020204" pitchFamily="34" charset="-122"/>
-                <a:sym typeface="微软雅黑" panose="020B0503020204020204" pitchFamily="34" charset="-122"/>
-              </a:rPr>
-              <a:t>1</a:t>
-            </a:r>
-            <a:r>
-              <a:rPr lang="zh-CN" altLang="en-US" sz="1600" dirty="0">
-                <a:solidFill>
-                  <a:schemeClr val="bg1"/>
-                </a:solidFill>
-                <a:latin typeface="微软雅黑" panose="020B0503020204020204" pitchFamily="34" charset="-122"/>
-                <a:ea typeface="微软雅黑" panose="020B0503020204020204" pitchFamily="34" charset="-122"/>
-                <a:sym typeface="微软雅黑" panose="020B0503020204020204" pitchFamily="34" charset="-122"/>
-              </a:rPr>
-              <a:t>的类型？</a:t>
-            </a:r>
-            <a:r>
-              <a:rPr lang="en-US" altLang="zh-CN" sz="1600" dirty="0">
-                <a:solidFill>
-                  <a:schemeClr val="bg1"/>
-                </a:solidFill>
-                <a:latin typeface="微软雅黑" panose="020B0503020204020204" pitchFamily="34" charset="-122"/>
-                <a:ea typeface="微软雅黑" panose="020B0503020204020204" pitchFamily="34" charset="-122"/>
-                <a:sym typeface="微软雅黑" panose="020B0503020204020204" pitchFamily="34" charset="-122"/>
-              </a:rPr>
-              <a:t>Python</a:t>
-            </a:r>
-            <a:r>
-              <a:rPr lang="zh-CN" altLang="en-US" sz="1600" dirty="0">
-                <a:solidFill>
-                  <a:schemeClr val="bg1"/>
-                </a:solidFill>
-                <a:latin typeface="微软雅黑" panose="020B0503020204020204" pitchFamily="34" charset="-122"/>
-                <a:ea typeface="微软雅黑" panose="020B0503020204020204" pitchFamily="34" charset="-122"/>
-                <a:sym typeface="微软雅黑" panose="020B0503020204020204" pitchFamily="34" charset="-122"/>
-              </a:rPr>
-              <a:t>中的空元组</a:t>
-            </a:r>
-            <a:r>
-              <a:rPr lang="en-US" altLang="zh-CN" sz="1600" dirty="0">
-                <a:solidFill>
-                  <a:schemeClr val="bg1"/>
-                </a:solidFill>
-                <a:latin typeface="微软雅黑" panose="020B0503020204020204" pitchFamily="34" charset="-122"/>
-                <a:ea typeface="微软雅黑" panose="020B0503020204020204" pitchFamily="34" charset="-122"/>
-                <a:sym typeface="微软雅黑" panose="020B0503020204020204" pitchFamily="34" charset="-122"/>
-              </a:rPr>
-              <a:t>()</a:t>
-            </a:r>
-            <a:r>
-              <a:rPr lang="zh-CN" altLang="en-US" sz="1600" dirty="0">
-                <a:solidFill>
-                  <a:schemeClr val="bg1"/>
-                </a:solidFill>
-                <a:latin typeface="微软雅黑" panose="020B0503020204020204" pitchFamily="34" charset="-122"/>
-                <a:ea typeface="微软雅黑" panose="020B0503020204020204" pitchFamily="34" charset="-122"/>
-                <a:sym typeface="微软雅黑" panose="020B0503020204020204" pitchFamily="34" charset="-122"/>
-              </a:rPr>
-              <a:t>和</a:t>
-            </a:r>
-            <a:r>
-              <a:rPr lang="en-US" altLang="zh-CN" sz="1600" dirty="0">
-                <a:solidFill>
-                  <a:schemeClr val="bg1"/>
-                </a:solidFill>
-                <a:latin typeface="微软雅黑" panose="020B0503020204020204" pitchFamily="34" charset="-122"/>
-                <a:ea typeface="微软雅黑" panose="020B0503020204020204" pitchFamily="34" charset="-122"/>
-                <a:sym typeface="微软雅黑" panose="020B0503020204020204" pitchFamily="34" charset="-122"/>
-              </a:rPr>
-              <a:t>None</a:t>
-            </a:r>
-            <a:r>
-              <a:rPr lang="zh-CN" altLang="en-US" sz="1600" dirty="0">
-                <a:solidFill>
-                  <a:schemeClr val="bg1"/>
-                </a:solidFill>
-                <a:latin typeface="微软雅黑" panose="020B0503020204020204" pitchFamily="34" charset="-122"/>
-                <a:ea typeface="微软雅黑" panose="020B0503020204020204" pitchFamily="34" charset="-122"/>
-                <a:sym typeface="微软雅黑" panose="020B0503020204020204" pitchFamily="34" charset="-122"/>
-              </a:rPr>
-              <a:t>都只有一个值</a:t>
-            </a:r>
-            <a:endParaRPr lang="en-US" altLang="zh-CN" sz="1600" dirty="0">
-              <a:solidFill>
-                <a:schemeClr val="bg1"/>
-              </a:solidFill>
-              <a:latin typeface="微软雅黑" panose="020B0503020204020204" pitchFamily="34" charset="-122"/>
-              <a:ea typeface="微软雅黑" panose="020B0503020204020204" pitchFamily="34" charset="-122"/>
-              <a:sym typeface="微软雅黑" panose="020B0503020204020204" pitchFamily="34" charset="-122"/>
-            </a:endParaRPr>
-          </a:p>
-        </p:txBody>
-      </p:sp>
-      <p:sp>
-        <p:nvSpPr>
-          <p:cNvPr id="10" name="矩形 24">
-            <a:extLst>
-              <a:ext uri="{FF2B5EF4-FFF2-40B4-BE49-F238E27FC236}">
-                <a16:creationId xmlns:a16="http://schemas.microsoft.com/office/drawing/2014/main" id="{0598B3C9-1771-4F5C-82C9-3FFDC115D6F1}"/>
-              </a:ext>
-            </a:extLst>
-          </p:cNvPr>
-          <p:cNvSpPr>
-            <a:spLocks noChangeArrowheads="1"/>
-          </p:cNvSpPr>
-          <p:nvPr/>
-        </p:nvSpPr>
-        <p:spPr bwMode="auto">
-          <a:xfrm>
-            <a:off x="283212" y="4234697"/>
-            <a:ext cx="5871634" cy="787523"/>
-          </a:xfrm>
-          <a:prstGeom prst="rect">
-            <a:avLst/>
-          </a:prstGeom>
-          <a:noFill/>
-          <a:ln>
-            <a:noFill/>
-          </a:ln>
-          <a:extLst>
-            <a:ext uri="{909E8E84-426E-40DD-AFC4-6F175D3DCCD1}">
-              <a14:hiddenFill xmlns:a14="http://schemas.microsoft.com/office/drawing/2010/main">
-                <a:solidFill>
-                  <a:srgbClr val="FFFFFF"/>
-                </a:solidFill>
-              </a14:hiddenFill>
-            </a:ext>
-            <a:ext uri="{91240B29-F687-4F45-9708-019B960494DF}">
-              <a14:hiddenLine xmlns:a14="http://schemas.microsoft.com/office/drawing/2010/main" w="9525">
-                <a:solidFill>
-                  <a:srgbClr val="000000"/>
-                </a:solidFill>
-                <a:miter lim="800000"/>
-                <a:headEnd/>
-                <a:tailEnd/>
-              </a14:hiddenLine>
-            </a:ext>
-          </a:extLst>
-        </p:spPr>
-        <p:txBody>
-          <a:bodyPr wrap="square">
-            <a:spAutoFit/>
-          </a:bodyPr>
-          <a:lstStyle/>
-          <a:p>
-            <a:pPr>
-              <a:lnSpc>
-                <a:spcPct val="150000"/>
-              </a:lnSpc>
-            </a:pPr>
-            <a:r>
-              <a:rPr lang="zh-CN" altLang="en-US" sz="1600" dirty="0">
-                <a:solidFill>
-                  <a:schemeClr val="bg1"/>
-                </a:solidFill>
-                <a:latin typeface="微软雅黑" panose="020B0503020204020204" pitchFamily="34" charset="-122"/>
-                <a:ea typeface="微软雅黑" panose="020B0503020204020204" pitchFamily="34" charset="-122"/>
-                <a:sym typeface="微软雅黑" panose="020B0503020204020204" pitchFamily="34" charset="-122"/>
-              </a:rPr>
-              <a:t>是否有一个尺寸为</a:t>
-            </a:r>
-            <a:r>
-              <a:rPr lang="en-US" altLang="zh-CN" sz="1600" dirty="0">
-                <a:solidFill>
-                  <a:schemeClr val="bg1"/>
-                </a:solidFill>
-                <a:latin typeface="微软雅黑" panose="020B0503020204020204" pitchFamily="34" charset="-122"/>
-                <a:ea typeface="微软雅黑" panose="020B0503020204020204" pitchFamily="34" charset="-122"/>
-                <a:sym typeface="微软雅黑" panose="020B0503020204020204" pitchFamily="34" charset="-122"/>
-              </a:rPr>
-              <a:t>0</a:t>
-            </a:r>
-            <a:r>
-              <a:rPr lang="zh-CN" altLang="en-US" sz="1600" dirty="0">
-                <a:solidFill>
-                  <a:schemeClr val="bg1"/>
-                </a:solidFill>
-                <a:latin typeface="微软雅黑" panose="020B0503020204020204" pitchFamily="34" charset="-122"/>
-                <a:ea typeface="微软雅黑" panose="020B0503020204020204" pitchFamily="34" charset="-122"/>
-                <a:sym typeface="微软雅黑" panose="020B0503020204020204" pitchFamily="34" charset="-122"/>
-              </a:rPr>
-              <a:t>的类型？在</a:t>
-            </a:r>
-            <a:r>
-              <a:rPr lang="en-US" altLang="zh-CN" sz="1600" dirty="0" err="1">
-                <a:solidFill>
-                  <a:schemeClr val="bg1"/>
-                </a:solidFill>
-                <a:latin typeface="微软雅黑" panose="020B0503020204020204" pitchFamily="34" charset="-122"/>
-                <a:ea typeface="微软雅黑" panose="020B0503020204020204" pitchFamily="34" charset="-122"/>
-                <a:sym typeface="微软雅黑" panose="020B0503020204020204" pitchFamily="34" charset="-122"/>
-              </a:rPr>
-              <a:t>CPython</a:t>
-            </a:r>
-            <a:r>
-              <a:rPr lang="zh-CN" altLang="en-US" sz="1600" dirty="0">
-                <a:solidFill>
-                  <a:schemeClr val="bg1"/>
-                </a:solidFill>
-                <a:latin typeface="微软雅黑" panose="020B0503020204020204" pitchFamily="34" charset="-122"/>
-                <a:ea typeface="微软雅黑" panose="020B0503020204020204" pitchFamily="34" charset="-122"/>
-                <a:sym typeface="微软雅黑" panose="020B0503020204020204" pitchFamily="34" charset="-122"/>
-              </a:rPr>
-              <a:t>中没有尺寸为零的类型，即使是“什么都不会返回”的函数，也会返回一个</a:t>
-            </a:r>
-            <a:r>
-              <a:rPr lang="en-US" altLang="zh-CN" sz="1600" dirty="0">
-                <a:solidFill>
-                  <a:schemeClr val="bg1"/>
-                </a:solidFill>
-                <a:latin typeface="微软雅黑" panose="020B0503020204020204" pitchFamily="34" charset="-122"/>
-                <a:ea typeface="微软雅黑" panose="020B0503020204020204" pitchFamily="34" charset="-122"/>
-                <a:sym typeface="微软雅黑" panose="020B0503020204020204" pitchFamily="34" charset="-122"/>
-              </a:rPr>
-              <a:t>None</a:t>
-            </a:r>
           </a:p>
         </p:txBody>
       </p:sp>
       <p:pic>
         <p:nvPicPr>
-          <p:cNvPr id="5" name="图片 4">
+          <p:cNvPr id="2" name="图片 1">
             <a:extLst>
               <a:ext uri="{FF2B5EF4-FFF2-40B4-BE49-F238E27FC236}">
-                <a16:creationId xmlns:a16="http://schemas.microsoft.com/office/drawing/2014/main" id="{8EAAC58D-5D93-4439-AE1B-41C7A2CEA57A}"/>
+                <a16:creationId xmlns:a16="http://schemas.microsoft.com/office/drawing/2014/main" id="{7D33A416-9E30-472E-9838-E9BB95788C8E}"/>
               </a:ext>
             </a:extLst>
           </p:cNvPr>
@@ -14286,8 +14722,8 @@
         </p:blipFill>
         <p:spPr>
           <a:xfrm>
-            <a:off x="5918713" y="2019474"/>
-            <a:ext cx="2932688" cy="3437652"/>
+            <a:off x="289467" y="867894"/>
+            <a:ext cx="5255580" cy="5437412"/>
           </a:xfrm>
           <a:prstGeom prst="rect">
             <a:avLst/>
@@ -14296,10 +14732,10 @@
       </p:pic>
       <p:sp>
         <p:nvSpPr>
-          <p:cNvPr id="11" name="矩形 24">
+          <p:cNvPr id="5" name="矩形 24">
             <a:extLst>
               <a:ext uri="{FF2B5EF4-FFF2-40B4-BE49-F238E27FC236}">
-                <a16:creationId xmlns:a16="http://schemas.microsoft.com/office/drawing/2014/main" id="{26B884B5-6DF6-4BAD-8660-F9F074EAE3B6}"/>
+                <a16:creationId xmlns:a16="http://schemas.microsoft.com/office/drawing/2014/main" id="{467C91C8-D5FC-4A62-BBA8-420091B2DF2C}"/>
               </a:ext>
             </a:extLst>
           </p:cNvPr>
@@ -14310,8 +14746,8 @@
         </p:nvSpPr>
         <p:spPr bwMode="auto">
           <a:xfrm>
-            <a:off x="283212" y="5124855"/>
-            <a:ext cx="5871634" cy="418191"/>
+            <a:off x="6579456" y="3586600"/>
+            <a:ext cx="1389858" cy="1156855"/>
           </a:xfrm>
           <a:prstGeom prst="rect">
             <a:avLst/>
@@ -14352,39 +14788,17 @@
               </a:lnSpc>
             </a:pPr>
             <a:r>
-              <a:rPr lang="en-US" altLang="zh-CN" sz="1600" dirty="0">
-                <a:solidFill>
-                  <a:schemeClr val="bg1"/>
+              <a:rPr lang="zh-CN" altLang="en-US" sz="1600">
+                <a:solidFill>
+                  <a:srgbClr val="FFFFFF"/>
                 </a:solidFill>
                 <a:latin typeface="微软雅黑" panose="020B0503020204020204" pitchFamily="34" charset="-122"/>
                 <a:ea typeface="微软雅黑" panose="020B0503020204020204" pitchFamily="34" charset="-122"/>
                 <a:sym typeface="微软雅黑" panose="020B0503020204020204" pitchFamily="34" charset="-122"/>
               </a:rPr>
-              <a:t>Typing</a:t>
-            </a:r>
-            <a:r>
-              <a:rPr lang="zh-CN" altLang="en-US" sz="1600" dirty="0">
-                <a:solidFill>
-                  <a:schemeClr val="bg1"/>
-                </a:solidFill>
-                <a:latin typeface="微软雅黑" panose="020B0503020204020204" pitchFamily="34" charset="-122"/>
-                <a:ea typeface="微软雅黑" panose="020B0503020204020204" pitchFamily="34" charset="-122"/>
-                <a:sym typeface="微软雅黑" panose="020B0503020204020204" pitchFamily="34" charset="-122"/>
-              </a:rPr>
-              <a:t>包中的</a:t>
-            </a:r>
-            <a:r>
-              <a:rPr lang="en-US" altLang="zh-CN" sz="1600" dirty="0" err="1">
-                <a:solidFill>
-                  <a:schemeClr val="bg1"/>
-                </a:solidFill>
-                <a:latin typeface="微软雅黑" panose="020B0503020204020204" pitchFamily="34" charset="-122"/>
-                <a:ea typeface="微软雅黑" panose="020B0503020204020204" pitchFamily="34" charset="-122"/>
-                <a:sym typeface="微软雅黑" panose="020B0503020204020204" pitchFamily="34" charset="-122"/>
-              </a:rPr>
-              <a:t>NoReturn</a:t>
-            </a:r>
-            <a:endParaRPr lang="en-US" altLang="zh-CN" sz="1600" dirty="0">
+              <a:t>会挨打，今天先贴上去，明天再改</a:t>
+            </a:r>
+            <a:endParaRPr lang="zh-CN" altLang="en-US" sz="1600" dirty="0">
               <a:solidFill>
                 <a:schemeClr val="bg1"/>
               </a:solidFill>
@@ -14398,7 +14812,7 @@
     </p:spTree>
     <p:extLst>
       <p:ext uri="{BB962C8B-B14F-4D97-AF65-F5344CB8AC3E}">
-        <p14:creationId xmlns:p14="http://schemas.microsoft.com/office/powerpoint/2010/main" val="3547235119"/>
+        <p14:creationId xmlns:p14="http://schemas.microsoft.com/office/powerpoint/2010/main" val="435621360"/>
       </p:ext>
     </p:extLst>
   </p:cSld>
@@ -14456,7 +14870,7 @@
         <p:spPr bwMode="auto">
           <a:xfrm>
             <a:off x="289467" y="341366"/>
-            <a:ext cx="2377574" cy="384849"/>
+            <a:ext cx="2133918" cy="384849"/>
           </a:xfrm>
           <a:prstGeom prst="rect">
             <a:avLst/>
@@ -14685,77 +15099,17 @@
                 <a:ea typeface="微软雅黑" charset="-122"/>
                 <a:cs typeface="微软雅黑" charset="-122"/>
               </a:rPr>
-              <a:t>计算复合类型的大小</a:t>
+              <a:t>单击此处添加标题</a:t>
             </a:r>
           </a:p>
         </p:txBody>
       </p:sp>
-      <p:pic>
-        <p:nvPicPr>
-          <p:cNvPr id="4" name="图片 3">
+      <p:sp>
+        <p:nvSpPr>
+          <p:cNvPr id="3" name="矩形 24">
             <a:extLst>
               <a:ext uri="{FF2B5EF4-FFF2-40B4-BE49-F238E27FC236}">
-                <a16:creationId xmlns:a16="http://schemas.microsoft.com/office/drawing/2014/main" id="{6EB2DC13-E689-4E3F-8759-D06A7823E562}"/>
-              </a:ext>
-            </a:extLst>
-          </p:cNvPr>
-          <p:cNvPicPr>
-            <a:picLocks noChangeAspect="1"/>
-          </p:cNvPicPr>
-          <p:nvPr/>
-        </p:nvPicPr>
-        <p:blipFill>
-          <a:blip r:embed="rId3"/>
-          <a:stretch>
-            <a:fillRect/>
-          </a:stretch>
-        </p:blipFill>
-        <p:spPr>
-          <a:xfrm>
-            <a:off x="289467" y="726215"/>
-            <a:ext cx="3713379" cy="4774345"/>
-          </a:xfrm>
-          <a:prstGeom prst="rect">
-            <a:avLst/>
-          </a:prstGeom>
-        </p:spPr>
-      </p:pic>
-      <p:pic>
-        <p:nvPicPr>
-          <p:cNvPr id="6" name="图片 5">
-            <a:extLst>
-              <a:ext uri="{FF2B5EF4-FFF2-40B4-BE49-F238E27FC236}">
-                <a16:creationId xmlns:a16="http://schemas.microsoft.com/office/drawing/2014/main" id="{1A4DAAA1-8847-4AE1-9D7F-804F19E2E6B4}"/>
-              </a:ext>
-            </a:extLst>
-          </p:cNvPr>
-          <p:cNvPicPr>
-            <a:picLocks noChangeAspect="1"/>
-          </p:cNvPicPr>
-          <p:nvPr/>
-        </p:nvPicPr>
-        <p:blipFill>
-          <a:blip r:embed="rId4"/>
-          <a:stretch>
-            <a:fillRect/>
-          </a:stretch>
-        </p:blipFill>
-        <p:spPr>
-          <a:xfrm>
-            <a:off x="3240350" y="1357440"/>
-            <a:ext cx="4989250" cy="3498954"/>
-          </a:xfrm>
-          <a:prstGeom prst="rect">
-            <a:avLst/>
-          </a:prstGeom>
-        </p:spPr>
-      </p:pic>
-      <p:sp>
-        <p:nvSpPr>
-          <p:cNvPr id="9" name="矩形 24">
-            <a:extLst>
-              <a:ext uri="{FF2B5EF4-FFF2-40B4-BE49-F238E27FC236}">
-                <a16:creationId xmlns:a16="http://schemas.microsoft.com/office/drawing/2014/main" id="{E31F1151-662F-4ACD-9676-13190A56A3BC}"/>
+                <a16:creationId xmlns:a16="http://schemas.microsoft.com/office/drawing/2014/main" id="{4C16A8E4-4509-B440-8A58-03DF86ED0B67}"/>
               </a:ext>
             </a:extLst>
           </p:cNvPr>
@@ -14766,8 +15120,8 @@
         </p:nvSpPr>
         <p:spPr bwMode="auto">
           <a:xfrm>
-            <a:off x="4531614" y="1357440"/>
-            <a:ext cx="2406721" cy="418191"/>
+            <a:off x="4368916" y="3213738"/>
+            <a:ext cx="1389858" cy="461665"/>
           </a:xfrm>
           <a:prstGeom prst="rect">
             <a:avLst/>
@@ -14810,37 +15164,14 @@
             <a:r>
               <a:rPr lang="zh-CN" altLang="en-US" sz="1600" dirty="0">
                 <a:solidFill>
-                  <a:schemeClr val="bg1"/>
+                  <a:srgbClr val="FFFFFF"/>
                 </a:solidFill>
                 <a:latin typeface="微软雅黑" panose="020B0503020204020204" pitchFamily="34" charset="-122"/>
                 <a:ea typeface="微软雅黑" panose="020B0503020204020204" pitchFamily="34" charset="-122"/>
-                <a:sym typeface="微软雅黑" panose="020B0503020204020204" pitchFamily="34" charset="-122"/>
-              </a:rPr>
-              <a:t>这是</a:t>
-            </a:r>
-            <a:r>
-              <a:rPr lang="en-US" altLang="zh-CN" sz="1600" dirty="0">
-                <a:solidFill>
-                  <a:schemeClr val="bg1"/>
-                </a:solidFill>
-                <a:latin typeface="微软雅黑" panose="020B0503020204020204" pitchFamily="34" charset="-122"/>
-                <a:ea typeface="微软雅黑" panose="020B0503020204020204" pitchFamily="34" charset="-122"/>
-                <a:sym typeface="微软雅黑" panose="020B0503020204020204" pitchFamily="34" charset="-122"/>
-              </a:rPr>
-              <a:t>A</a:t>
-            </a:r>
-            <a:r>
-              <a:rPr lang="zh-CN" altLang="en-US" sz="1600" dirty="0">
-                <a:solidFill>
-                  <a:schemeClr val="bg1"/>
-                </a:solidFill>
-                <a:latin typeface="微软雅黑" panose="020B0503020204020204" pitchFamily="34" charset="-122"/>
-                <a:ea typeface="微软雅黑" panose="020B0503020204020204" pitchFamily="34" charset="-122"/>
-                <a:sym typeface="微软雅黑" panose="020B0503020204020204" pitchFamily="34" charset="-122"/>
-              </a:rPr>
-              <a:t>类型每个可能的值</a:t>
-            </a:r>
-            <a:endParaRPr lang="en-US" altLang="zh-CN" sz="1600" dirty="0">
+              </a:rPr>
+              <a:t>正文</a:t>
+            </a:r>
+            <a:endParaRPr lang="zh-CN" altLang="en-US" sz="1600" dirty="0">
               <a:solidFill>
                 <a:schemeClr val="bg1"/>
               </a:solidFill>
@@ -14851,190 +15182,10 @@
           </a:p>
         </p:txBody>
       </p:sp>
-      <p:sp>
-        <p:nvSpPr>
-          <p:cNvPr id="10" name="矩形 24">
-            <a:extLst>
-              <a:ext uri="{FF2B5EF4-FFF2-40B4-BE49-F238E27FC236}">
-                <a16:creationId xmlns:a16="http://schemas.microsoft.com/office/drawing/2014/main" id="{CED27642-92EF-4989-8637-B42EFD16236D}"/>
-              </a:ext>
-            </a:extLst>
-          </p:cNvPr>
-          <p:cNvSpPr>
-            <a:spLocks noChangeArrowheads="1"/>
-          </p:cNvSpPr>
-          <p:nvPr/>
-        </p:nvSpPr>
-        <p:spPr bwMode="auto">
-          <a:xfrm>
-            <a:off x="833629" y="5082369"/>
-            <a:ext cx="5629315" cy="787523"/>
-          </a:xfrm>
-          <a:prstGeom prst="rect">
-            <a:avLst/>
-          </a:prstGeom>
-          <a:noFill/>
-          <a:ln>
-            <a:noFill/>
-          </a:ln>
-          <a:extLst>
-            <a:ext uri="{909E8E84-426E-40DD-AFC4-6F175D3DCCD1}">
-              <a14:hiddenFill xmlns:a14="http://schemas.microsoft.com/office/drawing/2010/main">
-                <a:solidFill>
-                  <a:srgbClr val="FFFFFF"/>
-                </a:solidFill>
-              </a14:hiddenFill>
-            </a:ext>
-            <a:ext uri="{91240B29-F687-4F45-9708-019B960494DF}">
-              <a14:hiddenLine xmlns:a14="http://schemas.microsoft.com/office/drawing/2010/main" w="9525">
-                <a:solidFill>
-                  <a:srgbClr val="000000"/>
-                </a:solidFill>
-                <a:miter lim="800000"/>
-                <a:headEnd/>
-                <a:tailEnd/>
-              </a14:hiddenLine>
-            </a:ext>
-          </a:extLst>
-        </p:spPr>
-        <p:txBody>
-          <a:bodyPr wrap="square">
-            <a:spAutoFit/>
-          </a:bodyPr>
-          <a:lstStyle/>
-          <a:p>
-            <a:pPr>
-              <a:lnSpc>
-                <a:spcPct val="150000"/>
-              </a:lnSpc>
-            </a:pPr>
-            <a:r>
-              <a:rPr lang="zh-CN" altLang="en-US" sz="1600" dirty="0">
-                <a:solidFill>
-                  <a:schemeClr val="bg1"/>
-                </a:solidFill>
-                <a:latin typeface="微软雅黑" panose="020B0503020204020204" pitchFamily="34" charset="-122"/>
-                <a:ea typeface="微软雅黑" panose="020B0503020204020204" pitchFamily="34" charset="-122"/>
-                <a:sym typeface="微软雅黑" panose="020B0503020204020204" pitchFamily="34" charset="-122"/>
-              </a:rPr>
-              <a:t>计算规则：积（</a:t>
-            </a:r>
-            <a:r>
-              <a:rPr lang="en-US" altLang="zh-CN" sz="1600" dirty="0">
-                <a:solidFill>
-                  <a:schemeClr val="bg1"/>
-                </a:solidFill>
-                <a:latin typeface="微软雅黑" panose="020B0503020204020204" pitchFamily="34" charset="-122"/>
-                <a:ea typeface="微软雅黑" panose="020B0503020204020204" pitchFamily="34" charset="-122"/>
-                <a:sym typeface="微软雅黑" panose="020B0503020204020204" pitchFamily="34" charset="-122"/>
-              </a:rPr>
-              <a:t>Product</a:t>
-            </a:r>
-            <a:r>
-              <a:rPr lang="zh-CN" altLang="en-US" sz="1600" dirty="0">
-                <a:solidFill>
-                  <a:schemeClr val="bg1"/>
-                </a:solidFill>
-                <a:latin typeface="微软雅黑" panose="020B0503020204020204" pitchFamily="34" charset="-122"/>
-                <a:ea typeface="微软雅黑" panose="020B0503020204020204" pitchFamily="34" charset="-122"/>
-                <a:sym typeface="微软雅黑" panose="020B0503020204020204" pitchFamily="34" charset="-122"/>
-              </a:rPr>
-              <a:t>）类型的大小是所有组件类型大小的乘积。</a:t>
-            </a:r>
-            <a:endParaRPr lang="en-US" altLang="zh-CN" sz="1600" dirty="0">
-              <a:solidFill>
-                <a:schemeClr val="bg1"/>
-              </a:solidFill>
-              <a:latin typeface="微软雅黑" panose="020B0503020204020204" pitchFamily="34" charset="-122"/>
-              <a:ea typeface="微软雅黑" panose="020B0503020204020204" pitchFamily="34" charset="-122"/>
-              <a:sym typeface="微软雅黑" panose="020B0503020204020204" pitchFamily="34" charset="-122"/>
-            </a:endParaRPr>
-          </a:p>
-        </p:txBody>
-      </p:sp>
-      <p:sp>
-        <p:nvSpPr>
-          <p:cNvPr id="11" name="矩形 24">
-            <a:extLst>
-              <a:ext uri="{FF2B5EF4-FFF2-40B4-BE49-F238E27FC236}">
-                <a16:creationId xmlns:a16="http://schemas.microsoft.com/office/drawing/2014/main" id="{BD03AAE1-53EB-43B5-A3AD-B16F22AAE6C5}"/>
-              </a:ext>
-            </a:extLst>
-          </p:cNvPr>
-          <p:cNvSpPr>
-            <a:spLocks noChangeArrowheads="1"/>
-          </p:cNvSpPr>
-          <p:nvPr/>
-        </p:nvSpPr>
-        <p:spPr bwMode="auto">
-          <a:xfrm>
-            <a:off x="833629" y="5467218"/>
-            <a:ext cx="6104706" cy="418191"/>
-          </a:xfrm>
-          <a:prstGeom prst="rect">
-            <a:avLst/>
-          </a:prstGeom>
-          <a:noFill/>
-          <a:ln>
-            <a:noFill/>
-          </a:ln>
-          <a:extLst>
-            <a:ext uri="{909E8E84-426E-40DD-AFC4-6F175D3DCCD1}">
-              <a14:hiddenFill xmlns:a14="http://schemas.microsoft.com/office/drawing/2010/main">
-                <a:solidFill>
-                  <a:srgbClr val="FFFFFF"/>
-                </a:solidFill>
-              </a14:hiddenFill>
-            </a:ext>
-            <a:ext uri="{91240B29-F687-4F45-9708-019B960494DF}">
-              <a14:hiddenLine xmlns:a14="http://schemas.microsoft.com/office/drawing/2010/main" w="9525">
-                <a:solidFill>
-                  <a:srgbClr val="000000"/>
-                </a:solidFill>
-                <a:miter lim="800000"/>
-                <a:headEnd/>
-                <a:tailEnd/>
-              </a14:hiddenLine>
-            </a:ext>
-          </a:extLst>
-        </p:spPr>
-        <p:txBody>
-          <a:bodyPr wrap="square">
-            <a:spAutoFit/>
-          </a:bodyPr>
-          <a:lstStyle/>
-          <a:p>
-            <a:pPr>
-              <a:lnSpc>
-                <a:spcPct val="150000"/>
-              </a:lnSpc>
-            </a:pPr>
-            <a:r>
-              <a:rPr lang="zh-CN" altLang="en-US" sz="1600" dirty="0">
-                <a:solidFill>
-                  <a:schemeClr val="bg1"/>
-                </a:solidFill>
-                <a:latin typeface="微软雅黑" panose="020B0503020204020204" pitchFamily="34" charset="-122"/>
-                <a:ea typeface="微软雅黑" panose="020B0503020204020204" pitchFamily="34" charset="-122"/>
-                <a:sym typeface="微软雅黑" panose="020B0503020204020204" pitchFamily="34" charset="-122"/>
-              </a:rPr>
-              <a:t>注意：这里的计算结果只是一个暂时性的结果，并非最终答案</a:t>
-            </a:r>
-            <a:endParaRPr lang="en-US" altLang="zh-CN" sz="1600" dirty="0">
-              <a:solidFill>
-                <a:schemeClr val="bg1"/>
-              </a:solidFill>
-              <a:latin typeface="微软雅黑" panose="020B0503020204020204" pitchFamily="34" charset="-122"/>
-              <a:ea typeface="微软雅黑" panose="020B0503020204020204" pitchFamily="34" charset="-122"/>
-              <a:sym typeface="微软雅黑" panose="020B0503020204020204" pitchFamily="34" charset="-122"/>
-            </a:endParaRPr>
-          </a:p>
-        </p:txBody>
-      </p:sp>
     </p:spTree>
     <p:extLst>
       <p:ext uri="{BB962C8B-B14F-4D97-AF65-F5344CB8AC3E}">
-        <p14:creationId xmlns:p14="http://schemas.microsoft.com/office/powerpoint/2010/main" val="2393249933"/>
+        <p14:creationId xmlns:p14="http://schemas.microsoft.com/office/powerpoint/2010/main" val="2647978397"/>
       </p:ext>
     </p:extLst>
   </p:cSld>

--- a/静态类型的Python.pptx
+++ b/静态类型的Python.pptx
@@ -288,7 +288,7 @@
           <a:p>
             <a:fld id="{B60CF929-FB50-4741-84D7-8CF100C351D5}" type="datetimeFigureOut">
               <a:rPr lang="zh-CN" altLang="en-US" smtClean="0"/>
-              <a:t>2019/10/24</a:t>
+              <a:t>2019/10/25</a:t>
             </a:fld>
             <a:endParaRPr lang="zh-CN" altLang="en-US"/>
           </a:p>
@@ -921,7 +921,7 @@
           <a:p>
             <a:fld id="{F0A149CF-A045-8242-8B65-E2C12EB46815}" type="datetimeFigureOut">
               <a:rPr kumimoji="1" lang="zh-CN" altLang="en-US" smtClean="0"/>
-              <a:t>2019/10/24</a:t>
+              <a:t>2019/10/25</a:t>
             </a:fld>
             <a:endParaRPr kumimoji="1" lang="zh-CN" altLang="en-US"/>
           </a:p>
@@ -1086,7 +1086,7 @@
           <a:p>
             <a:fld id="{F0A149CF-A045-8242-8B65-E2C12EB46815}" type="datetimeFigureOut">
               <a:rPr kumimoji="1" lang="zh-CN" altLang="en-US" smtClean="0"/>
-              <a:t>2019/10/24</a:t>
+              <a:t>2019/10/25</a:t>
             </a:fld>
             <a:endParaRPr kumimoji="1" lang="zh-CN" altLang="en-US"/>
           </a:p>
@@ -1261,7 +1261,7 @@
           <a:p>
             <a:fld id="{F0A149CF-A045-8242-8B65-E2C12EB46815}" type="datetimeFigureOut">
               <a:rPr kumimoji="1" lang="zh-CN" altLang="en-US" smtClean="0"/>
-              <a:t>2019/10/24</a:t>
+              <a:t>2019/10/25</a:t>
             </a:fld>
             <a:endParaRPr kumimoji="1" lang="zh-CN" altLang="en-US"/>
           </a:p>
@@ -1426,7 +1426,7 @@
           <a:p>
             <a:fld id="{F0A149CF-A045-8242-8B65-E2C12EB46815}" type="datetimeFigureOut">
               <a:rPr kumimoji="1" lang="zh-CN" altLang="en-US" smtClean="0"/>
-              <a:t>2019/10/24</a:t>
+              <a:t>2019/10/25</a:t>
             </a:fld>
             <a:endParaRPr kumimoji="1" lang="zh-CN" altLang="en-US"/>
           </a:p>
@@ -1665,7 +1665,7 @@
           <a:p>
             <a:fld id="{F0A149CF-A045-8242-8B65-E2C12EB46815}" type="datetimeFigureOut">
               <a:rPr kumimoji="1" lang="zh-CN" altLang="en-US" smtClean="0"/>
-              <a:t>2019/10/24</a:t>
+              <a:t>2019/10/25</a:t>
             </a:fld>
             <a:endParaRPr kumimoji="1" lang="zh-CN" altLang="en-US"/>
           </a:p>
@@ -1892,7 +1892,7 @@
           <a:p>
             <a:fld id="{F0A149CF-A045-8242-8B65-E2C12EB46815}" type="datetimeFigureOut">
               <a:rPr kumimoji="1" lang="zh-CN" altLang="en-US" smtClean="0"/>
-              <a:t>2019/10/24</a:t>
+              <a:t>2019/10/25</a:t>
             </a:fld>
             <a:endParaRPr kumimoji="1" lang="zh-CN" altLang="en-US"/>
           </a:p>
@@ -2254,7 +2254,7 @@
           <a:p>
             <a:fld id="{F0A149CF-A045-8242-8B65-E2C12EB46815}" type="datetimeFigureOut">
               <a:rPr kumimoji="1" lang="zh-CN" altLang="en-US" smtClean="0"/>
-              <a:t>2019/10/24</a:t>
+              <a:t>2019/10/25</a:t>
             </a:fld>
             <a:endParaRPr kumimoji="1" lang="zh-CN" altLang="en-US"/>
           </a:p>
@@ -2367,7 +2367,7 @@
           <a:p>
             <a:fld id="{F0A149CF-A045-8242-8B65-E2C12EB46815}" type="datetimeFigureOut">
               <a:rPr kumimoji="1" lang="zh-CN" altLang="en-US" smtClean="0"/>
-              <a:t>2019/10/24</a:t>
+              <a:t>2019/10/25</a:t>
             </a:fld>
             <a:endParaRPr kumimoji="1" lang="zh-CN" altLang="en-US"/>
           </a:p>
@@ -2457,7 +2457,7 @@
           <a:p>
             <a:fld id="{F0A149CF-A045-8242-8B65-E2C12EB46815}" type="datetimeFigureOut">
               <a:rPr kumimoji="1" lang="zh-CN" altLang="en-US" smtClean="0"/>
-              <a:t>2019/10/24</a:t>
+              <a:t>2019/10/25</a:t>
             </a:fld>
             <a:endParaRPr kumimoji="1" lang="zh-CN" altLang="en-US"/>
           </a:p>
@@ -2729,7 +2729,7 @@
           <a:p>
             <a:fld id="{F0A149CF-A045-8242-8B65-E2C12EB46815}" type="datetimeFigureOut">
               <a:rPr kumimoji="1" lang="zh-CN" altLang="en-US" smtClean="0"/>
-              <a:t>2019/10/24</a:t>
+              <a:t>2019/10/25</a:t>
             </a:fld>
             <a:endParaRPr kumimoji="1" lang="zh-CN" altLang="en-US"/>
           </a:p>
@@ -2981,7 +2981,7 @@
           <a:p>
             <a:fld id="{F0A149CF-A045-8242-8B65-E2C12EB46815}" type="datetimeFigureOut">
               <a:rPr kumimoji="1" lang="zh-CN" altLang="en-US" smtClean="0"/>
-              <a:t>2019/10/24</a:t>
+              <a:t>2019/10/25</a:t>
             </a:fld>
             <a:endParaRPr kumimoji="1" lang="zh-CN" altLang="en-US"/>
           </a:p>
@@ -3189,7 +3189,7 @@
           <a:p>
             <a:fld id="{F0A149CF-A045-8242-8B65-E2C12EB46815}" type="datetimeFigureOut">
               <a:rPr kumimoji="1" lang="zh-CN" altLang="en-US" smtClean="0"/>
-              <a:t>2019/10/24</a:t>
+              <a:t>2019/10/25</a:t>
             </a:fld>
             <a:endParaRPr kumimoji="1" lang="zh-CN" altLang="en-US"/>
           </a:p>
@@ -21574,7 +21574,7 @@
         <p:spPr bwMode="auto">
           <a:xfrm>
             <a:off x="3742880" y="2915810"/>
-            <a:ext cx="3350377" cy="1895519"/>
+            <a:ext cx="3767629" cy="2264851"/>
           </a:xfrm>
           <a:prstGeom prst="rect">
             <a:avLst/>
@@ -21697,7 +21697,7 @@
                 <a:ea typeface="微软雅黑" panose="020B0503020204020204" pitchFamily="34" charset="-122"/>
                 <a:sym typeface="微软雅黑" panose="020B0503020204020204" pitchFamily="34" charset="-122"/>
               </a:rPr>
-              <a:t>@himself65 </a:t>
+              <a:t>@himself65	</a:t>
             </a:r>
             <a:r>
               <a:rPr lang="zh-CN" altLang="en-US" sz="1600" dirty="0">
@@ -21708,7 +21708,7 @@
                 <a:ea typeface="微软雅黑" panose="020B0503020204020204" pitchFamily="34" charset="-122"/>
                 <a:sym typeface="微软雅黑" panose="020B0503020204020204" pitchFamily="34" charset="-122"/>
               </a:rPr>
-              <a:t>扩散性百万甜面包</a:t>
+              <a:t>🍞扩散性百万甜面包</a:t>
             </a:r>
             <a:endParaRPr lang="en-US" altLang="zh-CN" sz="1600" dirty="0">
               <a:solidFill>
@@ -21728,7 +21728,7 @@
             <a:r>
               <a:rPr lang="en-US" altLang="zh-CN" sz="1600" dirty="0">
                 <a:solidFill>
-                  <a:schemeClr val="bg1"/>
+                  <a:srgbClr val="FFFFFF"/>
                 </a:solidFill>
                 <a:latin typeface="微软雅黑" panose="020B0503020204020204" pitchFamily="34" charset="-122"/>
                 <a:ea typeface="微软雅黑" panose="020B0503020204020204" pitchFamily="34" charset="-122"/>
@@ -21745,7 +21745,88 @@
                 <a:ea typeface="微软雅黑" panose="020B0503020204020204" pitchFamily="34" charset="-122"/>
                 <a:sym typeface="微软雅黑" panose="020B0503020204020204" pitchFamily="34" charset="-122"/>
               </a:rPr>
+              <a:t>icey</a:t>
+            </a:r>
+            <a:r>
+              <a:rPr lang="en-US" altLang="zh-CN" sz="1600" dirty="0">
+                <a:solidFill>
+                  <a:srgbClr val="FFFFFF"/>
+                </a:solidFill>
+                <a:latin typeface="微软雅黑" panose="020B0503020204020204" pitchFamily="34" charset="-122"/>
+                <a:ea typeface="微软雅黑" panose="020B0503020204020204" pitchFamily="34" charset="-122"/>
+                <a:sym typeface="微软雅黑" panose="020B0503020204020204" pitchFamily="34" charset="-122"/>
+              </a:rPr>
+              <a:t>		</a:t>
+            </a:r>
+            <a:r>
+              <a:rPr lang="zh-CN" altLang="en-US" sz="1600" dirty="0">
+                <a:solidFill>
+                  <a:srgbClr val="FFFFFF"/>
+                </a:solidFill>
+                <a:latin typeface="微软雅黑" panose="020B0503020204020204" pitchFamily="34" charset="-122"/>
+                <a:ea typeface="微软雅黑" panose="020B0503020204020204" pitchFamily="34" charset="-122"/>
+                <a:sym typeface="微软雅黑" panose="020B0503020204020204" pitchFamily="34" charset="-122"/>
+              </a:rPr>
+              <a:t>🔨锤鸽</a:t>
+            </a:r>
+            <a:endParaRPr lang="en-US" altLang="zh-CN" sz="1600" dirty="0">
+              <a:solidFill>
+                <a:srgbClr val="FFFFFF"/>
+              </a:solidFill>
+              <a:latin typeface="微软雅黑" panose="020B0503020204020204" pitchFamily="34" charset="-122"/>
+              <a:ea typeface="微软雅黑" panose="020B0503020204020204" pitchFamily="34" charset="-122"/>
+              <a:sym typeface="微软雅黑" panose="020B0503020204020204" pitchFamily="34" charset="-122"/>
+            </a:endParaRPr>
+          </a:p>
+          <a:p>
+            <a:pPr>
+              <a:lnSpc>
+                <a:spcPct val="150000"/>
+              </a:lnSpc>
+            </a:pPr>
+            <a:r>
+              <a:rPr lang="en-US" altLang="zh-CN" sz="1600" dirty="0">
+                <a:solidFill>
+                  <a:schemeClr val="bg1"/>
+                </a:solidFill>
+                <a:latin typeface="微软雅黑" panose="020B0503020204020204" pitchFamily="34" charset="-122"/>
+                <a:ea typeface="微软雅黑" panose="020B0503020204020204" pitchFamily="34" charset="-122"/>
+                <a:sym typeface="微软雅黑" panose="020B0503020204020204" pitchFamily="34" charset="-122"/>
+              </a:rPr>
+              <a:t>@</a:t>
+            </a:r>
+            <a:r>
+              <a:rPr lang="en-US" altLang="zh-CN" sz="1600" dirty="0" err="1">
+                <a:solidFill>
+                  <a:srgbClr val="FFFFFF"/>
+                </a:solidFill>
+                <a:latin typeface="微软雅黑" panose="020B0503020204020204" pitchFamily="34" charset="-122"/>
+                <a:ea typeface="微软雅黑" panose="020B0503020204020204" pitchFamily="34" charset="-122"/>
+                <a:sym typeface="微软雅黑" panose="020B0503020204020204" pitchFamily="34" charset="-122"/>
+              </a:rPr>
               <a:t>LemonHX</a:t>
+            </a:r>
+            <a:r>
+              <a:rPr lang="en-US" altLang="zh-CN" sz="1600" dirty="0">
+                <a:solidFill>
+                  <a:srgbClr val="FFFFFF"/>
+                </a:solidFill>
+                <a:latin typeface="微软雅黑" panose="020B0503020204020204" pitchFamily="34" charset="-122"/>
+                <a:ea typeface="微软雅黑" panose="020B0503020204020204" pitchFamily="34" charset="-122"/>
+                <a:sym typeface="微软雅黑" panose="020B0503020204020204" pitchFamily="34" charset="-122"/>
+              </a:rPr>
+              <a:t>	</a:t>
+            </a:r>
+            <a:r>
+              <a:rPr lang="zh-CN" altLang="en-US" sz="1600">
+                <a:solidFill>
+                  <a:srgbClr val="FFFFFF"/>
+                </a:solidFill>
+                <a:latin typeface="微软雅黑" panose="020B0503020204020204" pitchFamily="34" charset="-122"/>
+                <a:ea typeface="微软雅黑" panose="020B0503020204020204" pitchFamily="34" charset="-122"/>
+                <a:sym typeface="微软雅黑" panose="020B0503020204020204" pitchFamily="34" charset="-122"/>
+              </a:rPr>
+              <a:t>🍋柠檬浣熊</a:t>
             </a:r>
             <a:endParaRPr lang="en-US" altLang="zh-CN" sz="1600" dirty="0">
               <a:solidFill>
